--- a/SHDD Mobile Presentation.pptx
+++ b/SHDD Mobile Presentation.pptx
@@ -5,53 +5,59 @@
     <p:sldMasterId id="2147483648" r:id="rId1"/>
   </p:sldMasterIdLst>
   <p:notesMasterIdLst>
-    <p:notesMasterId r:id="rId46"/>
+    <p:notesMasterId r:id="rId52"/>
   </p:notesMasterIdLst>
   <p:sldIdLst>
     <p:sldId id="257" r:id="rId2"/>
     <p:sldId id="285" r:id="rId3"/>
     <p:sldId id="284" r:id="rId4"/>
     <p:sldId id="259" r:id="rId5"/>
-    <p:sldId id="280" r:id="rId6"/>
-    <p:sldId id="281" r:id="rId7"/>
-    <p:sldId id="275" r:id="rId8"/>
-    <p:sldId id="282" r:id="rId9"/>
-    <p:sldId id="277" r:id="rId10"/>
-    <p:sldId id="311" r:id="rId11"/>
-    <p:sldId id="276" r:id="rId12"/>
-    <p:sldId id="308" r:id="rId13"/>
-    <p:sldId id="310" r:id="rId14"/>
-    <p:sldId id="278" r:id="rId15"/>
-    <p:sldId id="260" r:id="rId16"/>
-    <p:sldId id="279" r:id="rId17"/>
-    <p:sldId id="272" r:id="rId18"/>
-    <p:sldId id="265" r:id="rId19"/>
-    <p:sldId id="283" r:id="rId20"/>
-    <p:sldId id="288" r:id="rId21"/>
-    <p:sldId id="261" r:id="rId22"/>
-    <p:sldId id="262" r:id="rId23"/>
-    <p:sldId id="263" r:id="rId24"/>
-    <p:sldId id="264" r:id="rId25"/>
-    <p:sldId id="273" r:id="rId26"/>
-    <p:sldId id="298" r:id="rId27"/>
-    <p:sldId id="289" r:id="rId28"/>
-    <p:sldId id="299" r:id="rId29"/>
-    <p:sldId id="300" r:id="rId30"/>
-    <p:sldId id="302" r:id="rId31"/>
-    <p:sldId id="309" r:id="rId32"/>
-    <p:sldId id="290" r:id="rId33"/>
-    <p:sldId id="296" r:id="rId34"/>
-    <p:sldId id="306" r:id="rId35"/>
-    <p:sldId id="295" r:id="rId36"/>
-    <p:sldId id="291" r:id="rId37"/>
-    <p:sldId id="297" r:id="rId38"/>
-    <p:sldId id="305" r:id="rId39"/>
-    <p:sldId id="292" r:id="rId40"/>
-    <p:sldId id="304" r:id="rId41"/>
-    <p:sldId id="303" r:id="rId42"/>
-    <p:sldId id="271" r:id="rId43"/>
-    <p:sldId id="294" r:id="rId44"/>
-    <p:sldId id="293" r:id="rId45"/>
+    <p:sldId id="313" r:id="rId6"/>
+    <p:sldId id="314" r:id="rId7"/>
+    <p:sldId id="315" r:id="rId8"/>
+    <p:sldId id="280" r:id="rId9"/>
+    <p:sldId id="281" r:id="rId10"/>
+    <p:sldId id="275" r:id="rId11"/>
+    <p:sldId id="282" r:id="rId12"/>
+    <p:sldId id="277" r:id="rId13"/>
+    <p:sldId id="311" r:id="rId14"/>
+    <p:sldId id="310" r:id="rId15"/>
+    <p:sldId id="276" r:id="rId16"/>
+    <p:sldId id="308" r:id="rId17"/>
+    <p:sldId id="279" r:id="rId18"/>
+    <p:sldId id="272" r:id="rId19"/>
+    <p:sldId id="318" r:id="rId20"/>
+    <p:sldId id="265" r:id="rId21"/>
+    <p:sldId id="312" r:id="rId22"/>
+    <p:sldId id="319" r:id="rId23"/>
+    <p:sldId id="283" r:id="rId24"/>
+    <p:sldId id="320" r:id="rId25"/>
+    <p:sldId id="261" r:id="rId26"/>
+    <p:sldId id="262" r:id="rId27"/>
+    <p:sldId id="288" r:id="rId28"/>
+    <p:sldId id="263" r:id="rId29"/>
+    <p:sldId id="264" r:id="rId30"/>
+    <p:sldId id="273" r:id="rId31"/>
+    <p:sldId id="298" r:id="rId32"/>
+    <p:sldId id="289" r:id="rId33"/>
+    <p:sldId id="299" r:id="rId34"/>
+    <p:sldId id="300" r:id="rId35"/>
+    <p:sldId id="302" r:id="rId36"/>
+    <p:sldId id="309" r:id="rId37"/>
+    <p:sldId id="290" r:id="rId38"/>
+    <p:sldId id="296" r:id="rId39"/>
+    <p:sldId id="306" r:id="rId40"/>
+    <p:sldId id="295" r:id="rId41"/>
+    <p:sldId id="291" r:id="rId42"/>
+    <p:sldId id="297" r:id="rId43"/>
+    <p:sldId id="305" r:id="rId44"/>
+    <p:sldId id="321" r:id="rId45"/>
+    <p:sldId id="304" r:id="rId46"/>
+    <p:sldId id="303" r:id="rId47"/>
+    <p:sldId id="271" r:id="rId48"/>
+    <p:sldId id="317" r:id="rId49"/>
+    <p:sldId id="294" r:id="rId50"/>
+    <p:sldId id="293" r:id="rId51"/>
   </p:sldIdLst>
   <p:sldSz cx="9144000" cy="6858000" type="screen4x3"/>
   <p:notesSz cx="6858000" cy="9144000"/>
@@ -236,7 +242,7 @@
             <a:fld id="{FEDC8CBE-0516-0F4D-8564-FA76C135E2E1}" type="datetimeFigureOut">
               <a:rPr lang="en-US" smtClean="0"/>
               <a:pPr/>
-              <a:t>8/29/12</a:t>
+              <a:t>9/6/12</a:t>
             </a:fld>
             <a:endParaRPr lang="en-US"/>
           </a:p>
@@ -632,49 +638,15 @@
           <a:p>
             <a:r>
               <a:rPr lang="en-US" dirty="0" smtClean="0"/>
-              <a:t>Mobile is currently an extension of your application. This may not be true in the future. It is quickly becoming the preferred</a:t>
+              <a:t>Yahoo Maps has very creatively created a simple interface for locating points of interest on a Map based on the user’s location. Rather than fumbling with a keyboard input, a user can simply draw any shape around an area of the map they</a:t>
             </a:r>
             <a:r>
               <a:rPr lang="en-US" baseline="0" dirty="0" smtClean="0"/>
-              <a:t> user experience.</a:t>
-            </a:r>
-            <a:r>
-              <a:rPr lang="en-US" baseline="0" dirty="0"/>
-              <a:t> </a:t>
-            </a:r>
-            <a:r>
-              <a:rPr lang="en-US" baseline="0" dirty="0" err="1" smtClean="0"/>
-              <a:t>Facebook</a:t>
-            </a:r>
-            <a:r>
-              <a:rPr lang="en-US" baseline="0" dirty="0" smtClean="0"/>
-              <a:t> already recognizes this and has already invested heavily in focusing their entire platform on mobile.</a:t>
-            </a:r>
-          </a:p>
-          <a:p>
-            <a:endParaRPr lang="en-US" baseline="0" dirty="0" smtClean="0"/>
-          </a:p>
-          <a:p>
-            <a:r>
-              <a:rPr lang="en-US" dirty="0" err="1" smtClean="0"/>
-              <a:t>Facebook</a:t>
-            </a:r>
-            <a:r>
-              <a:rPr lang="en-US" dirty="0" smtClean="0"/>
-              <a:t> app</a:t>
-            </a:r>
-          </a:p>
-          <a:p>
-            <a:r>
-              <a:rPr lang="en-US" dirty="0" smtClean="0"/>
-              <a:t>More than 800 million active users, 350 million through the Mobile App (insert diagram BK)</a:t>
-            </a:r>
-          </a:p>
-          <a:p>
-            <a:endParaRPr lang="en-US" dirty="0" smtClean="0"/>
-          </a:p>
-          <a:p>
-            <a:endParaRPr lang="en-US" dirty="0" smtClean="0"/>
+              <a:t> are interested in and get all points of interest located within that drawn shape. You can glean a lot of information about an area with one swipe of the thumb.</a:t>
+            </a:r>
+          </a:p>
+          <a:p>
+            <a:endParaRPr lang="en-US" dirty="0"/>
           </a:p>
         </p:txBody>
       </p:sp>
@@ -696,7 +668,7 @@
             <a:fld id="{E13C647F-34F3-974C-9753-1483AC25DB52}" type="slidenum">
               <a:rPr lang="en-US" smtClean="0"/>
               <a:pPr/>
-              <a:t>14</a:t>
+              <a:t>13</a:t>
             </a:fld>
             <a:endParaRPr lang="en-US"/>
           </a:p>
@@ -756,77 +728,29 @@
           </a:bodyPr>
           <a:lstStyle/>
           <a:p>
-            <a:r>
-              <a:rPr lang="en-US" dirty="0" smtClean="0"/>
-              <a:t>More applications will be developed for the Mobile web than PCs.</a:t>
-            </a:r>
-          </a:p>
-          <a:p>
-            <a:endParaRPr lang="en-US" sz="1200" kern="1200" dirty="0" smtClean="0">
-              <a:solidFill>
-                <a:schemeClr val="tx1"/>
-              </a:solidFill>
-              <a:latin typeface="+mn-lt"/>
-              <a:ea typeface="+mn-ea"/>
-              <a:cs typeface="+mn-cs"/>
-            </a:endParaRPr>
-          </a:p>
-          <a:p>
-            <a:endParaRPr lang="en-US" sz="1200" kern="1200" dirty="0" smtClean="0">
-              <a:solidFill>
-                <a:schemeClr val="tx1"/>
-              </a:solidFill>
-              <a:latin typeface="+mn-lt"/>
-              <a:ea typeface="+mn-ea"/>
-              <a:cs typeface="+mn-cs"/>
-            </a:endParaRPr>
-          </a:p>
-          <a:p>
-            <a:r>
-              <a:rPr lang="en-US" sz="1200" kern="1200" dirty="0" smtClean="0">
-                <a:solidFill>
-                  <a:schemeClr val="tx1"/>
-                </a:solidFill>
-                <a:latin typeface="+mn-lt"/>
-                <a:ea typeface="+mn-ea"/>
-                <a:cs typeface="+mn-cs"/>
-              </a:rPr>
-              <a:t>There are 1.3 million mobile apps today, versus 50,000 to 75,000 PC applications,</a:t>
-            </a:r>
-          </a:p>
-          <a:p>
-            <a:endParaRPr lang="en-US" sz="1200" kern="1200" dirty="0" smtClean="0">
-              <a:solidFill>
-                <a:schemeClr val="tx1"/>
-              </a:solidFill>
-              <a:latin typeface="+mn-lt"/>
-              <a:ea typeface="+mn-ea"/>
-              <a:cs typeface="+mn-cs"/>
-            </a:endParaRPr>
-          </a:p>
-          <a:p>
-            <a:r>
-              <a:rPr lang="en-US" sz="1200" kern="1200" dirty="0" smtClean="0">
-                <a:solidFill>
-                  <a:schemeClr val="tx1"/>
-                </a:solidFill>
-                <a:latin typeface="+mn-lt"/>
-                <a:ea typeface="+mn-ea"/>
-                <a:cs typeface="+mn-cs"/>
-              </a:rPr>
-              <a:t>Mobile</a:t>
-            </a:r>
-            <a:r>
-              <a:rPr lang="en-US" sz="1200" kern="1200" baseline="0" dirty="0" smtClean="0">
-                <a:solidFill>
-                  <a:schemeClr val="tx1"/>
-                </a:solidFill>
-                <a:latin typeface="+mn-lt"/>
-                <a:ea typeface="+mn-ea"/>
-                <a:cs typeface="+mn-cs"/>
-              </a:rPr>
-              <a:t> is quickly becoming the preferred choice among users.</a:t>
-            </a:r>
+            <a:pPr marL="0" marR="0" indent="0" algn="l" defTabSz="457200" rtl="0" eaLnBrk="1" fontAlgn="auto" latinLnBrk="0" hangingPunct="1">
+              <a:lnSpc>
+                <a:spcPct val="100000"/>
+              </a:lnSpc>
+              <a:spcBef>
+                <a:spcPts val="0"/>
+              </a:spcBef>
+              <a:spcAft>
+                <a:spcPts val="0"/>
+              </a:spcAft>
+              <a:buClrTx/>
+              <a:buSzTx/>
+              <a:buFontTx/>
+              <a:buNone/>
+              <a:tabLst/>
+              <a:defRPr/>
+            </a:pPr>
+            <a:r>
+              <a:rPr lang="en-US" dirty="0" smtClean="0"/>
+              <a:t>Used mostly for games, but think about using it for your buttons or environment interactions.</a:t>
+            </a:r>
+          </a:p>
+          <a:p>
             <a:endParaRPr lang="en-US" dirty="0"/>
           </a:p>
         </p:txBody>
@@ -846,10 +770,10 @@
           <a:bodyPr/>
           <a:lstStyle/>
           <a:p>
-            <a:fld id="{E13C647F-34F3-974C-9753-1483AC25DB52}" type="slidenum">
+            <a:fld id="{B56118CC-64D6-A546-92A4-A14C73E863FA}" type="slidenum">
               <a:rPr lang="en-US" smtClean="0"/>
               <a:pPr/>
-              <a:t>15</a:t>
+              <a:t>14</a:t>
             </a:fld>
             <a:endParaRPr lang="en-US"/>
           </a:p>
@@ -909,57 +833,44 @@
           </a:bodyPr>
           <a:lstStyle/>
           <a:p>
-            <a:pPr marL="0" marR="0" indent="0" algn="l" defTabSz="457200" rtl="0" eaLnBrk="1" fontAlgn="auto" latinLnBrk="0" hangingPunct="1">
-              <a:lnSpc>
-                <a:spcPct val="100000"/>
-              </a:lnSpc>
-              <a:spcBef>
-                <a:spcPts val="0"/>
-              </a:spcBef>
-              <a:spcAft>
-                <a:spcPts val="0"/>
-              </a:spcAft>
-              <a:buClrTx/>
-              <a:buSzTx/>
-              <a:buFontTx/>
-              <a:buNone/>
-              <a:tabLst/>
-              <a:defRPr/>
-            </a:pPr>
-            <a:r>
-              <a:rPr lang="en-US" dirty="0" smtClean="0"/>
-              <a:t>Mobile Devices are changing the way we develop. Mobile use may usurp desktop/laptop use as the preferred experience.</a:t>
-            </a:r>
-          </a:p>
-          <a:p>
+            <a:r>
+              <a:rPr lang="en-US" dirty="0" smtClean="0"/>
+              <a:t>The London Underground has</a:t>
+            </a:r>
+            <a:r>
+              <a:rPr lang="en-US" baseline="0" dirty="0" smtClean="0"/>
+              <a:t> developed a Camera Overlay that makes use of your location Data via GPS services. It will overlay arrows pointing to the nearest stations via your camera display. This is an incredibly inventive way to direct users to the nearest station while also giving them insight into the Line the subway operates on.</a:t>
+            </a:r>
+          </a:p>
+          <a:p>
+            <a:endParaRPr lang="en-US" baseline="0" dirty="0" smtClean="0"/>
+          </a:p>
+          <a:p>
+            <a:r>
+              <a:rPr lang="en-US" baseline="0" dirty="0" smtClean="0"/>
+              <a:t>Useful Libraries</a:t>
+            </a:r>
+          </a:p>
+          <a:p>
+            <a:r>
+              <a:rPr lang="en-US" dirty="0" smtClean="0"/>
+              <a:t>http://</a:t>
+            </a:r>
+            <a:r>
+              <a:rPr lang="en-US" dirty="0" err="1" smtClean="0"/>
+              <a:t>code.google.com/p/andar</a:t>
+            </a:r>
+            <a:r>
+              <a:rPr lang="en-US" dirty="0" smtClean="0"/>
+              <a:t>/</a:t>
+            </a:r>
+          </a:p>
+          <a:p>
+            <a:r>
+              <a:rPr lang="en-US" dirty="0" err="1" smtClean="0"/>
+              <a:t>https://developer.qualcomm.com/mobile-development/mobile-technologies/augmented-reality</a:t>
+            </a:r>
             <a:endParaRPr lang="en-US" dirty="0" smtClean="0"/>
-          </a:p>
-          <a:p>
-            <a:r>
-              <a:rPr lang="en-US" dirty="0" smtClean="0"/>
-              <a:t>Applications are no longer monolithic apps that do everything. Applications are now smaller, hyper focused and unchained by location.</a:t>
-            </a:r>
-          </a:p>
-          <a:p>
-            <a:r>
-              <a:rPr lang="en-US" dirty="0" smtClean="0"/>
-              <a:t>In mobile, the application is the sum of all its parts and those parts are the hyper focused individual apps.</a:t>
-            </a:r>
-          </a:p>
-          <a:p>
-            <a:endParaRPr lang="en-US" dirty="0" smtClean="0"/>
-          </a:p>
-          <a:p>
-            <a:r>
-              <a:rPr lang="en-US" dirty="0" smtClean="0"/>
-              <a:t>Future development may sidestep the large desktop experience with mobile as the augmenter, to a Mobile first approach.</a:t>
-            </a:r>
-          </a:p>
-          <a:p>
-            <a:r>
-              <a:rPr lang="en-US" dirty="0" smtClean="0"/>
-              <a:t>How do we evolve to a new development landscape that requires rapidly deploying smaller plank applications?</a:t>
-            </a:r>
           </a:p>
           <a:p>
             <a:endParaRPr lang="en-US" dirty="0"/>
@@ -984,7 +895,7 @@
             <a:fld id="{E13C647F-34F3-974C-9753-1483AC25DB52}" type="slidenum">
               <a:rPr lang="en-US" smtClean="0"/>
               <a:pPr/>
-              <a:t>16</a:t>
+              <a:t>15</a:t>
             </a:fld>
             <a:endParaRPr lang="en-US"/>
           </a:p>
@@ -1044,14 +955,59 @@
           </a:bodyPr>
           <a:lstStyle/>
           <a:p>
-            <a:r>
-              <a:rPr lang="en-US" dirty="0" smtClean="0"/>
-              <a:t>A</a:t>
-            </a:r>
-            <a:r>
-              <a:rPr lang="en-US" baseline="0" dirty="0" smtClean="0"/>
-              <a:t> mobile app is not as simple as porting your enterprise application on a mobile device. A mobile device provides a totally different user experience that requires you to boil down your content and functionality to it’s basest components. Mobile users use mobile apps in completely different way. Being mobile means that there are environmental factors that split the user’s focus. When developing on mobile, you need to be aware of these environmental distractions and plan for your user to only be using one eye and one thumb.</a:t>
-            </a:r>
+            <a:pPr marL="0" marR="0" indent="0" algn="l" defTabSz="457200" rtl="0" eaLnBrk="1" fontAlgn="auto" latinLnBrk="0" hangingPunct="1">
+              <a:lnSpc>
+                <a:spcPct val="100000"/>
+              </a:lnSpc>
+              <a:spcBef>
+                <a:spcPts val="0"/>
+              </a:spcBef>
+              <a:spcAft>
+                <a:spcPts val="0"/>
+              </a:spcAft>
+              <a:buClrTx/>
+              <a:buSzTx/>
+              <a:buFontTx/>
+              <a:buNone/>
+              <a:tabLst/>
+              <a:defRPr/>
+            </a:pPr>
+            <a:r>
+              <a:rPr lang="en-US" dirty="0" smtClean="0"/>
+              <a:t>Mobile Devices are changing the way we develop. Mobile use may usurp desktop/laptop use as the preferred experience.</a:t>
+            </a:r>
+          </a:p>
+          <a:p>
+            <a:endParaRPr lang="en-US" dirty="0" smtClean="0"/>
+          </a:p>
+          <a:p>
+            <a:r>
+              <a:rPr lang="en-US" dirty="0" smtClean="0"/>
+              <a:t>Applications are no longer monolithic apps that do everything. Applications are now smaller, hyper focused and unchained by location.</a:t>
+            </a:r>
+          </a:p>
+          <a:p>
+            <a:r>
+              <a:rPr lang="en-US" dirty="0" smtClean="0"/>
+              <a:t>In mobile, the application is the sum of all its parts and those parts are the hyper focused individual apps.</a:t>
+            </a:r>
+          </a:p>
+          <a:p>
+            <a:endParaRPr lang="en-US" dirty="0" smtClean="0"/>
+          </a:p>
+          <a:p>
+            <a:r>
+              <a:rPr lang="en-US" dirty="0" smtClean="0"/>
+              <a:t>Future development may sidestep the large desktop experience with mobile as the augmenter, to a Mobile first approach.</a:t>
+            </a:r>
+          </a:p>
+          <a:p>
+            <a:r>
+              <a:rPr lang="en-US" dirty="0" smtClean="0"/>
+              <a:t>How do we evolve to a new development landscape that requires rapidly deploying smaller plank applications?</a:t>
+            </a:r>
+          </a:p>
+          <a:p>
             <a:endParaRPr lang="en-US" dirty="0"/>
           </a:p>
         </p:txBody>
@@ -1074,7 +1030,7 @@
             <a:fld id="{E13C647F-34F3-974C-9753-1483AC25DB52}" type="slidenum">
               <a:rPr lang="en-US" smtClean="0"/>
               <a:pPr/>
-              <a:t>18</a:t>
+              <a:t>17</a:t>
             </a:fld>
             <a:endParaRPr lang="en-US"/>
           </a:p>
@@ -1134,23 +1090,6 @@
           </a:bodyPr>
           <a:lstStyle/>
           <a:p>
-            <a:pPr marL="0" marR="0" indent="0" algn="l" defTabSz="457200" rtl="0" eaLnBrk="1" fontAlgn="auto" latinLnBrk="0" hangingPunct="1">
-              <a:lnSpc>
-                <a:spcPct val="100000"/>
-              </a:lnSpc>
-              <a:spcBef>
-                <a:spcPts val="0"/>
-              </a:spcBef>
-              <a:spcAft>
-                <a:spcPts val="0"/>
-              </a:spcAft>
-              <a:buClrTx/>
-              <a:buSzTx/>
-              <a:buFontTx/>
-              <a:buNone/>
-              <a:tabLst/>
-              <a:defRPr/>
-            </a:pPr>
             <a:r>
               <a:rPr lang="en-US" dirty="0" smtClean="0"/>
               <a:t>A</a:t>
@@ -1159,9 +1098,6 @@
               <a:rPr lang="en-US" baseline="0" dirty="0" smtClean="0"/>
               <a:t> mobile app is not as simple as porting your enterprise application on a mobile device. A mobile device provides a totally different user experience that requires you to boil down your content and functionality to it’s basest components. Mobile users use mobile apps in completely different way. Being mobile means that there are environmental factors that split the user’s focus. When developing on mobile, you need to be aware of these environmental distractions and plan for your user to only be using one eye and one thumb.</a:t>
             </a:r>
-            <a:endParaRPr lang="en-US" dirty="0" smtClean="0"/>
-          </a:p>
-          <a:p>
             <a:endParaRPr lang="en-US" dirty="0"/>
           </a:p>
         </p:txBody>
@@ -1181,12 +1117,12 @@
           <a:bodyPr/>
           <a:lstStyle/>
           <a:p>
-            <a:fld id="{B56118CC-64D6-A546-92A4-A14C73E863FA}" type="slidenum">
+            <a:fld id="{E13C647F-34F3-974C-9753-1483AC25DB52}" type="slidenum">
               <a:rPr lang="en-US" smtClean="0"/>
               <a:pPr/>
-              <a:t>19</a:t>
+              <a:t>20</a:t>
             </a:fld>
-            <a:endParaRPr lang="en-US"/>
+            <a:endParaRPr lang="en-US" dirty="0"/>
           </a:p>
         </p:txBody>
       </p:sp>
@@ -1244,14 +1180,34 @@
           </a:bodyPr>
           <a:lstStyle/>
           <a:p>
-            <a:r>
-              <a:rPr lang="en-US" dirty="0" smtClean="0"/>
-              <a:t>The Native capabilities</a:t>
+            <a:pPr marL="0" marR="0" indent="0" algn="l" defTabSz="457200" rtl="0" eaLnBrk="1" fontAlgn="auto" latinLnBrk="0" hangingPunct="1">
+              <a:lnSpc>
+                <a:spcPct val="100000"/>
+              </a:lnSpc>
+              <a:spcBef>
+                <a:spcPts val="0"/>
+              </a:spcBef>
+              <a:spcAft>
+                <a:spcPts val="0"/>
+              </a:spcAft>
+              <a:buClrTx/>
+              <a:buSzTx/>
+              <a:buFontTx/>
+              <a:buNone/>
+              <a:tabLst/>
+              <a:defRPr/>
+            </a:pPr>
+            <a:r>
+              <a:rPr lang="en-US" dirty="0" smtClean="0"/>
+              <a:t>A</a:t>
             </a:r>
             <a:r>
               <a:rPr lang="en-US" baseline="0" dirty="0" smtClean="0"/>
-              <a:t> of mobile devices opens up a whole slew of new interactions. New functionality on the horizon is ambient light detection and NFC.</a:t>
-            </a:r>
+              <a:t> mobile app is not as simple as porting your enterprise application on a mobile device. A mobile device provides a totally different user experience that requires you to boil down your content and functionality to it’s basest components. Mobile users use mobile apps in completely different way. Being mobile means that there are environmental factors that split the user’s focus. When developing on mobile, you need to be aware of these environmental distractions and plan for your user to only be using one eye and one thumb.</a:t>
+            </a:r>
+            <a:endParaRPr lang="en-US" dirty="0" smtClean="0"/>
+          </a:p>
+          <a:p>
             <a:endParaRPr lang="en-US" dirty="0"/>
           </a:p>
         </p:txBody>
@@ -1271,10 +1227,10 @@
           <a:bodyPr/>
           <a:lstStyle/>
           <a:p>
-            <a:fld id="{E13C647F-34F3-974C-9753-1483AC25DB52}" type="slidenum">
+            <a:fld id="{B56118CC-64D6-A546-92A4-A14C73E863FA}" type="slidenum">
               <a:rPr lang="en-US" smtClean="0"/>
               <a:pPr/>
-              <a:t>20</a:t>
+              <a:t>21</a:t>
             </a:fld>
             <a:endParaRPr lang="en-US"/>
           </a:p>
@@ -1334,14 +1290,6 @@
           </a:bodyPr>
           <a:lstStyle/>
           <a:p>
-            <a:r>
-              <a:rPr lang="en-US" dirty="0" smtClean="0"/>
-              <a:t>Your Typical web application needs to do many</a:t>
-            </a:r>
-            <a:r>
-              <a:rPr lang="en-US" baseline="0" dirty="0" smtClean="0"/>
-              <a:t> things and fit many users. It involves planning, understanding user needs, large timelines &amp; development teams to satisfy this. </a:t>
-            </a:r>
             <a:endParaRPr lang="en-US" dirty="0"/>
           </a:p>
         </p:txBody>
@@ -1361,12 +1309,12 @@
           <a:bodyPr/>
           <a:lstStyle/>
           <a:p>
-            <a:fld id="{F1BAD5D1-458A-0243-9408-4F8107F9CA3D}" type="slidenum">
+            <a:fld id="{B56118CC-64D6-A546-92A4-A14C73E863FA}" type="slidenum">
               <a:rPr lang="en-US" smtClean="0"/>
               <a:pPr/>
-              <a:t>21</a:t>
+              <a:t>23</a:t>
             </a:fld>
-            <a:endParaRPr lang="en-US"/>
+            <a:endParaRPr lang="en-US" dirty="0"/>
           </a:p>
         </p:txBody>
       </p:sp>
@@ -1424,62 +1372,14 @@
           </a:bodyPr>
           <a:lstStyle/>
           <a:p>
-            <a:pPr marL="0" marR="0" indent="0" algn="l" defTabSz="457200" rtl="0" eaLnBrk="1" fontAlgn="auto" latinLnBrk="0" hangingPunct="1">
-              <a:lnSpc>
-                <a:spcPct val="100000"/>
-              </a:lnSpc>
-              <a:spcBef>
-                <a:spcPts val="0"/>
-              </a:spcBef>
-              <a:spcAft>
-                <a:spcPts val="0"/>
-              </a:spcAft>
-              <a:buClrTx/>
-              <a:buSzTx/>
-              <a:buFontTx/>
-              <a:buNone/>
-              <a:tabLst/>
-              <a:defRPr/>
-            </a:pPr>
-            <a:r>
-              <a:rPr lang="en-US" dirty="0" smtClean="0"/>
-              <a:t>An App seeks not to do everything, but focus on just what</a:t>
+            <a:r>
+              <a:rPr lang="en-US" dirty="0" smtClean="0"/>
+              <a:t>Your Typical web application needs to do many</a:t>
             </a:r>
             <a:r>
               <a:rPr lang="en-US" baseline="0" dirty="0" smtClean="0"/>
-              <a:t> </a:t>
-            </a:r>
-            <a:r>
-              <a:rPr lang="en-US" dirty="0" smtClean="0"/>
-              <a:t>the each user actually</a:t>
-            </a:r>
-            <a:r>
-              <a:rPr lang="en-US" baseline="0" dirty="0" smtClean="0"/>
-              <a:t> needs. The total sum of all mobile applications is the whole enterprise application with a tailored user experiences.</a:t>
-            </a:r>
-            <a:endParaRPr lang="en-US" dirty="0" smtClean="0"/>
-          </a:p>
-          <a:p>
-            <a:pPr marL="0" marR="0" indent="0" algn="l" defTabSz="457200" rtl="0" eaLnBrk="1" fontAlgn="auto" latinLnBrk="0" hangingPunct="1">
-              <a:lnSpc>
-                <a:spcPct val="100000"/>
-              </a:lnSpc>
-              <a:spcBef>
-                <a:spcPts val="0"/>
-              </a:spcBef>
-              <a:spcAft>
-                <a:spcPts val="0"/>
-              </a:spcAft>
-              <a:buClrTx/>
-              <a:buSzTx/>
-              <a:buFontTx/>
-              <a:buNone/>
-              <a:tabLst/>
-              <a:defRPr/>
-            </a:pPr>
-            <a:endParaRPr lang="en-US" dirty="0" smtClean="0"/>
-          </a:p>
-          <a:p>
+              <a:t> things and fit many users. It involves planning, understanding user needs, large timelines &amp; development teams to satisfy this. </a:t>
+            </a:r>
             <a:endParaRPr lang="en-US" dirty="0"/>
           </a:p>
         </p:txBody>
@@ -1502,9 +1402,9 @@
             <a:fld id="{F1BAD5D1-458A-0243-9408-4F8107F9CA3D}" type="slidenum">
               <a:rPr lang="en-US" smtClean="0"/>
               <a:pPr/>
-              <a:t>22</a:t>
+              <a:t>25</a:t>
             </a:fld>
-            <a:endParaRPr lang="en-US"/>
+            <a:endParaRPr lang="en-US" dirty="0"/>
           </a:p>
         </p:txBody>
       </p:sp>
@@ -1581,12 +1481,47 @@
             </a:pPr>
             <a:r>
               <a:rPr lang="en-US" dirty="0" smtClean="0"/>
-              <a:t>Apps</a:t>
+              <a:t>An App seeks not to do everything, but focus on just what</a:t>
             </a:r>
             <a:r>
               <a:rPr lang="en-US" baseline="0" dirty="0" smtClean="0"/>
-              <a:t> connect the same way applications do. They can use the same web security to access Services, Databases &amp; information as a web application. In this manner, your Domain Focused mobile applications extend you web application in new and personalized ways.</a:t>
-            </a:r>
+              <a:t> </a:t>
+            </a:r>
+            <a:r>
+              <a:rPr lang="en-US" dirty="0" smtClean="0"/>
+              <a:t>the each user actually</a:t>
+            </a:r>
+            <a:r>
+              <a:rPr lang="en-US" baseline="0" dirty="0" smtClean="0"/>
+              <a:t> needs. The total sum of all mobile applications is the whole enterprise application with a tailored user experiences</a:t>
+            </a:r>
+            <a:r>
+              <a:rPr lang="en-US" baseline="0" dirty="0" smtClean="0"/>
+              <a:t>. Think of what you really want to do on your banking app.</a:t>
+            </a:r>
+            <a:endParaRPr lang="en-US" dirty="0" smtClean="0"/>
+          </a:p>
+          <a:p>
+            <a:pPr marL="0" marR="0" indent="0" algn="l" defTabSz="457200" rtl="0" eaLnBrk="1" fontAlgn="auto" latinLnBrk="0" hangingPunct="1">
+              <a:lnSpc>
+                <a:spcPct val="100000"/>
+              </a:lnSpc>
+              <a:spcBef>
+                <a:spcPts val="0"/>
+              </a:spcBef>
+              <a:spcAft>
+                <a:spcPts val="0"/>
+              </a:spcAft>
+              <a:buClrTx/>
+              <a:buSzTx/>
+              <a:buFontTx/>
+              <a:buNone/>
+              <a:tabLst/>
+              <a:defRPr/>
+            </a:pPr>
+            <a:endParaRPr lang="en-US" dirty="0" smtClean="0"/>
+          </a:p>
+          <a:p>
             <a:endParaRPr lang="en-US" dirty="0"/>
           </a:p>
         </p:txBody>
@@ -1609,9 +1544,9 @@
             <a:fld id="{F1BAD5D1-458A-0243-9408-4F8107F9CA3D}" type="slidenum">
               <a:rPr lang="en-US" smtClean="0"/>
               <a:pPr/>
-              <a:t>23</a:t>
+              <a:t>26</a:t>
             </a:fld>
-            <a:endParaRPr lang="en-US"/>
+            <a:endParaRPr lang="en-US" dirty="0"/>
           </a:p>
         </p:txBody>
       </p:sp>
@@ -1670,64 +1605,13 @@
           <a:lstStyle/>
           <a:p>
             <a:r>
-              <a:rPr lang="en-US" dirty="0" smtClean="0">
-                <a:solidFill>
-                  <a:srgbClr val="FFFFFF"/>
-                </a:solidFill>
-              </a:rPr>
-              <a:t>Embrace mobile constraints to focus and prioritize the services we’re designing and building.</a:t>
-            </a:r>
-          </a:p>
-          <a:p>
-            <a:endParaRPr lang="en-US" dirty="0" smtClean="0">
-              <a:solidFill>
-                <a:srgbClr val="FFFFFF"/>
-              </a:solidFill>
-            </a:endParaRPr>
-          </a:p>
-          <a:p>
-            <a:r>
-              <a:rPr lang="en-US" dirty="0" smtClean="0">
-                <a:solidFill>
-                  <a:srgbClr val="FFFFFF"/>
-                </a:solidFill>
-              </a:rPr>
-              <a:t>Use mobile capabilities to innovate the complete customer experience.</a:t>
-            </a:r>
-          </a:p>
-          <a:p>
-            <a:endParaRPr lang="en-US" dirty="0" smtClean="0">
-              <a:solidFill>
-                <a:srgbClr val="FFFFFF"/>
-              </a:solidFill>
-            </a:endParaRPr>
-          </a:p>
-          <a:p>
-            <a:r>
-              <a:rPr lang="en-US" dirty="0" smtClean="0">
-                <a:solidFill>
-                  <a:srgbClr val="FFFFFF"/>
-                </a:solidFill>
-              </a:rPr>
-              <a:t>Take what we know about designing for the web and start thinking differently about mobile organization, actions, </a:t>
-            </a:r>
-            <a:br>
-              <a:rPr lang="en-US" dirty="0" smtClean="0">
-                <a:solidFill>
-                  <a:srgbClr val="FFFFFF"/>
-                </a:solidFill>
-              </a:rPr>
-            </a:br>
-            <a:r>
-              <a:rPr lang="en-US" dirty="0" smtClean="0">
-                <a:solidFill>
-                  <a:srgbClr val="FFFFFF"/>
-                </a:solidFill>
-              </a:rPr>
-              <a:t>inputs, and layout. </a:t>
-            </a:r>
-          </a:p>
-          <a:p>
+              <a:rPr lang="en-US" dirty="0" smtClean="0"/>
+              <a:t>The Native capabilities</a:t>
+            </a:r>
+            <a:r>
+              <a:rPr lang="en-US" baseline="0" dirty="0" smtClean="0"/>
+              <a:t> of mobile devices opens up a whole slew of new interactions. New functionality on the horizon is ambient light detection and NFC.</a:t>
+            </a:r>
             <a:endParaRPr lang="en-US" dirty="0"/>
           </a:p>
         </p:txBody>
@@ -1750,9 +1634,9 @@
             <a:fld id="{E13C647F-34F3-974C-9753-1483AC25DB52}" type="slidenum">
               <a:rPr lang="en-US" smtClean="0"/>
               <a:pPr/>
-              <a:t>24</a:t>
+              <a:t>27</a:t>
             </a:fld>
-            <a:endParaRPr lang="en-US"/>
+            <a:endParaRPr lang="en-US" dirty="0"/>
           </a:p>
         </p:txBody>
       </p:sp>
@@ -1951,34 +1835,30 @@
           </a:bodyPr>
           <a:lstStyle/>
           <a:p>
-            <a:r>
-              <a:rPr lang="en-US" dirty="0" smtClean="0"/>
-              <a:t>Engaged employees are the creative force behind everything good that happens in an organization.</a:t>
-            </a:r>
-          </a:p>
-          <a:p>
-            <a:endParaRPr lang="en-US" dirty="0" smtClean="0"/>
-          </a:p>
-          <a:p>
-            <a:r>
-              <a:rPr lang="en-US" dirty="0" smtClean="0"/>
-              <a:t>http://gmj.gallup.com/content/150710/High-Energy-Workplaces-Save-America.aspx?utm_source=</a:t>
-            </a:r>
-            <a:r>
-              <a:rPr lang="en-US" dirty="0" err="1" smtClean="0"/>
-              <a:t>email&amp;utm_medium</a:t>
-            </a:r>
-            <a:r>
-              <a:rPr lang="en-US" dirty="0" smtClean="0"/>
-              <a:t>=012012&amp;utm_content=</a:t>
-            </a:r>
-            <a:r>
-              <a:rPr lang="en-US" dirty="0" err="1" smtClean="0"/>
-              <a:t>titlelink&amp;utm_campaign</a:t>
-            </a:r>
-            <a:r>
-              <a:rPr lang="en-US" dirty="0" smtClean="0"/>
-              <a:t>=newsletter#2</a:t>
+            <a:pPr marL="0" marR="0" indent="0" algn="l" defTabSz="457200" rtl="0" eaLnBrk="1" fontAlgn="auto" latinLnBrk="0" hangingPunct="1">
+              <a:lnSpc>
+                <a:spcPct val="100000"/>
+              </a:lnSpc>
+              <a:spcBef>
+                <a:spcPts val="0"/>
+              </a:spcBef>
+              <a:spcAft>
+                <a:spcPts val="0"/>
+              </a:spcAft>
+              <a:buClrTx/>
+              <a:buSzTx/>
+              <a:buFontTx/>
+              <a:buNone/>
+              <a:tabLst/>
+              <a:defRPr/>
+            </a:pPr>
+            <a:r>
+              <a:rPr lang="en-US" dirty="0" smtClean="0"/>
+              <a:t>Apps</a:t>
+            </a:r>
+            <a:r>
+              <a:rPr lang="en-US" baseline="0" dirty="0" smtClean="0"/>
+              <a:t> connect the same way applications do. They can use the same web security to access Services, Databases &amp; information as a web application. In this manner, your Domain Focused mobile applications extend you web application in new and personalized ways.</a:t>
             </a:r>
             <a:endParaRPr lang="en-US" dirty="0"/>
           </a:p>
@@ -1999,12 +1879,12 @@
           <a:bodyPr/>
           <a:lstStyle/>
           <a:p>
-            <a:fld id="{E13C647F-34F3-974C-9753-1483AC25DB52}" type="slidenum">
+            <a:fld id="{F1BAD5D1-458A-0243-9408-4F8107F9CA3D}" type="slidenum">
               <a:rPr lang="en-US" smtClean="0"/>
               <a:pPr/>
-              <a:t>25</a:t>
+              <a:t>28</a:t>
             </a:fld>
-            <a:endParaRPr lang="en-US"/>
+            <a:endParaRPr lang="en-US" dirty="0"/>
           </a:p>
         </p:txBody>
       </p:sp>
@@ -2062,56 +1942,62 @@
           </a:bodyPr>
           <a:lstStyle/>
           <a:p>
-            <a:pPr marL="0" marR="0" indent="0" algn="l" defTabSz="457200" rtl="0" eaLnBrk="1" fontAlgn="auto" latinLnBrk="0" hangingPunct="1">
-              <a:lnSpc>
-                <a:spcPct val="100000"/>
-              </a:lnSpc>
-              <a:spcBef>
-                <a:spcPts val="0"/>
-              </a:spcBef>
-              <a:spcAft>
-                <a:spcPts val="0"/>
-              </a:spcAft>
-              <a:buClrTx/>
-              <a:buSzTx/>
-              <a:buFontTx/>
-              <a:buNone/>
-              <a:tabLst/>
-              <a:defRPr/>
-            </a:pPr>
-            <a:r>
-              <a:rPr lang="en-US" dirty="0" smtClean="0"/>
-              <a:t>Mobile Devices are changing the way we develop. Mobile use may usurp desktop/laptop use as the preferred experience.</a:t>
-            </a:r>
-          </a:p>
-          <a:p>
-            <a:endParaRPr lang="en-US" dirty="0" smtClean="0"/>
-          </a:p>
-          <a:p>
-            <a:r>
-              <a:rPr lang="en-US" dirty="0" smtClean="0"/>
-              <a:t>Applications are no longer monolithic apps that do everything. Applications are now smaller, hyper focused and unchained by location.</a:t>
-            </a:r>
-          </a:p>
-          <a:p>
-            <a:r>
-              <a:rPr lang="en-US" dirty="0" smtClean="0"/>
-              <a:t>In mobile, the application is the sum of all its parts and those parts are the hyper focused individual apps.</a:t>
-            </a:r>
-          </a:p>
-          <a:p>
-            <a:endParaRPr lang="en-US" dirty="0" smtClean="0"/>
-          </a:p>
-          <a:p>
-            <a:r>
-              <a:rPr lang="en-US" dirty="0" smtClean="0"/>
-              <a:t>Future development may sidestep the large desktop experience with mobile as the augmenter, to a Mobile first approach.</a:t>
-            </a:r>
-          </a:p>
-          <a:p>
-            <a:r>
-              <a:rPr lang="en-US" dirty="0" smtClean="0"/>
-              <a:t>How do we evolve to a new development landscape that requires rapidly deploying smaller plank applications?</a:t>
+            <a:r>
+              <a:rPr lang="en-US" dirty="0" smtClean="0">
+                <a:solidFill>
+                  <a:srgbClr val="FFFFFF"/>
+                </a:solidFill>
+              </a:rPr>
+              <a:t>Embrace mobile constraints to focus and prioritize the services we’re designing and building.</a:t>
+            </a:r>
+          </a:p>
+          <a:p>
+            <a:endParaRPr lang="en-US" dirty="0" smtClean="0">
+              <a:solidFill>
+                <a:srgbClr val="FFFFFF"/>
+              </a:solidFill>
+            </a:endParaRPr>
+          </a:p>
+          <a:p>
+            <a:r>
+              <a:rPr lang="en-US" dirty="0" smtClean="0">
+                <a:solidFill>
+                  <a:srgbClr val="FFFFFF"/>
+                </a:solidFill>
+              </a:rPr>
+              <a:t>Use mobile capabilities to innovate the complete customer experience.</a:t>
+            </a:r>
+          </a:p>
+          <a:p>
+            <a:endParaRPr lang="en-US" dirty="0" smtClean="0">
+              <a:solidFill>
+                <a:srgbClr val="FFFFFF"/>
+              </a:solidFill>
+            </a:endParaRPr>
+          </a:p>
+          <a:p>
+            <a:r>
+              <a:rPr lang="en-US" dirty="0" smtClean="0">
+                <a:solidFill>
+                  <a:srgbClr val="FFFFFF"/>
+                </a:solidFill>
+              </a:rPr>
+              <a:t>Take what we know about designing for the web and start thinking differently about mobile organization, actions, </a:t>
+            </a:r>
+            <a:br>
+              <a:rPr lang="en-US" dirty="0" smtClean="0">
+                <a:solidFill>
+                  <a:srgbClr val="FFFFFF"/>
+                </a:solidFill>
+              </a:rPr>
+            </a:br>
+            <a:r>
+              <a:rPr lang="en-US" dirty="0" smtClean="0">
+                <a:solidFill>
+                  <a:srgbClr val="FFFFFF"/>
+                </a:solidFill>
+              </a:rPr>
+              <a:t>inputs, and layout. </a:t>
             </a:r>
           </a:p>
           <a:p>
@@ -2137,9 +2023,9 @@
             <a:fld id="{E13C647F-34F3-974C-9753-1483AC25DB52}" type="slidenum">
               <a:rPr lang="en-US" smtClean="0"/>
               <a:pPr/>
-              <a:t>42</a:t>
+              <a:t>29</a:t>
             </a:fld>
-            <a:endParaRPr lang="en-US"/>
+            <a:endParaRPr lang="en-US" dirty="0"/>
           </a:p>
         </p:txBody>
       </p:sp>
@@ -2197,26 +2083,9 @@
           </a:bodyPr>
           <a:lstStyle/>
           <a:p>
-            <a:pPr marL="0" marR="0" indent="0" algn="l" defTabSz="457200" rtl="0" eaLnBrk="1" fontAlgn="auto" latinLnBrk="0" hangingPunct="1">
-              <a:lnSpc>
-                <a:spcPct val="100000"/>
-              </a:lnSpc>
-              <a:spcBef>
-                <a:spcPts val="0"/>
-              </a:spcBef>
-              <a:spcAft>
-                <a:spcPts val="0"/>
-              </a:spcAft>
-              <a:buClrTx/>
-              <a:buSzTx/>
-              <a:buFontTx/>
-              <a:buNone/>
-              <a:tabLst/>
-              <a:defRPr/>
-            </a:pPr>
-            <a:r>
-              <a:rPr lang="en-US" dirty="0" smtClean="0"/>
-              <a:t>Mobile Devices are changing the way we develop. Mobile use may usurp desktop/laptop use as the preferred experience.</a:t>
+            <a:r>
+              <a:rPr lang="en-US" dirty="0" smtClean="0"/>
+              <a:t>Engaged employees are the creative force behind everything good that happens in an organization.</a:t>
             </a:r>
           </a:p>
           <a:p>
@@ -2225,31 +2094,24 @@
           <a:p>
             <a:r>
               <a:rPr lang="en-US" dirty="0" smtClean="0"/>
-              <a:t>Applications are no longer monolithic apps that do everything. Applications are now smaller, hyper focused and unchained by location.</a:t>
-            </a:r>
-          </a:p>
-          <a:p>
-            <a:r>
-              <a:rPr lang="en-US" dirty="0" smtClean="0"/>
-              <a:t>In mobile, the application is the sum of all its parts and those parts are the hyper focused individual apps.</a:t>
-            </a:r>
-          </a:p>
-          <a:p>
-            <a:endParaRPr lang="en-US" dirty="0" smtClean="0"/>
-          </a:p>
-          <a:p>
-            <a:r>
-              <a:rPr lang="en-US" dirty="0" smtClean="0"/>
-              <a:t>Future development may sidestep the large desktop experience with mobile as the augmenter, to a Mobile first approach.</a:t>
-            </a:r>
-          </a:p>
-          <a:p>
-            <a:r>
-              <a:rPr lang="en-US" dirty="0" smtClean="0"/>
-              <a:t>How do we evolve to a new development landscape that requires rapidly deploying smaller plank applications?</a:t>
-            </a:r>
-          </a:p>
-          <a:p>
+              <a:t>http://gmj.gallup.com/content/150710/High-Energy-Workplaces-Save-America.aspx?utm_source=</a:t>
+            </a:r>
+            <a:r>
+              <a:rPr lang="en-US" dirty="0" err="1" smtClean="0"/>
+              <a:t>email&amp;utm_medium</a:t>
+            </a:r>
+            <a:r>
+              <a:rPr lang="en-US" dirty="0" smtClean="0"/>
+              <a:t>=012012&amp;utm_content=</a:t>
+            </a:r>
+            <a:r>
+              <a:rPr lang="en-US" dirty="0" err="1" smtClean="0"/>
+              <a:t>titlelink&amp;utm_campaign</a:t>
+            </a:r>
+            <a:r>
+              <a:rPr lang="en-US" dirty="0" smtClean="0"/>
+              <a:t>=newsletter#2</a:t>
+            </a:r>
             <a:endParaRPr lang="en-US" dirty="0"/>
           </a:p>
         </p:txBody>
@@ -2272,7 +2134,7 @@
             <a:fld id="{E13C647F-34F3-974C-9753-1483AC25DB52}" type="slidenum">
               <a:rPr lang="en-US" smtClean="0"/>
               <a:pPr/>
-              <a:t>43</a:t>
+              <a:t>30</a:t>
             </a:fld>
             <a:endParaRPr lang="en-US"/>
           </a:p>
@@ -2407,7 +2269,412 @@
             <a:fld id="{E13C647F-34F3-974C-9753-1483AC25DB52}" type="slidenum">
               <a:rPr lang="en-US" smtClean="0"/>
               <a:pPr/>
-              <a:t>44</a:t>
+              <a:t>47</a:t>
+            </a:fld>
+            <a:endParaRPr lang="en-US"/>
+          </a:p>
+        </p:txBody>
+      </p:sp>
+    </p:spTree>
+  </p:cSld>
+  <p:clrMapOvr>
+    <a:masterClrMapping/>
+  </p:clrMapOvr>
+</p:notes>
+</file>
+
+<file path=ppt/notesSlides/notesSlide24.xml><?xml version="1.0" encoding="utf-8"?>
+<p:notes xmlns:a="http://schemas.openxmlformats.org/drawingml/2006/main" xmlns:r="http://schemas.openxmlformats.org/officeDocument/2006/relationships" xmlns:mc="http://schemas.openxmlformats.org/markup-compatibility/2006" xmlns:mv="urn:schemas-microsoft-com:mac:vml" xmlns:p="http://schemas.openxmlformats.org/presentationml/2006/main" mc:Ignorable="mv" mc:PreserveAttributes="mv:*">
+  <p:cSld>
+    <p:spTree>
+      <p:nvGrpSpPr>
+        <p:cNvPr id="1" name=""/>
+        <p:cNvGrpSpPr/>
+        <p:nvPr/>
+      </p:nvGrpSpPr>
+      <p:grpSpPr>
+        <a:xfrm>
+          <a:off x="0" y="0"/>
+          <a:ext cx="0" cy="0"/>
+          <a:chOff x="0" y="0"/>
+          <a:chExt cx="0" cy="0"/>
+        </a:xfrm>
+      </p:grpSpPr>
+      <p:sp>
+        <p:nvSpPr>
+          <p:cNvPr id="2" name="Slide Image Placeholder 1"/>
+          <p:cNvSpPr>
+            <a:spLocks noGrp="1" noRot="1" noChangeAspect="1"/>
+          </p:cNvSpPr>
+          <p:nvPr>
+            <p:ph type="sldImg"/>
+          </p:nvPr>
+        </p:nvSpPr>
+        <p:spPr/>
+      </p:sp>
+      <p:sp>
+        <p:nvSpPr>
+          <p:cNvPr id="3" name="Notes Placeholder 2"/>
+          <p:cNvSpPr>
+            <a:spLocks noGrp="1"/>
+          </p:cNvSpPr>
+          <p:nvPr>
+            <p:ph type="body" idx="1"/>
+          </p:nvPr>
+        </p:nvSpPr>
+        <p:spPr/>
+        <p:txBody>
+          <a:bodyPr>
+            <a:normAutofit/>
+          </a:bodyPr>
+          <a:lstStyle/>
+          <a:p>
+            <a:pPr marL="0" marR="0" indent="0" algn="l" defTabSz="457200" rtl="0" eaLnBrk="1" fontAlgn="auto" latinLnBrk="0" hangingPunct="1">
+              <a:lnSpc>
+                <a:spcPct val="100000"/>
+              </a:lnSpc>
+              <a:spcBef>
+                <a:spcPts val="0"/>
+              </a:spcBef>
+              <a:spcAft>
+                <a:spcPts val="0"/>
+              </a:spcAft>
+              <a:buClrTx/>
+              <a:buSzTx/>
+              <a:buFontTx/>
+              <a:buNone/>
+              <a:tabLst/>
+              <a:defRPr/>
+            </a:pPr>
+            <a:r>
+              <a:rPr lang="en-US" dirty="0" smtClean="0"/>
+              <a:t>Mobile Devices are changing the way we develop. Mobile use may usurp desktop/laptop use as the preferred experience.</a:t>
+            </a:r>
+          </a:p>
+          <a:p>
+            <a:endParaRPr lang="en-US" dirty="0" smtClean="0"/>
+          </a:p>
+          <a:p>
+            <a:r>
+              <a:rPr lang="en-US" dirty="0" smtClean="0"/>
+              <a:t>Applications are no longer monolithic apps that do everything. Applications are now smaller, hyper focused and unchained by location.</a:t>
+            </a:r>
+          </a:p>
+          <a:p>
+            <a:r>
+              <a:rPr lang="en-US" dirty="0" smtClean="0"/>
+              <a:t>In mobile, the application is the sum of all its parts and those parts are the hyper focused individual apps.</a:t>
+            </a:r>
+          </a:p>
+          <a:p>
+            <a:endParaRPr lang="en-US" dirty="0" smtClean="0"/>
+          </a:p>
+          <a:p>
+            <a:r>
+              <a:rPr lang="en-US" dirty="0" smtClean="0"/>
+              <a:t>Future development may sidestep the large desktop experience with mobile as the augmenter, to a Mobile first approach.</a:t>
+            </a:r>
+          </a:p>
+          <a:p>
+            <a:r>
+              <a:rPr lang="en-US" dirty="0" smtClean="0"/>
+              <a:t>How do we evolve to a new development landscape that requires rapidly deploying smaller plank applications?</a:t>
+            </a:r>
+          </a:p>
+          <a:p>
+            <a:endParaRPr lang="en-US" dirty="0"/>
+          </a:p>
+        </p:txBody>
+      </p:sp>
+      <p:sp>
+        <p:nvSpPr>
+          <p:cNvPr id="4" name="Slide Number Placeholder 3"/>
+          <p:cNvSpPr>
+            <a:spLocks noGrp="1"/>
+          </p:cNvSpPr>
+          <p:nvPr>
+            <p:ph type="sldNum" sz="quarter" idx="10"/>
+          </p:nvPr>
+        </p:nvSpPr>
+        <p:spPr/>
+        <p:txBody>
+          <a:bodyPr/>
+          <a:lstStyle/>
+          <a:p>
+            <a:fld id="{E13C647F-34F3-974C-9753-1483AC25DB52}" type="slidenum">
+              <a:rPr lang="en-US" smtClean="0"/>
+              <a:pPr/>
+              <a:t>48</a:t>
+            </a:fld>
+            <a:endParaRPr lang="en-US"/>
+          </a:p>
+        </p:txBody>
+      </p:sp>
+    </p:spTree>
+  </p:cSld>
+  <p:clrMapOvr>
+    <a:masterClrMapping/>
+  </p:clrMapOvr>
+</p:notes>
+</file>
+
+<file path=ppt/notesSlides/notesSlide25.xml><?xml version="1.0" encoding="utf-8"?>
+<p:notes xmlns:a="http://schemas.openxmlformats.org/drawingml/2006/main" xmlns:r="http://schemas.openxmlformats.org/officeDocument/2006/relationships" xmlns:mc="http://schemas.openxmlformats.org/markup-compatibility/2006" xmlns:mv="urn:schemas-microsoft-com:mac:vml" xmlns:p="http://schemas.openxmlformats.org/presentationml/2006/main" mc:Ignorable="mv" mc:PreserveAttributes="mv:*">
+  <p:cSld>
+    <p:spTree>
+      <p:nvGrpSpPr>
+        <p:cNvPr id="1" name=""/>
+        <p:cNvGrpSpPr/>
+        <p:nvPr/>
+      </p:nvGrpSpPr>
+      <p:grpSpPr>
+        <a:xfrm>
+          <a:off x="0" y="0"/>
+          <a:ext cx="0" cy="0"/>
+          <a:chOff x="0" y="0"/>
+          <a:chExt cx="0" cy="0"/>
+        </a:xfrm>
+      </p:grpSpPr>
+      <p:sp>
+        <p:nvSpPr>
+          <p:cNvPr id="2" name="Slide Image Placeholder 1"/>
+          <p:cNvSpPr>
+            <a:spLocks noGrp="1" noRot="1" noChangeAspect="1"/>
+          </p:cNvSpPr>
+          <p:nvPr>
+            <p:ph type="sldImg"/>
+          </p:nvPr>
+        </p:nvSpPr>
+        <p:spPr/>
+      </p:sp>
+      <p:sp>
+        <p:nvSpPr>
+          <p:cNvPr id="3" name="Notes Placeholder 2"/>
+          <p:cNvSpPr>
+            <a:spLocks noGrp="1"/>
+          </p:cNvSpPr>
+          <p:nvPr>
+            <p:ph type="body" idx="1"/>
+          </p:nvPr>
+        </p:nvSpPr>
+        <p:spPr/>
+        <p:txBody>
+          <a:bodyPr>
+            <a:normAutofit/>
+          </a:bodyPr>
+          <a:lstStyle/>
+          <a:p>
+            <a:pPr marL="0" marR="0" indent="0" algn="l" defTabSz="457200" rtl="0" eaLnBrk="1" fontAlgn="auto" latinLnBrk="0" hangingPunct="1">
+              <a:lnSpc>
+                <a:spcPct val="100000"/>
+              </a:lnSpc>
+              <a:spcBef>
+                <a:spcPts val="0"/>
+              </a:spcBef>
+              <a:spcAft>
+                <a:spcPts val="0"/>
+              </a:spcAft>
+              <a:buClrTx/>
+              <a:buSzTx/>
+              <a:buFontTx/>
+              <a:buNone/>
+              <a:tabLst/>
+              <a:defRPr/>
+            </a:pPr>
+            <a:r>
+              <a:rPr lang="en-US" dirty="0" smtClean="0"/>
+              <a:t>Mobile Devices are changing the way we develop. Mobile use may usurp desktop/laptop use as the preferred experience.</a:t>
+            </a:r>
+          </a:p>
+          <a:p>
+            <a:endParaRPr lang="en-US" dirty="0" smtClean="0"/>
+          </a:p>
+          <a:p>
+            <a:r>
+              <a:rPr lang="en-US" dirty="0" smtClean="0"/>
+              <a:t>Applications are no longer monolithic apps that do everything. Applications are now smaller, hyper focused and unchained by location.</a:t>
+            </a:r>
+          </a:p>
+          <a:p>
+            <a:r>
+              <a:rPr lang="en-US" dirty="0" smtClean="0"/>
+              <a:t>In mobile, the application is the sum of all its parts and those parts are the hyper focused individual apps.</a:t>
+            </a:r>
+          </a:p>
+          <a:p>
+            <a:endParaRPr lang="en-US" dirty="0" smtClean="0"/>
+          </a:p>
+          <a:p>
+            <a:r>
+              <a:rPr lang="en-US" dirty="0" smtClean="0"/>
+              <a:t>Future development may sidestep the large desktop experience with mobile as the augmenter, to a Mobile first approach.</a:t>
+            </a:r>
+          </a:p>
+          <a:p>
+            <a:r>
+              <a:rPr lang="en-US" dirty="0" smtClean="0"/>
+              <a:t>How do we evolve to a new development landscape that requires rapidly deploying smaller plank applications?</a:t>
+            </a:r>
+          </a:p>
+          <a:p>
+            <a:endParaRPr lang="en-US" dirty="0"/>
+          </a:p>
+        </p:txBody>
+      </p:sp>
+      <p:sp>
+        <p:nvSpPr>
+          <p:cNvPr id="4" name="Slide Number Placeholder 3"/>
+          <p:cNvSpPr>
+            <a:spLocks noGrp="1"/>
+          </p:cNvSpPr>
+          <p:nvPr>
+            <p:ph type="sldNum" sz="quarter" idx="10"/>
+          </p:nvPr>
+        </p:nvSpPr>
+        <p:spPr/>
+        <p:txBody>
+          <a:bodyPr/>
+          <a:lstStyle/>
+          <a:p>
+            <a:fld id="{E13C647F-34F3-974C-9753-1483AC25DB52}" type="slidenum">
+              <a:rPr lang="en-US" smtClean="0"/>
+              <a:pPr/>
+              <a:t>49</a:t>
+            </a:fld>
+            <a:endParaRPr lang="en-US"/>
+          </a:p>
+        </p:txBody>
+      </p:sp>
+    </p:spTree>
+  </p:cSld>
+  <p:clrMapOvr>
+    <a:masterClrMapping/>
+  </p:clrMapOvr>
+</p:notes>
+</file>
+
+<file path=ppt/notesSlides/notesSlide26.xml><?xml version="1.0" encoding="utf-8"?>
+<p:notes xmlns:a="http://schemas.openxmlformats.org/drawingml/2006/main" xmlns:r="http://schemas.openxmlformats.org/officeDocument/2006/relationships" xmlns:mc="http://schemas.openxmlformats.org/markup-compatibility/2006" xmlns:mv="urn:schemas-microsoft-com:mac:vml" xmlns:p="http://schemas.openxmlformats.org/presentationml/2006/main" mc:Ignorable="mv" mc:PreserveAttributes="mv:*">
+  <p:cSld>
+    <p:spTree>
+      <p:nvGrpSpPr>
+        <p:cNvPr id="1" name=""/>
+        <p:cNvGrpSpPr/>
+        <p:nvPr/>
+      </p:nvGrpSpPr>
+      <p:grpSpPr>
+        <a:xfrm>
+          <a:off x="0" y="0"/>
+          <a:ext cx="0" cy="0"/>
+          <a:chOff x="0" y="0"/>
+          <a:chExt cx="0" cy="0"/>
+        </a:xfrm>
+      </p:grpSpPr>
+      <p:sp>
+        <p:nvSpPr>
+          <p:cNvPr id="2" name="Slide Image Placeholder 1"/>
+          <p:cNvSpPr>
+            <a:spLocks noGrp="1" noRot="1" noChangeAspect="1"/>
+          </p:cNvSpPr>
+          <p:nvPr>
+            <p:ph type="sldImg"/>
+          </p:nvPr>
+        </p:nvSpPr>
+        <p:spPr/>
+      </p:sp>
+      <p:sp>
+        <p:nvSpPr>
+          <p:cNvPr id="3" name="Notes Placeholder 2"/>
+          <p:cNvSpPr>
+            <a:spLocks noGrp="1"/>
+          </p:cNvSpPr>
+          <p:nvPr>
+            <p:ph type="body" idx="1"/>
+          </p:nvPr>
+        </p:nvSpPr>
+        <p:spPr/>
+        <p:txBody>
+          <a:bodyPr>
+            <a:normAutofit/>
+          </a:bodyPr>
+          <a:lstStyle/>
+          <a:p>
+            <a:pPr marL="0" marR="0" indent="0" algn="l" defTabSz="457200" rtl="0" eaLnBrk="1" fontAlgn="auto" latinLnBrk="0" hangingPunct="1">
+              <a:lnSpc>
+                <a:spcPct val="100000"/>
+              </a:lnSpc>
+              <a:spcBef>
+                <a:spcPts val="0"/>
+              </a:spcBef>
+              <a:spcAft>
+                <a:spcPts val="0"/>
+              </a:spcAft>
+              <a:buClrTx/>
+              <a:buSzTx/>
+              <a:buFontTx/>
+              <a:buNone/>
+              <a:tabLst/>
+              <a:defRPr/>
+            </a:pPr>
+            <a:r>
+              <a:rPr lang="en-US" dirty="0" smtClean="0"/>
+              <a:t>Mobile Devices are changing the way we develop. Mobile use may usurp desktop/laptop use as the preferred experience.</a:t>
+            </a:r>
+          </a:p>
+          <a:p>
+            <a:endParaRPr lang="en-US" dirty="0" smtClean="0"/>
+          </a:p>
+          <a:p>
+            <a:r>
+              <a:rPr lang="en-US" dirty="0" smtClean="0"/>
+              <a:t>Applications are no longer monolithic apps that do everything. Applications are now smaller, hyper focused and unchained by location.</a:t>
+            </a:r>
+          </a:p>
+          <a:p>
+            <a:r>
+              <a:rPr lang="en-US" dirty="0" smtClean="0"/>
+              <a:t>In mobile, the application is the sum of all its parts and those parts are the hyper focused individual apps.</a:t>
+            </a:r>
+          </a:p>
+          <a:p>
+            <a:endParaRPr lang="en-US" dirty="0" smtClean="0"/>
+          </a:p>
+          <a:p>
+            <a:r>
+              <a:rPr lang="en-US" dirty="0" smtClean="0"/>
+              <a:t>Future development may sidestep the large desktop experience with mobile as the augmenter, to a Mobile first approach.</a:t>
+            </a:r>
+          </a:p>
+          <a:p>
+            <a:r>
+              <a:rPr lang="en-US" dirty="0" smtClean="0"/>
+              <a:t>How do we evolve to a new development landscape that requires rapidly deploying smaller plank applications?</a:t>
+            </a:r>
+          </a:p>
+          <a:p>
+            <a:endParaRPr lang="en-US" dirty="0"/>
+          </a:p>
+        </p:txBody>
+      </p:sp>
+      <p:sp>
+        <p:nvSpPr>
+          <p:cNvPr id="4" name="Slide Number Placeholder 3"/>
+          <p:cNvSpPr>
+            <a:spLocks noGrp="1"/>
+          </p:cNvSpPr>
+          <p:nvPr>
+            <p:ph type="sldNum" sz="quarter" idx="10"/>
+          </p:nvPr>
+        </p:nvSpPr>
+        <p:spPr/>
+        <p:txBody>
+          <a:bodyPr/>
+          <a:lstStyle/>
+          <a:p>
+            <a:fld id="{E13C647F-34F3-974C-9753-1483AC25DB52}" type="slidenum">
+              <a:rPr lang="en-US" smtClean="0"/>
+              <a:pPr/>
+              <a:t>50</a:t>
             </a:fld>
             <a:endParaRPr lang="en-US"/>
           </a:p>
@@ -2551,11 +2818,74 @@
           <a:p>
             <a:r>
               <a:rPr lang="en-US" dirty="0" smtClean="0"/>
-              <a:t> An example of simplifying the user interface to pre-populate fields based on the native GPS location services. Kayak</a:t>
-            </a:r>
-            <a:r>
-              <a:rPr lang="en-US" baseline="0" dirty="0" smtClean="0"/>
-              <a:t> can find the nearest hotels based on your current location without unnecessary taps and keyboard inputs.</a:t>
+              <a:t>More applications will be developed for the Mobile web than PCs.</a:t>
+            </a:r>
+          </a:p>
+          <a:p>
+            <a:endParaRPr lang="en-US" sz="1200" kern="1200" dirty="0" smtClean="0">
+              <a:solidFill>
+                <a:schemeClr val="tx1"/>
+              </a:solidFill>
+              <a:latin typeface="+mn-lt"/>
+              <a:ea typeface="+mn-ea"/>
+              <a:cs typeface="+mn-cs"/>
+            </a:endParaRPr>
+          </a:p>
+          <a:p>
+            <a:endParaRPr lang="en-US" sz="1200" kern="1200" dirty="0" smtClean="0">
+              <a:solidFill>
+                <a:schemeClr val="tx1"/>
+              </a:solidFill>
+              <a:latin typeface="+mn-lt"/>
+              <a:ea typeface="+mn-ea"/>
+              <a:cs typeface="+mn-cs"/>
+            </a:endParaRPr>
+          </a:p>
+          <a:p>
+            <a:r>
+              <a:rPr lang="en-US" sz="1200" kern="1200" dirty="0" smtClean="0">
+                <a:solidFill>
+                  <a:schemeClr val="tx1"/>
+                </a:solidFill>
+                <a:latin typeface="+mn-lt"/>
+                <a:ea typeface="+mn-ea"/>
+                <a:cs typeface="+mn-cs"/>
+              </a:rPr>
+              <a:t>There are 1.3 million mobile apps today, versus 50,000 to 75,000 PC applications,</a:t>
+            </a:r>
+          </a:p>
+          <a:p>
+            <a:endParaRPr lang="en-US" sz="1200" kern="1200" dirty="0" smtClean="0">
+              <a:solidFill>
+                <a:schemeClr val="tx1"/>
+              </a:solidFill>
+              <a:latin typeface="+mn-lt"/>
+              <a:ea typeface="+mn-ea"/>
+              <a:cs typeface="+mn-cs"/>
+            </a:endParaRPr>
+          </a:p>
+          <a:p>
+            <a:r>
+              <a:rPr lang="en-US" sz="1200" kern="1200" dirty="0" smtClean="0">
+                <a:solidFill>
+                  <a:schemeClr val="tx1"/>
+                </a:solidFill>
+                <a:latin typeface="+mn-lt"/>
+                <a:ea typeface="+mn-ea"/>
+                <a:cs typeface="+mn-cs"/>
+              </a:rPr>
+              <a:t>Mobile</a:t>
+            </a:r>
+            <a:r>
+              <a:rPr lang="en-US" sz="1200" kern="1200" baseline="0" dirty="0" smtClean="0">
+                <a:solidFill>
+                  <a:schemeClr val="tx1"/>
+                </a:solidFill>
+                <a:latin typeface="+mn-lt"/>
+                <a:ea typeface="+mn-ea"/>
+                <a:cs typeface="+mn-cs"/>
+              </a:rPr>
+              <a:t> is quickly becoming the preferred choice among users.</a:t>
             </a:r>
             <a:endParaRPr lang="en-US" dirty="0"/>
           </a:p>
@@ -2579,7 +2909,7 @@
             <a:fld id="{E13C647F-34F3-974C-9753-1483AC25DB52}" type="slidenum">
               <a:rPr lang="en-US" smtClean="0"/>
               <a:pPr/>
-              <a:t>7</a:t>
+              <a:t>5</a:t>
             </a:fld>
             <a:endParaRPr lang="en-US"/>
           </a:p>
@@ -2639,24 +2969,51 @@
           </a:bodyPr>
           <a:lstStyle/>
           <a:p>
-            <a:pPr marL="0" marR="0" indent="0" algn="l" defTabSz="457200" rtl="0" eaLnBrk="1" fontAlgn="auto" latinLnBrk="0" hangingPunct="1">
-              <a:lnSpc>
-                <a:spcPct val="100000"/>
-              </a:lnSpc>
-              <a:spcBef>
-                <a:spcPts val="0"/>
-              </a:spcBef>
-              <a:spcAft>
-                <a:spcPts val="0"/>
-              </a:spcAft>
-              <a:buClrTx/>
-              <a:buSzTx/>
-              <a:buFontTx/>
-              <a:buNone/>
-              <a:tabLst/>
-              <a:defRPr/>
-            </a:pPr>
-            <a:endParaRPr lang="en-US" dirty="0"/>
+            <a:r>
+              <a:rPr lang="en-US" dirty="0" smtClean="0"/>
+              <a:t>Mobile is currently an extension of your application. This may not be true in the future. It is quickly becoming the preferred</a:t>
+            </a:r>
+            <a:r>
+              <a:rPr lang="en-US" baseline="0" dirty="0" smtClean="0"/>
+              <a:t> user experience.</a:t>
+            </a:r>
+            <a:r>
+              <a:rPr lang="en-US" baseline="0" dirty="0"/>
+              <a:t> </a:t>
+            </a:r>
+            <a:r>
+              <a:rPr lang="en-US" baseline="0" dirty="0" err="1" smtClean="0"/>
+              <a:t>Facebook</a:t>
+            </a:r>
+            <a:r>
+              <a:rPr lang="en-US" baseline="0" dirty="0" smtClean="0"/>
+              <a:t> already recognizes this and has already invested heavily in focusing their entire platform on mobile.</a:t>
+            </a:r>
+          </a:p>
+          <a:p>
+            <a:endParaRPr lang="en-US" baseline="0" dirty="0" smtClean="0"/>
+          </a:p>
+          <a:p>
+            <a:r>
+              <a:rPr lang="en-US" dirty="0" err="1" smtClean="0"/>
+              <a:t>Facebook</a:t>
+            </a:r>
+            <a:r>
+              <a:rPr lang="en-US" dirty="0" smtClean="0"/>
+              <a:t> app</a:t>
+            </a:r>
+          </a:p>
+          <a:p>
+            <a:r>
+              <a:rPr lang="en-US" dirty="0" smtClean="0"/>
+              <a:t>More than 800 million active users, 350 million through the Mobile App (insert diagram BK)</a:t>
+            </a:r>
+          </a:p>
+          <a:p>
+            <a:endParaRPr lang="en-US" dirty="0" smtClean="0"/>
+          </a:p>
+          <a:p>
+            <a:endParaRPr lang="en-US" dirty="0" smtClean="0"/>
           </a:p>
         </p:txBody>
       </p:sp>
@@ -2675,10 +3032,10 @@
           <a:bodyPr/>
           <a:lstStyle/>
           <a:p>
-            <a:fld id="{B56118CC-64D6-A546-92A4-A14C73E863FA}" type="slidenum">
+            <a:fld id="{E13C647F-34F3-974C-9753-1483AC25DB52}" type="slidenum">
               <a:rPr lang="en-US" smtClean="0"/>
               <a:pPr/>
-              <a:t>8</a:t>
+              <a:t>6</a:t>
             </a:fld>
             <a:endParaRPr lang="en-US"/>
           </a:p>
@@ -2740,14 +3097,75 @@
           <a:p>
             <a:r>
               <a:rPr lang="en-US" dirty="0" smtClean="0"/>
-              <a:t>Yahoo Maps has very creatively created a simple interface for locating points of interest on a Map based on the user’s location. Rather than fumbling with a keyboard input, a user can simply draw any shape around an area of the map they</a:t>
-            </a:r>
-            <a:r>
-              <a:rPr lang="en-US" baseline="0" dirty="0" smtClean="0"/>
-              <a:t> are interested in and get all points of interest located within that drawn shape. You can glean a lot of information about an area with one swipe of the thumb.</a:t>
-            </a:r>
-          </a:p>
-          <a:p>
+              <a:t>More applications will be developed for the Mobile web than PCs.</a:t>
+            </a:r>
+          </a:p>
+          <a:p>
+            <a:endParaRPr lang="en-US" sz="1200" kern="1200" dirty="0" smtClean="0">
+              <a:solidFill>
+                <a:schemeClr val="tx1"/>
+              </a:solidFill>
+              <a:latin typeface="+mn-lt"/>
+              <a:ea typeface="+mn-ea"/>
+              <a:cs typeface="+mn-cs"/>
+            </a:endParaRPr>
+          </a:p>
+          <a:p>
+            <a:endParaRPr lang="en-US" sz="1200" kern="1200" dirty="0" smtClean="0">
+              <a:solidFill>
+                <a:schemeClr val="tx1"/>
+              </a:solidFill>
+              <a:latin typeface="+mn-lt"/>
+              <a:ea typeface="+mn-ea"/>
+              <a:cs typeface="+mn-cs"/>
+            </a:endParaRPr>
+          </a:p>
+          <a:p>
+            <a:r>
+              <a:rPr lang="en-US" sz="1200" kern="1200" dirty="0" smtClean="0">
+                <a:solidFill>
+                  <a:schemeClr val="tx1"/>
+                </a:solidFill>
+                <a:latin typeface="+mn-lt"/>
+                <a:ea typeface="+mn-ea"/>
+                <a:cs typeface="+mn-cs"/>
+              </a:rPr>
+              <a:t>There are 1.3 million mobile apps today, versus 50,000 to 75,000 PC applications,</a:t>
+            </a:r>
+          </a:p>
+          <a:p>
+            <a:endParaRPr lang="en-US" sz="1200" kern="1200" dirty="0" smtClean="0">
+              <a:solidFill>
+                <a:schemeClr val="tx1"/>
+              </a:solidFill>
+              <a:latin typeface="+mn-lt"/>
+              <a:ea typeface="+mn-ea"/>
+              <a:cs typeface="+mn-cs"/>
+            </a:endParaRPr>
+          </a:p>
+          <a:p>
+            <a:r>
+              <a:rPr lang="en-US" sz="1200" kern="1200" dirty="0" smtClean="0">
+                <a:solidFill>
+                  <a:schemeClr val="tx1"/>
+                </a:solidFill>
+                <a:latin typeface="+mn-lt"/>
+                <a:ea typeface="+mn-ea"/>
+                <a:cs typeface="+mn-cs"/>
+              </a:rPr>
+              <a:t>Mobile</a:t>
+            </a:r>
+            <a:r>
+              <a:rPr lang="en-US" sz="1200" kern="1200" baseline="0" dirty="0" smtClean="0">
+                <a:solidFill>
+                  <a:schemeClr val="tx1"/>
+                </a:solidFill>
+                <a:latin typeface="+mn-lt"/>
+                <a:ea typeface="+mn-ea"/>
+                <a:cs typeface="+mn-cs"/>
+              </a:rPr>
+              <a:t> is quickly becoming the preferred choice among users.</a:t>
+            </a:r>
             <a:endParaRPr lang="en-US" dirty="0"/>
           </a:p>
         </p:txBody>
@@ -2770,7 +3188,7 @@
             <a:fld id="{E13C647F-34F3-974C-9753-1483AC25DB52}" type="slidenum">
               <a:rPr lang="en-US" smtClean="0"/>
               <a:pPr/>
-              <a:t>9</a:t>
+              <a:t>7</a:t>
             </a:fld>
             <a:endParaRPr lang="en-US"/>
           </a:p>
@@ -2832,14 +3250,12 @@
           <a:p>
             <a:r>
               <a:rPr lang="en-US" dirty="0" smtClean="0"/>
-              <a:t>Yahoo Maps has very creatively created a simple interface for locating points of interest on a Map based on the user’s location. Rather than fumbling with a keyboard input, a user can simply draw any shape around an area of the map they</a:t>
+              <a:t> An example of simplifying the user interface to pre-populate fields based on the native GPS location services. Kayak</a:t>
             </a:r>
             <a:r>
               <a:rPr lang="en-US" baseline="0" dirty="0" smtClean="0"/>
-              <a:t> are interested in and get all points of interest located within that drawn shape. You can glean a lot of information about an area with one swipe of the thumb.</a:t>
-            </a:r>
-          </a:p>
-          <a:p>
+              <a:t> can find the nearest hotels based on your current location without unnecessary taps and keyboard inputs.</a:t>
+            </a:r>
             <a:endParaRPr lang="en-US" dirty="0"/>
           </a:p>
         </p:txBody>
@@ -2922,46 +3338,23 @@
           </a:bodyPr>
           <a:lstStyle/>
           <a:p>
-            <a:r>
-              <a:rPr lang="en-US" dirty="0" smtClean="0"/>
-              <a:t>The London Underground has</a:t>
-            </a:r>
-            <a:r>
-              <a:rPr lang="en-US" baseline="0" dirty="0" smtClean="0"/>
-              <a:t> developed a Camera Overlay that makes use of your location Data via GPS services. It will overlay arrows pointing to the nearest stations via your camera display. This is an incredibly inventive way to direct users to the nearest station while also giving them insight into the Line the subway operates on.</a:t>
-            </a:r>
-          </a:p>
-          <a:p>
-            <a:endParaRPr lang="en-US" baseline="0" dirty="0" smtClean="0"/>
-          </a:p>
-          <a:p>
-            <a:r>
-              <a:rPr lang="en-US" baseline="0" dirty="0" smtClean="0"/>
-              <a:t>Useful Libraries</a:t>
-            </a:r>
-          </a:p>
-          <a:p>
-            <a:r>
-              <a:rPr lang="en-US" dirty="0" smtClean="0"/>
-              <a:t>http://</a:t>
-            </a:r>
-            <a:r>
-              <a:rPr lang="en-US" dirty="0" err="1" smtClean="0"/>
-              <a:t>code.google.com/p/andar</a:t>
-            </a:r>
-            <a:r>
-              <a:rPr lang="en-US" dirty="0" smtClean="0"/>
-              <a:t>/</a:t>
-            </a:r>
-          </a:p>
-          <a:p>
-            <a:r>
-              <a:rPr lang="en-US" dirty="0" err="1" smtClean="0"/>
-              <a:t>https://developer.qualcomm.com/mobile-development/mobile-technologies/augmented-reality</a:t>
-            </a:r>
-            <a:endParaRPr lang="en-US" dirty="0" smtClean="0"/>
-          </a:p>
-          <a:p>
+            <a:pPr marL="0" marR="0" indent="0" algn="l" defTabSz="457200" rtl="0" eaLnBrk="1" fontAlgn="auto" latinLnBrk="0" hangingPunct="1">
+              <a:lnSpc>
+                <a:spcPct val="100000"/>
+              </a:lnSpc>
+              <a:spcBef>
+                <a:spcPts val="0"/>
+              </a:spcBef>
+              <a:spcAft>
+                <a:spcPts val="0"/>
+              </a:spcAft>
+              <a:buClrTx/>
+              <a:buSzTx/>
+              <a:buFontTx/>
+              <a:buNone/>
+              <a:tabLst/>
+              <a:defRPr/>
+            </a:pPr>
             <a:endParaRPr lang="en-US" dirty="0"/>
           </a:p>
         </p:txBody>
@@ -2981,7 +3374,7 @@
           <a:bodyPr/>
           <a:lstStyle/>
           <a:p>
-            <a:fld id="{E13C647F-34F3-974C-9753-1483AC25DB52}" type="slidenum">
+            <a:fld id="{B56118CC-64D6-A546-92A4-A14C73E863FA}" type="slidenum">
               <a:rPr lang="en-US" smtClean="0"/>
               <a:pPr/>
               <a:t>11</a:t>
@@ -3044,26 +3437,13 @@
           </a:bodyPr>
           <a:lstStyle/>
           <a:p>
-            <a:pPr marL="0" marR="0" indent="0" algn="l" defTabSz="457200" rtl="0" eaLnBrk="1" fontAlgn="auto" latinLnBrk="0" hangingPunct="1">
-              <a:lnSpc>
-                <a:spcPct val="100000"/>
-              </a:lnSpc>
-              <a:spcBef>
-                <a:spcPts val="0"/>
-              </a:spcBef>
-              <a:spcAft>
-                <a:spcPts val="0"/>
-              </a:spcAft>
-              <a:buClrTx/>
-              <a:buSzTx/>
-              <a:buFontTx/>
-              <a:buNone/>
-              <a:tabLst/>
-              <a:defRPr/>
-            </a:pPr>
-            <a:r>
-              <a:rPr lang="en-US" dirty="0" smtClean="0"/>
-              <a:t>Used mostly for games, but think about using it for your buttons or environment interactions.</a:t>
+            <a:r>
+              <a:rPr lang="en-US" dirty="0" smtClean="0"/>
+              <a:t>Yahoo Maps has very creatively created a simple interface for locating points of interest on a Map based on the user’s location. Rather than fumbling with a keyboard input, a user can simply draw any shape around an area of the map they</a:t>
+            </a:r>
+            <a:r>
+              <a:rPr lang="en-US" baseline="0" dirty="0" smtClean="0"/>
+              <a:t> are interested in and get all points of interest located within that drawn shape. You can glean a lot of information about an area with one swipe of the thumb.</a:t>
             </a:r>
           </a:p>
           <a:p>
@@ -3086,10 +3466,10 @@
           <a:bodyPr/>
           <a:lstStyle/>
           <a:p>
-            <a:fld id="{B56118CC-64D6-A546-92A4-A14C73E863FA}" type="slidenum">
+            <a:fld id="{E13C647F-34F3-974C-9753-1483AC25DB52}" type="slidenum">
               <a:rPr lang="en-US" smtClean="0"/>
               <a:pPr/>
-              <a:t>13</a:t>
+              <a:t>12</a:t>
             </a:fld>
             <a:endParaRPr lang="en-US"/>
           </a:p>
@@ -3285,7 +3665,7 @@
             <a:fld id="{16B9DB3A-7D38-5046-973F-07CA35644F1F}" type="datetimeFigureOut">
               <a:rPr lang="en-US" smtClean="0"/>
               <a:pPr/>
-              <a:t>8/29/12</a:t>
+              <a:t>9/6/12</a:t>
             </a:fld>
             <a:endParaRPr lang="en-US"/>
           </a:p>
@@ -3452,7 +3832,7 @@
             <a:fld id="{16B9DB3A-7D38-5046-973F-07CA35644F1F}" type="datetimeFigureOut">
               <a:rPr lang="en-US" smtClean="0"/>
               <a:pPr/>
-              <a:t>8/29/12</a:t>
+              <a:t>9/6/12</a:t>
             </a:fld>
             <a:endParaRPr lang="en-US"/>
           </a:p>
@@ -3629,7 +4009,7 @@
             <a:fld id="{16B9DB3A-7D38-5046-973F-07CA35644F1F}" type="datetimeFigureOut">
               <a:rPr lang="en-US" smtClean="0"/>
               <a:pPr/>
-              <a:t>8/29/12</a:t>
+              <a:t>9/6/12</a:t>
             </a:fld>
             <a:endParaRPr lang="en-US"/>
           </a:p>
@@ -3796,7 +4176,7 @@
             <a:fld id="{16B9DB3A-7D38-5046-973F-07CA35644F1F}" type="datetimeFigureOut">
               <a:rPr lang="en-US" smtClean="0"/>
               <a:pPr/>
-              <a:t>8/29/12</a:t>
+              <a:t>9/6/12</a:t>
             </a:fld>
             <a:endParaRPr lang="en-US"/>
           </a:p>
@@ -4039,7 +4419,7 @@
             <a:fld id="{16B9DB3A-7D38-5046-973F-07CA35644F1F}" type="datetimeFigureOut">
               <a:rPr lang="en-US" smtClean="0"/>
               <a:pPr/>
-              <a:t>8/29/12</a:t>
+              <a:t>9/6/12</a:t>
             </a:fld>
             <a:endParaRPr lang="en-US"/>
           </a:p>
@@ -4324,7 +4704,7 @@
             <a:fld id="{16B9DB3A-7D38-5046-973F-07CA35644F1F}" type="datetimeFigureOut">
               <a:rPr lang="en-US" smtClean="0"/>
               <a:pPr/>
-              <a:t>8/29/12</a:t>
+              <a:t>9/6/12</a:t>
             </a:fld>
             <a:endParaRPr lang="en-US"/>
           </a:p>
@@ -4743,7 +5123,7 @@
             <a:fld id="{16B9DB3A-7D38-5046-973F-07CA35644F1F}" type="datetimeFigureOut">
               <a:rPr lang="en-US" smtClean="0"/>
               <a:pPr/>
-              <a:t>8/29/12</a:t>
+              <a:t>9/6/12</a:t>
             </a:fld>
             <a:endParaRPr lang="en-US"/>
           </a:p>
@@ -4858,7 +5238,7 @@
             <a:fld id="{16B9DB3A-7D38-5046-973F-07CA35644F1F}" type="datetimeFigureOut">
               <a:rPr lang="en-US" smtClean="0"/>
               <a:pPr/>
-              <a:t>8/29/12</a:t>
+              <a:t>9/6/12</a:t>
             </a:fld>
             <a:endParaRPr lang="en-US"/>
           </a:p>
@@ -4950,7 +5330,7 @@
             <a:fld id="{16B9DB3A-7D38-5046-973F-07CA35644F1F}" type="datetimeFigureOut">
               <a:rPr lang="en-US" smtClean="0"/>
               <a:pPr/>
-              <a:t>8/29/12</a:t>
+              <a:t>9/6/12</a:t>
             </a:fld>
             <a:endParaRPr lang="en-US"/>
           </a:p>
@@ -5224,7 +5604,7 @@
             <a:fld id="{16B9DB3A-7D38-5046-973F-07CA35644F1F}" type="datetimeFigureOut">
               <a:rPr lang="en-US" smtClean="0"/>
               <a:pPr/>
-              <a:t>8/29/12</a:t>
+              <a:t>9/6/12</a:t>
             </a:fld>
             <a:endParaRPr lang="en-US"/>
           </a:p>
@@ -5474,7 +5854,7 @@
             <a:fld id="{16B9DB3A-7D38-5046-973F-07CA35644F1F}" type="datetimeFigureOut">
               <a:rPr lang="en-US" smtClean="0"/>
               <a:pPr/>
-              <a:t>8/29/12</a:t>
+              <a:t>9/6/12</a:t>
             </a:fld>
             <a:endParaRPr lang="en-US"/>
           </a:p>
@@ -5684,7 +6064,7 @@
             <a:fld id="{16B9DB3A-7D38-5046-973F-07CA35644F1F}" type="datetimeFigureOut">
               <a:rPr lang="en-US" smtClean="0"/>
               <a:pPr/>
-              <a:t>8/29/12</a:t>
+              <a:t>9/6/12</a:t>
             </a:fld>
             <a:endParaRPr lang="en-US"/>
           </a:p>
@@ -6183,40 +6563,37 @@
         </p:nvSpPr>
         <p:spPr/>
         <p:txBody>
-          <a:bodyPr/>
-          <a:lstStyle/>
-          <a:p>
-            <a:r>
-              <a:rPr lang="en-US" smtClean="0"/>
-              <a:t>Custom Map Interactions</a:t>
-            </a:r>
-            <a:endParaRPr lang="en-US" dirty="0"/>
-          </a:p>
-        </p:txBody>
-      </p:sp>
-      <p:sp>
-        <p:nvSpPr>
-          <p:cNvPr id="6" name="Content Placeholder 5"/>
-          <p:cNvSpPr>
-            <a:spLocks noGrp="1"/>
-          </p:cNvSpPr>
+          <a:bodyPr>
+            <a:normAutofit/>
+          </a:bodyPr>
+          <a:lstStyle/>
+          <a:p>
+            <a:r>
+              <a:rPr lang="en-US" dirty="0" smtClean="0"/>
+              <a:t>Location services</a:t>
+            </a:r>
+          </a:p>
+        </p:txBody>
+      </p:sp>
+      <p:pic>
+        <p:nvPicPr>
+          <p:cNvPr id="5" name="Content Placeholder 4" descr="Location Service Example.png"/>
+          <p:cNvPicPr>
+            <a:picLocks noGrp="1" noChangeAspect="1"/>
+          </p:cNvPicPr>
           <p:nvPr>
             <p:ph idx="1"/>
           </p:nvPr>
-        </p:nvSpPr>
-        <p:spPr/>
-        <p:txBody>
-          <a:bodyPr/>
-          <a:lstStyle/>
-          <a:p>
-            <a:r>
-              <a:rPr lang="en-US" dirty="0" smtClean="0"/>
-              <a:t>Put Framework example here</a:t>
-            </a:r>
-            <a:endParaRPr lang="en-US" dirty="0"/>
-          </a:p>
-        </p:txBody>
-      </p:sp>
+        </p:nvPicPr>
+        <p:blipFill>
+          <a:blip r:embed="rId3"/>
+          <a:srcRect l="-48329" r="-48329"/>
+          <a:stretch>
+            <a:fillRect/>
+          </a:stretch>
+        </p:blipFill>
+        <p:spPr/>
+      </p:pic>
     </p:spTree>
   </p:cSld>
   <p:clrMapOvr>
@@ -6233,6 +6610,429 @@
 </file>
 
 <file path=ppt/slides/slide11.xml><?xml version="1.0" encoding="utf-8"?>
+<p:sld xmlns:a="http://schemas.openxmlformats.org/drawingml/2006/main" xmlns:r="http://schemas.openxmlformats.org/officeDocument/2006/relationships" xmlns:mc="http://schemas.openxmlformats.org/markup-compatibility/2006" xmlns:mv="urn:schemas-microsoft-com:mac:vml" xmlns:p="http://schemas.openxmlformats.org/presentationml/2006/main" mc:Ignorable="mv" mc:PreserveAttributes="mv:*">
+  <p:cSld>
+    <p:spTree>
+      <p:nvGrpSpPr>
+        <p:cNvPr id="1" name=""/>
+        <p:cNvGrpSpPr/>
+        <p:nvPr/>
+      </p:nvGrpSpPr>
+      <p:grpSpPr>
+        <a:xfrm>
+          <a:off x="0" y="0"/>
+          <a:ext cx="0" cy="0"/>
+          <a:chOff x="0" y="0"/>
+          <a:chExt cx="0" cy="0"/>
+        </a:xfrm>
+      </p:grpSpPr>
+      <p:sp>
+        <p:nvSpPr>
+          <p:cNvPr id="2" name="Title 1"/>
+          <p:cNvSpPr>
+            <a:spLocks noGrp="1"/>
+          </p:cNvSpPr>
+          <p:nvPr>
+            <p:ph type="title"/>
+          </p:nvPr>
+        </p:nvSpPr>
+        <p:spPr/>
+        <p:txBody>
+          <a:bodyPr/>
+          <a:lstStyle/>
+          <a:p>
+            <a:r>
+              <a:rPr lang="en-US" dirty="0" smtClean="0"/>
+              <a:t>Location Services</a:t>
+            </a:r>
+            <a:endParaRPr lang="en-US" dirty="0"/>
+          </a:p>
+        </p:txBody>
+      </p:sp>
+      <p:sp>
+        <p:nvSpPr>
+          <p:cNvPr id="3" name="Content Placeholder 2"/>
+          <p:cNvSpPr>
+            <a:spLocks noGrp="1"/>
+          </p:cNvSpPr>
+          <p:nvPr>
+            <p:ph idx="1"/>
+          </p:nvPr>
+        </p:nvSpPr>
+        <p:spPr/>
+        <p:txBody>
+          <a:bodyPr/>
+          <a:lstStyle/>
+          <a:p>
+            <a:r>
+              <a:rPr lang="en-US" dirty="0" smtClean="0"/>
+              <a:t>Carrier Towers (Accuracy within ~1000m+)</a:t>
+            </a:r>
+          </a:p>
+          <a:p>
+            <a:r>
+              <a:rPr lang="en-US" dirty="0" err="1" smtClean="0"/>
+              <a:t>WiFI</a:t>
+            </a:r>
+            <a:r>
+              <a:rPr lang="en-US" dirty="0" smtClean="0"/>
+              <a:t> Signal (Accuracy within ~200m)</a:t>
+            </a:r>
+          </a:p>
+          <a:p>
+            <a:r>
+              <a:rPr lang="en-US" dirty="0" smtClean="0"/>
+              <a:t>GPS (Accuracy within ~10m)</a:t>
+            </a:r>
+          </a:p>
+          <a:p>
+            <a:r>
+              <a:rPr lang="en-US" dirty="0" smtClean="0"/>
+              <a:t>HTML5 support means it’s not just for Native</a:t>
+            </a:r>
+          </a:p>
+          <a:p>
+            <a:endParaRPr lang="en-US" dirty="0" smtClean="0"/>
+          </a:p>
+          <a:p>
+            <a:pPr>
+              <a:buNone/>
+            </a:pPr>
+            <a:r>
+              <a:rPr lang="en-US" dirty="0" smtClean="0"/>
+              <a:t>*Expect more accurate GPS location soon!</a:t>
+            </a:r>
+          </a:p>
+          <a:p>
+            <a:pPr>
+              <a:buNone/>
+            </a:pPr>
+            <a:r>
+              <a:rPr lang="en-US" sz="1600" dirty="0" smtClean="0"/>
+              <a:t>http://</a:t>
+            </a:r>
+            <a:r>
+              <a:rPr lang="en-US" sz="1600" dirty="0" err="1" smtClean="0"/>
+              <a:t>www.ted.com/talks/todd_humphreys_how_to_fool_a_gps.html</a:t>
+            </a:r>
+            <a:endParaRPr lang="en-US" sz="1600" dirty="0"/>
+          </a:p>
+        </p:txBody>
+      </p:sp>
+    </p:spTree>
+  </p:cSld>
+  <p:clrMapOvr>
+    <a:masterClrMapping/>
+  </p:clrMapOvr>
+</p:sld>
+</file>
+
+<file path=ppt/slides/slide12.xml><?xml version="1.0" encoding="utf-8"?>
+<p:sld xmlns:a="http://schemas.openxmlformats.org/drawingml/2006/main" xmlns:r="http://schemas.openxmlformats.org/officeDocument/2006/relationships" xmlns:mc="http://schemas.openxmlformats.org/markup-compatibility/2006" xmlns:mv="urn:schemas-microsoft-com:mac:vml" xmlns:p="http://schemas.openxmlformats.org/presentationml/2006/main" mc:Ignorable="mv" mc:PreserveAttributes="mv:*">
+  <p:cSld>
+    <p:spTree>
+      <p:nvGrpSpPr>
+        <p:cNvPr id="1" name=""/>
+        <p:cNvGrpSpPr/>
+        <p:nvPr/>
+      </p:nvGrpSpPr>
+      <p:grpSpPr>
+        <a:xfrm>
+          <a:off x="0" y="0"/>
+          <a:ext cx="0" cy="0"/>
+          <a:chOff x="0" y="0"/>
+          <a:chExt cx="0" cy="0"/>
+        </a:xfrm>
+      </p:grpSpPr>
+      <p:sp>
+        <p:nvSpPr>
+          <p:cNvPr id="2" name="Title 1"/>
+          <p:cNvSpPr>
+            <a:spLocks noGrp="1"/>
+          </p:cNvSpPr>
+          <p:nvPr>
+            <p:ph type="title"/>
+          </p:nvPr>
+        </p:nvSpPr>
+        <p:spPr/>
+        <p:txBody>
+          <a:bodyPr/>
+          <a:lstStyle/>
+          <a:p>
+            <a:r>
+              <a:rPr lang="en-US" dirty="0" smtClean="0"/>
+              <a:t>Custom Map Interactions</a:t>
+            </a:r>
+            <a:endParaRPr lang="en-US" dirty="0"/>
+          </a:p>
+        </p:txBody>
+      </p:sp>
+      <p:pic>
+        <p:nvPicPr>
+          <p:cNvPr id="5" name="Picture 4" descr="Mobile Capabiliy Example 3.png"/>
+          <p:cNvPicPr>
+            <a:picLocks noChangeAspect="1"/>
+          </p:cNvPicPr>
+          <p:nvPr/>
+        </p:nvPicPr>
+        <p:blipFill>
+          <a:blip r:embed="rId3"/>
+          <a:stretch>
+            <a:fillRect/>
+          </a:stretch>
+        </p:blipFill>
+        <p:spPr>
+          <a:xfrm>
+            <a:off x="1615427" y="1417638"/>
+            <a:ext cx="6004573" cy="4908198"/>
+          </a:xfrm>
+          <a:prstGeom prst="rect">
+            <a:avLst/>
+          </a:prstGeom>
+        </p:spPr>
+      </p:pic>
+    </p:spTree>
+  </p:cSld>
+  <p:clrMapOvr>
+    <a:masterClrMapping/>
+  </p:clrMapOvr>
+  <p:timing>
+    <p:tnLst>
+      <p:par>
+        <p:cTn id="1" dur="indefinite" restart="never" nodeType="tmRoot"/>
+      </p:par>
+    </p:tnLst>
+  </p:timing>
+</p:sld>
+</file>
+
+<file path=ppt/slides/slide13.xml><?xml version="1.0" encoding="utf-8"?>
+<p:sld xmlns:a="http://schemas.openxmlformats.org/drawingml/2006/main" xmlns:r="http://schemas.openxmlformats.org/officeDocument/2006/relationships" xmlns:mc="http://schemas.openxmlformats.org/markup-compatibility/2006" xmlns:mv="urn:schemas-microsoft-com:mac:vml" xmlns:p="http://schemas.openxmlformats.org/presentationml/2006/main" mc:Ignorable="mv" mc:PreserveAttributes="mv:*">
+  <p:cSld>
+    <p:spTree>
+      <p:nvGrpSpPr>
+        <p:cNvPr id="1" name=""/>
+        <p:cNvGrpSpPr/>
+        <p:nvPr/>
+      </p:nvGrpSpPr>
+      <p:grpSpPr>
+        <a:xfrm>
+          <a:off x="0" y="0"/>
+          <a:ext cx="0" cy="0"/>
+          <a:chOff x="0" y="0"/>
+          <a:chExt cx="0" cy="0"/>
+        </a:xfrm>
+      </p:grpSpPr>
+      <p:sp>
+        <p:nvSpPr>
+          <p:cNvPr id="2" name="Title 1"/>
+          <p:cNvSpPr>
+            <a:spLocks noGrp="1"/>
+          </p:cNvSpPr>
+          <p:nvPr>
+            <p:ph type="title"/>
+          </p:nvPr>
+        </p:nvSpPr>
+        <p:spPr/>
+        <p:txBody>
+          <a:bodyPr/>
+          <a:lstStyle/>
+          <a:p>
+            <a:r>
+              <a:rPr lang="en-US" dirty="0" smtClean="0"/>
+              <a:t>Custom Map Interactions - </a:t>
+            </a:r>
+            <a:r>
+              <a:rPr lang="en-US" dirty="0" err="1" smtClean="0"/>
+              <a:t>iOS</a:t>
+            </a:r>
+            <a:endParaRPr lang="en-US" dirty="0"/>
+          </a:p>
+        </p:txBody>
+      </p:sp>
+      <p:sp>
+        <p:nvSpPr>
+          <p:cNvPr id="6" name="Content Placeholder 5"/>
+          <p:cNvSpPr>
+            <a:spLocks noGrp="1"/>
+          </p:cNvSpPr>
+          <p:nvPr>
+            <p:ph idx="1"/>
+          </p:nvPr>
+        </p:nvSpPr>
+        <p:spPr/>
+        <p:txBody>
+          <a:bodyPr/>
+          <a:lstStyle/>
+          <a:p>
+            <a:r>
+              <a:rPr lang="en-US" dirty="0" err="1" smtClean="0"/>
+              <a:t>QuartzCore</a:t>
+            </a:r>
+            <a:r>
+              <a:rPr lang="en-US" dirty="0" smtClean="0"/>
+              <a:t> and </a:t>
+            </a:r>
+            <a:r>
+              <a:rPr lang="en-US" dirty="0" err="1" smtClean="0"/>
+              <a:t>CoreGraphics</a:t>
+            </a:r>
+            <a:endParaRPr lang="en-US" dirty="0" smtClean="0"/>
+          </a:p>
+          <a:p>
+            <a:r>
+              <a:rPr lang="en-US" dirty="0" err="1" smtClean="0"/>
+              <a:t>MapKit</a:t>
+            </a:r>
+            <a:r>
+              <a:rPr lang="en-US" dirty="0" smtClean="0"/>
+              <a:t> with a </a:t>
+            </a:r>
+            <a:r>
+              <a:rPr lang="en-US" dirty="0" err="1" smtClean="0"/>
+              <a:t>UIBezierPath</a:t>
+            </a:r>
+            <a:r>
+              <a:rPr lang="en-US" dirty="0" smtClean="0"/>
+              <a:t> view overlay</a:t>
+            </a:r>
+          </a:p>
+          <a:p>
+            <a:endParaRPr lang="en-US" dirty="0"/>
+          </a:p>
+        </p:txBody>
+      </p:sp>
+    </p:spTree>
+  </p:cSld>
+  <p:clrMapOvr>
+    <a:masterClrMapping/>
+  </p:clrMapOvr>
+  <p:timing>
+    <p:tnLst>
+      <p:par>
+        <p:cTn id="1" dur="indefinite" restart="never" nodeType="tmRoot"/>
+      </p:par>
+    </p:tnLst>
+  </p:timing>
+</p:sld>
+</file>
+
+<file path=ppt/slides/slide14.xml><?xml version="1.0" encoding="utf-8"?>
+<p:sld xmlns:a="http://schemas.openxmlformats.org/drawingml/2006/main" xmlns:r="http://schemas.openxmlformats.org/officeDocument/2006/relationships" xmlns:mc="http://schemas.openxmlformats.org/markup-compatibility/2006" xmlns:mv="urn:schemas-microsoft-com:mac:vml" xmlns:p="http://schemas.openxmlformats.org/presentationml/2006/main" mc:Ignorable="mv" mc:PreserveAttributes="mv:*">
+  <p:cSld>
+    <p:spTree>
+      <p:nvGrpSpPr>
+        <p:cNvPr id="1" name=""/>
+        <p:cNvGrpSpPr/>
+        <p:nvPr/>
+      </p:nvGrpSpPr>
+      <p:grpSpPr>
+        <a:xfrm>
+          <a:off x="0" y="0"/>
+          <a:ext cx="0" cy="0"/>
+          <a:chOff x="0" y="0"/>
+          <a:chExt cx="0" cy="0"/>
+        </a:xfrm>
+      </p:grpSpPr>
+      <p:sp>
+        <p:nvSpPr>
+          <p:cNvPr id="2" name="Title 1"/>
+          <p:cNvSpPr>
+            <a:spLocks noGrp="1"/>
+          </p:cNvSpPr>
+          <p:nvPr>
+            <p:ph type="title"/>
+          </p:nvPr>
+        </p:nvSpPr>
+        <p:spPr/>
+        <p:txBody>
+          <a:bodyPr/>
+          <a:lstStyle/>
+          <a:p>
+            <a:r>
+              <a:rPr lang="en-US" dirty="0" err="1" smtClean="0"/>
+              <a:t>Haptic</a:t>
+            </a:r>
+            <a:r>
+              <a:rPr lang="en-US" dirty="0" smtClean="0"/>
+              <a:t> Feedback</a:t>
+            </a:r>
+            <a:endParaRPr lang="en-US" dirty="0"/>
+          </a:p>
+        </p:txBody>
+      </p:sp>
+      <p:sp>
+        <p:nvSpPr>
+          <p:cNvPr id="3" name="Content Placeholder 2"/>
+          <p:cNvSpPr>
+            <a:spLocks noGrp="1"/>
+          </p:cNvSpPr>
+          <p:nvPr>
+            <p:ph idx="1"/>
+          </p:nvPr>
+        </p:nvSpPr>
+        <p:spPr/>
+        <p:txBody>
+          <a:bodyPr>
+            <a:normAutofit fontScale="92500"/>
+          </a:bodyPr>
+          <a:lstStyle/>
+          <a:p>
+            <a:r>
+              <a:rPr lang="en-US" dirty="0" smtClean="0"/>
+              <a:t>Heighten the User Experience</a:t>
+            </a:r>
+          </a:p>
+          <a:p>
+            <a:r>
+              <a:rPr lang="en-US" dirty="0" smtClean="0"/>
+              <a:t>Just for games?</a:t>
+            </a:r>
+          </a:p>
+          <a:p>
+            <a:r>
+              <a:rPr lang="en-US" dirty="0" smtClean="0"/>
+              <a:t>Android and Windows Phone only. Apple soon?</a:t>
+            </a:r>
+          </a:p>
+          <a:p>
+            <a:endParaRPr lang="en-US" dirty="0" smtClean="0"/>
+          </a:p>
+          <a:p>
+            <a:endParaRPr lang="en-US" dirty="0" smtClean="0"/>
+          </a:p>
+          <a:p>
+            <a:endParaRPr lang="en-US" dirty="0" smtClean="0"/>
+          </a:p>
+          <a:p>
+            <a:endParaRPr lang="en-US" dirty="0" smtClean="0"/>
+          </a:p>
+          <a:p>
+            <a:r>
+              <a:rPr lang="en-US" dirty="0" smtClean="0"/>
+              <a:t>http://</a:t>
+            </a:r>
+            <a:r>
+              <a:rPr lang="en-US" dirty="0" err="1" smtClean="0"/>
+              <a:t>www.immersion.com</a:t>
+            </a:r>
+            <a:r>
+              <a:rPr lang="en-US" dirty="0" smtClean="0"/>
+              <a:t>/developers/</a:t>
+            </a:r>
+            <a:endParaRPr lang="en-US" dirty="0"/>
+          </a:p>
+        </p:txBody>
+      </p:sp>
+    </p:spTree>
+  </p:cSld>
+  <p:clrMapOvr>
+    <a:masterClrMapping/>
+  </p:clrMapOvr>
+</p:sld>
+</file>
+
+<file path=ppt/slides/slide15.xml><?xml version="1.0" encoding="utf-8"?>
 <p:sld xmlns:a="http://schemas.openxmlformats.org/drawingml/2006/main" xmlns:r="http://schemas.openxmlformats.org/officeDocument/2006/relationships" xmlns:mc="http://schemas.openxmlformats.org/markup-compatibility/2006" xmlns:mv="urn:schemas-microsoft-com:mac:vml" xmlns:p="http://schemas.openxmlformats.org/presentationml/2006/main" mc:Ignorable="mv" mc:PreserveAttributes="mv:*">
   <p:cSld>
     <p:spTree>
@@ -6311,7 +7111,7 @@
 </p:sld>
 </file>
 
-<file path=ppt/slides/slide12.xml><?xml version="1.0" encoding="utf-8"?>
+<file path=ppt/slides/slide16.xml><?xml version="1.0" encoding="utf-8"?>
 <p:sld xmlns:a="http://schemas.openxmlformats.org/drawingml/2006/main" xmlns:r="http://schemas.openxmlformats.org/officeDocument/2006/relationships" xmlns:mc="http://schemas.openxmlformats.org/markup-compatibility/2006" xmlns:mv="urn:schemas-microsoft-com:mac:vml" xmlns:p="http://schemas.openxmlformats.org/presentationml/2006/main" mc:Ignorable="mv" mc:PreserveAttributes="mv:*">
   <p:cSld>
     <p:spTree>
@@ -6376,7 +7176,15 @@
           <a:p>
             <a:r>
               <a:rPr lang="en-US" dirty="0" smtClean="0"/>
-              <a:t>Google Glasses and First Person UI’s</a:t>
+              <a:t>Google Glasses, Yelp, </a:t>
+            </a:r>
+            <a:r>
+              <a:rPr lang="en-US" dirty="0" err="1" smtClean="0"/>
+              <a:t>Layar</a:t>
+            </a:r>
+            <a:r>
+              <a:rPr lang="en-US" dirty="0" smtClean="0"/>
+              <a:t> and First Person UI’s</a:t>
             </a:r>
           </a:p>
           <a:p>
@@ -6434,449 +7242,7 @@
 </p:sld>
 </file>
 
-<file path=ppt/slides/slide13.xml><?xml version="1.0" encoding="utf-8"?>
-<p:sld xmlns:a="http://schemas.openxmlformats.org/drawingml/2006/main" xmlns:r="http://schemas.openxmlformats.org/officeDocument/2006/relationships" xmlns:mc="http://schemas.openxmlformats.org/markup-compatibility/2006" xmlns:mv="urn:schemas-microsoft-com:mac:vml" xmlns:p="http://schemas.openxmlformats.org/presentationml/2006/main" mc:Ignorable="mv" mc:PreserveAttributes="mv:*">
-  <p:cSld>
-    <p:spTree>
-      <p:nvGrpSpPr>
-        <p:cNvPr id="1" name=""/>
-        <p:cNvGrpSpPr/>
-        <p:nvPr/>
-      </p:nvGrpSpPr>
-      <p:grpSpPr>
-        <a:xfrm>
-          <a:off x="0" y="0"/>
-          <a:ext cx="0" cy="0"/>
-          <a:chOff x="0" y="0"/>
-          <a:chExt cx="0" cy="0"/>
-        </a:xfrm>
-      </p:grpSpPr>
-      <p:sp>
-        <p:nvSpPr>
-          <p:cNvPr id="2" name="Title 1"/>
-          <p:cNvSpPr>
-            <a:spLocks noGrp="1"/>
-          </p:cNvSpPr>
-          <p:nvPr>
-            <p:ph type="title"/>
-          </p:nvPr>
-        </p:nvSpPr>
-        <p:spPr/>
-        <p:txBody>
-          <a:bodyPr/>
-          <a:lstStyle/>
-          <a:p>
-            <a:r>
-              <a:rPr lang="en-US" dirty="0" err="1" smtClean="0"/>
-              <a:t>Haptic</a:t>
-            </a:r>
-            <a:r>
-              <a:rPr lang="en-US" dirty="0" smtClean="0"/>
-              <a:t> Feedback</a:t>
-            </a:r>
-            <a:endParaRPr lang="en-US" dirty="0"/>
-          </a:p>
-        </p:txBody>
-      </p:sp>
-      <p:sp>
-        <p:nvSpPr>
-          <p:cNvPr id="3" name="Content Placeholder 2"/>
-          <p:cNvSpPr>
-            <a:spLocks noGrp="1"/>
-          </p:cNvSpPr>
-          <p:nvPr>
-            <p:ph idx="1"/>
-          </p:nvPr>
-        </p:nvSpPr>
-        <p:spPr/>
-        <p:txBody>
-          <a:bodyPr>
-            <a:normAutofit fontScale="92500"/>
-          </a:bodyPr>
-          <a:lstStyle/>
-          <a:p>
-            <a:r>
-              <a:rPr lang="en-US" dirty="0" smtClean="0"/>
-              <a:t>H</a:t>
-            </a:r>
-            <a:r>
-              <a:rPr lang="en-US" dirty="0" smtClean="0"/>
-              <a:t>eighten the User Experience</a:t>
-            </a:r>
-          </a:p>
-          <a:p>
-            <a:r>
-              <a:rPr lang="en-US" dirty="0" smtClean="0"/>
-              <a:t>Just for games?</a:t>
-            </a:r>
-          </a:p>
-          <a:p>
-            <a:r>
-              <a:rPr lang="en-US" dirty="0" smtClean="0"/>
-              <a:t>Android and Windows Phone only. Apple soon?</a:t>
-            </a:r>
-          </a:p>
-          <a:p>
-            <a:endParaRPr lang="en-US" dirty="0" smtClean="0"/>
-          </a:p>
-          <a:p>
-            <a:endParaRPr lang="en-US" dirty="0" smtClean="0"/>
-          </a:p>
-          <a:p>
-            <a:endParaRPr lang="en-US" dirty="0" smtClean="0"/>
-          </a:p>
-          <a:p>
-            <a:endParaRPr lang="en-US" dirty="0" smtClean="0"/>
-          </a:p>
-          <a:p>
-            <a:r>
-              <a:rPr lang="en-US" dirty="0" smtClean="0"/>
-              <a:t>http://</a:t>
-            </a:r>
-            <a:r>
-              <a:rPr lang="en-US" dirty="0" err="1" smtClean="0"/>
-              <a:t>www.immersion.com</a:t>
-            </a:r>
-            <a:r>
-              <a:rPr lang="en-US" dirty="0" smtClean="0"/>
-              <a:t>/developers/</a:t>
-            </a:r>
-            <a:endParaRPr lang="en-US" dirty="0"/>
-          </a:p>
-        </p:txBody>
-      </p:sp>
-    </p:spTree>
-  </p:cSld>
-  <p:clrMapOvr>
-    <a:masterClrMapping/>
-  </p:clrMapOvr>
-</p:sld>
-</file>
-
-<file path=ppt/slides/slide14.xml><?xml version="1.0" encoding="utf-8"?>
-<p:sld xmlns:a="http://schemas.openxmlformats.org/drawingml/2006/main" xmlns:r="http://schemas.openxmlformats.org/officeDocument/2006/relationships" xmlns:mc="http://schemas.openxmlformats.org/markup-compatibility/2006" xmlns:mv="urn:schemas-microsoft-com:mac:vml" xmlns:p="http://schemas.openxmlformats.org/presentationml/2006/main" mc:Ignorable="mv" mc:PreserveAttributes="mv:*">
-  <p:cSld>
-    <p:spTree>
-      <p:nvGrpSpPr>
-        <p:cNvPr id="1" name=""/>
-        <p:cNvGrpSpPr/>
-        <p:nvPr/>
-      </p:nvGrpSpPr>
-      <p:grpSpPr>
-        <a:xfrm>
-          <a:off x="0" y="0"/>
-          <a:ext cx="0" cy="0"/>
-          <a:chOff x="0" y="0"/>
-          <a:chExt cx="0" cy="0"/>
-        </a:xfrm>
-      </p:grpSpPr>
-      <p:sp>
-        <p:nvSpPr>
-          <p:cNvPr id="2" name="Title 1"/>
-          <p:cNvSpPr>
-            <a:spLocks noGrp="1"/>
-          </p:cNvSpPr>
-          <p:nvPr>
-            <p:ph type="title"/>
-          </p:nvPr>
-        </p:nvSpPr>
-        <p:spPr>
-          <a:xfrm>
-            <a:off x="0" y="274638"/>
-            <a:ext cx="9144000" cy="1143000"/>
-          </a:xfrm>
-        </p:spPr>
-        <p:txBody>
-          <a:bodyPr>
-            <a:normAutofit/>
-          </a:bodyPr>
-          <a:lstStyle/>
-          <a:p>
-            <a:r>
-              <a:rPr lang="en-US" dirty="0" smtClean="0"/>
-              <a:t>Becoming the preferred experience</a:t>
-            </a:r>
-          </a:p>
-        </p:txBody>
-      </p:sp>
-      <p:sp>
-        <p:nvSpPr>
-          <p:cNvPr id="7" name="TextBox 6"/>
-          <p:cNvSpPr txBox="1"/>
-          <p:nvPr/>
-        </p:nvSpPr>
-        <p:spPr>
-          <a:xfrm>
-            <a:off x="3839741" y="6465585"/>
-            <a:ext cx="5149192" cy="261610"/>
-          </a:xfrm>
-          <a:prstGeom prst="rect">
-            <a:avLst/>
-          </a:prstGeom>
-          <a:noFill/>
-        </p:spPr>
-        <p:txBody>
-          <a:bodyPr wrap="square" rtlCol="0">
-            <a:spAutoFit/>
-          </a:bodyPr>
-          <a:lstStyle/>
-          <a:p>
-            <a:pPr algn="r"/>
-            <a:r>
-              <a:rPr lang="en-US" sz="1100" dirty="0" smtClean="0">
-                <a:solidFill>
-                  <a:schemeClr val="tx1">
-                    <a:lumMod val="75000"/>
-                    <a:lumOff val="25000"/>
-                  </a:schemeClr>
-                </a:solidFill>
-                <a:latin typeface="Arial"/>
-                <a:cs typeface="Arial"/>
-              </a:rPr>
-              <a:t>source: http://</a:t>
-            </a:r>
-            <a:r>
-              <a:rPr lang="en-US" sz="1100" dirty="0" err="1" smtClean="0">
-                <a:solidFill>
-                  <a:schemeClr val="tx1">
-                    <a:lumMod val="75000"/>
-                    <a:lumOff val="25000"/>
-                  </a:schemeClr>
-                </a:solidFill>
-                <a:latin typeface="Arial"/>
-                <a:cs typeface="Arial"/>
-              </a:rPr>
-              <a:t>www.facebook.com/press/info.php?statistics</a:t>
-            </a:r>
-            <a:endParaRPr lang="en-US" sz="1100" dirty="0">
-              <a:solidFill>
-                <a:schemeClr val="tx1">
-                  <a:lumMod val="75000"/>
-                  <a:lumOff val="25000"/>
-                </a:schemeClr>
-              </a:solidFill>
-              <a:latin typeface="Arial"/>
-              <a:cs typeface="Arial"/>
-            </a:endParaRPr>
-          </a:p>
-        </p:txBody>
-      </p:sp>
-      <p:pic>
-        <p:nvPicPr>
-          <p:cNvPr id="9" name="Picture 8"/>
-          <p:cNvPicPr>
-            <a:picLocks noChangeAspect="1"/>
-          </p:cNvPicPr>
-          <p:nvPr/>
-        </p:nvPicPr>
-        <p:blipFill>
-          <a:blip r:embed="rId3"/>
-          <a:stretch>
-            <a:fillRect/>
-          </a:stretch>
-        </p:blipFill>
-        <p:spPr>
-          <a:xfrm>
-            <a:off x="585199" y="2185504"/>
-            <a:ext cx="8403734" cy="2914003"/>
-          </a:xfrm>
-          <a:prstGeom prst="rect">
-            <a:avLst/>
-          </a:prstGeom>
-        </p:spPr>
-      </p:pic>
-    </p:spTree>
-  </p:cSld>
-  <p:clrMapOvr>
-    <a:masterClrMapping/>
-  </p:clrMapOvr>
-  <p:timing>
-    <p:tnLst>
-      <p:par>
-        <p:cTn id="1" dur="indefinite" restart="never" nodeType="tmRoot"/>
-      </p:par>
-    </p:tnLst>
-  </p:timing>
-</p:sld>
-</file>
-
-<file path=ppt/slides/slide15.xml><?xml version="1.0" encoding="utf-8"?>
-<p:sld xmlns:a="http://schemas.openxmlformats.org/drawingml/2006/main" xmlns:r="http://schemas.openxmlformats.org/officeDocument/2006/relationships" xmlns:mc="http://schemas.openxmlformats.org/markup-compatibility/2006" xmlns:mv="urn:schemas-microsoft-com:mac:vml" xmlns:p="http://schemas.openxmlformats.org/presentationml/2006/main" mc:Ignorable="mv" mc:PreserveAttributes="mv:*">
-  <p:cSld>
-    <p:spTree>
-      <p:nvGrpSpPr>
-        <p:cNvPr id="1" name=""/>
-        <p:cNvGrpSpPr/>
-        <p:nvPr/>
-      </p:nvGrpSpPr>
-      <p:grpSpPr>
-        <a:xfrm>
-          <a:off x="0" y="0"/>
-          <a:ext cx="0" cy="0"/>
-          <a:chOff x="0" y="0"/>
-          <a:chExt cx="0" cy="0"/>
-        </a:xfrm>
-      </p:grpSpPr>
-      <p:pic>
-        <p:nvPicPr>
-          <p:cNvPr id="9" name="Picture 8" descr="App-vs-web-graphic.png"/>
-          <p:cNvPicPr>
-            <a:picLocks noChangeAspect="1"/>
-          </p:cNvPicPr>
-          <p:nvPr/>
-        </p:nvPicPr>
-        <p:blipFill>
-          <a:blip r:embed="rId3"/>
-          <a:stretch>
-            <a:fillRect/>
-          </a:stretch>
-        </p:blipFill>
-        <p:spPr>
-          <a:xfrm>
-            <a:off x="0" y="0"/>
-            <a:ext cx="9144000" cy="6858001"/>
-          </a:xfrm>
-          <a:prstGeom prst="rect">
-            <a:avLst/>
-          </a:prstGeom>
-        </p:spPr>
-      </p:pic>
-      <p:sp>
-        <p:nvSpPr>
-          <p:cNvPr id="4" name="TextBox 3"/>
-          <p:cNvSpPr txBox="1"/>
-          <p:nvPr/>
-        </p:nvSpPr>
-        <p:spPr>
-          <a:xfrm>
-            <a:off x="3632986" y="6596390"/>
-            <a:ext cx="5149192" cy="261610"/>
-          </a:xfrm>
-          <a:prstGeom prst="rect">
-            <a:avLst/>
-          </a:prstGeom>
-          <a:noFill/>
-        </p:spPr>
-        <p:txBody>
-          <a:bodyPr wrap="square" rtlCol="0">
-            <a:spAutoFit/>
-          </a:bodyPr>
-          <a:lstStyle/>
-          <a:p>
-            <a:pPr algn="r"/>
-            <a:r>
-              <a:rPr lang="en-US" sz="1100" dirty="0" smtClean="0">
-                <a:solidFill>
-                  <a:schemeClr val="tx1">
-                    <a:lumMod val="75000"/>
-                    <a:lumOff val="25000"/>
-                  </a:schemeClr>
-                </a:solidFill>
-                <a:latin typeface="Arial"/>
-                <a:cs typeface="Arial"/>
-              </a:rPr>
-              <a:t>sources: </a:t>
-            </a:r>
-            <a:r>
-              <a:rPr lang="en-US" sz="1100" dirty="0" err="1" smtClean="0">
-                <a:solidFill>
-                  <a:schemeClr val="tx1">
-                    <a:lumMod val="75000"/>
-                    <a:lumOff val="25000"/>
-                  </a:schemeClr>
-                </a:solidFill>
-                <a:latin typeface="Arial"/>
-                <a:cs typeface="Arial"/>
-              </a:rPr>
-              <a:t>comScore</a:t>
-            </a:r>
-            <a:r>
-              <a:rPr lang="en-US" sz="1100" dirty="0" smtClean="0">
-                <a:solidFill>
-                  <a:schemeClr val="tx1">
-                    <a:lumMod val="75000"/>
-                    <a:lumOff val="25000"/>
-                  </a:schemeClr>
-                </a:solidFill>
-                <a:latin typeface="Arial"/>
-                <a:cs typeface="Arial"/>
-              </a:rPr>
-              <a:t>, </a:t>
-            </a:r>
-            <a:r>
-              <a:rPr lang="en-US" sz="1100" dirty="0" err="1" smtClean="0">
-                <a:solidFill>
-                  <a:schemeClr val="tx1">
-                    <a:lumMod val="75000"/>
-                    <a:lumOff val="25000"/>
-                  </a:schemeClr>
-                </a:solidFill>
-                <a:latin typeface="Arial"/>
-                <a:cs typeface="Arial"/>
-              </a:rPr>
-              <a:t>Alexa</a:t>
-            </a:r>
-            <a:r>
-              <a:rPr lang="en-US" sz="1100" dirty="0" smtClean="0">
-                <a:solidFill>
-                  <a:schemeClr val="tx1">
-                    <a:lumMod val="75000"/>
-                    <a:lumOff val="25000"/>
-                  </a:schemeClr>
-                </a:solidFill>
-                <a:latin typeface="Arial"/>
-                <a:cs typeface="Arial"/>
-              </a:rPr>
-              <a:t>, Flurry Analytics</a:t>
-            </a:r>
-            <a:endParaRPr lang="en-US" sz="1100" dirty="0">
-              <a:solidFill>
-                <a:schemeClr val="tx1">
-                  <a:lumMod val="75000"/>
-                  <a:lumOff val="25000"/>
-                </a:schemeClr>
-              </a:solidFill>
-              <a:latin typeface="Arial"/>
-              <a:cs typeface="Arial"/>
-            </a:endParaRPr>
-          </a:p>
-        </p:txBody>
-      </p:sp>
-      <p:sp>
-        <p:nvSpPr>
-          <p:cNvPr id="5" name="Title 4"/>
-          <p:cNvSpPr>
-            <a:spLocks noGrp="1"/>
-          </p:cNvSpPr>
-          <p:nvPr>
-            <p:ph type="title"/>
-          </p:nvPr>
-        </p:nvSpPr>
-        <p:spPr/>
-        <p:txBody>
-          <a:bodyPr/>
-          <a:lstStyle/>
-          <a:p>
-            <a:endParaRPr lang="en-US"/>
-          </a:p>
-        </p:txBody>
-      </p:sp>
-    </p:spTree>
-  </p:cSld>
-  <p:clrMapOvr>
-    <a:masterClrMapping/>
-  </p:clrMapOvr>
-  <p:timing>
-    <p:tnLst>
-      <p:par>
-        <p:cTn id="1" dur="indefinite" restart="never" nodeType="tmRoot"/>
-      </p:par>
-    </p:tnLst>
-  </p:timing>
-</p:sld>
-</file>
-
-<file path=ppt/slides/slide16.xml><?xml version="1.0" encoding="utf-8"?>
+<file path=ppt/slides/slide17.xml><?xml version="1.0" encoding="utf-8"?>
 <p:sld xmlns:a="http://schemas.openxmlformats.org/drawingml/2006/main" xmlns:r="http://schemas.openxmlformats.org/officeDocument/2006/relationships" xmlns:mc="http://schemas.openxmlformats.org/markup-compatibility/2006" xmlns:mv="urn:schemas-microsoft-com:mac:vml" xmlns:p="http://schemas.openxmlformats.org/presentationml/2006/main" mc:Ignorable="mv" mc:PreserveAttributes="mv:*">
   <p:cSld>
     <p:spTree>
@@ -6999,7 +7365,7 @@
                   <a:srgbClr val="FFFFFF"/>
                 </a:solidFill>
               </a:rPr>
-              <a:t>Mobile is a dizzying and rapidly evolving platform that is changing how users interact with each other and the world around them.</a:t>
+              <a:t>Mobile allows us to interact with our environment in new ways.</a:t>
             </a:r>
           </a:p>
           <a:p>
@@ -7009,23 +7375,17 @@
                   <a:srgbClr val="FFFFFF"/>
                 </a:solidFill>
               </a:rPr>
-              <a:t>Mobile Devices are rapidly expanding into our lives and the market</a:t>
-            </a:r>
+              <a:t>It’s rapidly evolving.</a:t>
+            </a:r>
+          </a:p>
+          <a:p>
             <a:r>
               <a:rPr lang="en-US" dirty="0" smtClean="0">
                 <a:solidFill>
                   <a:srgbClr val="FFFFFF"/>
                 </a:solidFill>
               </a:rPr>
-              <a:t> has taken </a:t>
-            </a:r>
-            <a:r>
-              <a:rPr lang="en-US" dirty="0" smtClean="0">
-                <a:solidFill>
-                  <a:srgbClr val="FFFFFF"/>
-                </a:solidFill>
-              </a:rPr>
-              <a:t>notice.</a:t>
+              <a:t>It’s overtaking PC in sales and usage.</a:t>
             </a:r>
           </a:p>
           <a:p>
@@ -7059,7 +7419,7 @@
 </p:sld>
 </file>
 
-<file path=ppt/slides/slide17.xml><?xml version="1.0" encoding="utf-8"?>
+<file path=ppt/slides/slide18.xml><?xml version="1.0" encoding="utf-8"?>
 <p:sld xmlns:a="http://schemas.openxmlformats.org/drawingml/2006/main" xmlns:r="http://schemas.openxmlformats.org/officeDocument/2006/relationships" xmlns:mc="http://schemas.openxmlformats.org/markup-compatibility/2006" xmlns:mv="urn:schemas-microsoft-com:mac:vml" xmlns:p="http://schemas.openxmlformats.org/presentationml/2006/main" mc:Ignorable="mv" mc:PreserveAttributes="mv:*">
   <p:cSld>
     <p:spTree>
@@ -7135,7 +7495,7 @@
         <p:spPr>
           <a:xfrm>
             <a:off x="457199" y="1417638"/>
-            <a:ext cx="8030544" cy="2031325"/>
+            <a:ext cx="8030544" cy="2123658"/>
           </a:xfrm>
           <a:prstGeom prst="rect">
             <a:avLst/>
@@ -7152,26 +7512,14 @@
               <a:buNone/>
             </a:pPr>
             <a:r>
-              <a:rPr lang="en-US" sz="3600" i="1" dirty="0" smtClean="0">
+              <a:rPr lang="en-US" sz="2400" i="1" dirty="0" smtClean="0">
                 <a:solidFill>
                   <a:schemeClr val="bg1"/>
                 </a:solidFill>
               </a:rPr>
-              <a:t>“…I have always found that plans are useless, but planning is indispensable.” </a:t>
-            </a:r>
-          </a:p>
-          <a:p>
-            <a:pPr>
-              <a:buNone/>
-            </a:pPr>
-            <a:r>
-              <a:rPr lang="en-US" dirty="0" smtClean="0">
-                <a:solidFill>
-                  <a:schemeClr val="bg1"/>
-                </a:solidFill>
-              </a:rPr>
-              <a:t>- Dwight D. Eisenhower</a:t>
-            </a:r>
+              <a:t>“Mobile represents a perfect confluence of technological change and our environment. Being an engineer during this wave means we get to radically shape the world in more powerful ways then the PC ever did.”</a:t>
+            </a:r>
+            <a:endParaRPr lang="en-US" b="1" dirty="0" smtClean="0"/>
           </a:p>
           <a:p>
             <a:endParaRPr lang="en-US" sz="3600" dirty="0">
@@ -7179,111 +7527,6 @@
                 <a:schemeClr val="bg1"/>
               </a:solidFill>
             </a:endParaRPr>
-          </a:p>
-        </p:txBody>
-      </p:sp>
-    </p:spTree>
-  </p:cSld>
-  <p:clrMapOvr>
-    <a:masterClrMapping/>
-  </p:clrMapOvr>
-  <p:timing>
-    <p:tnLst>
-      <p:par>
-        <p:cTn id="1" dur="indefinite" restart="never" nodeType="tmRoot"/>
-      </p:par>
-    </p:tnLst>
-  </p:timing>
-</p:sld>
-</file>
-
-<file path=ppt/slides/slide18.xml><?xml version="1.0" encoding="utf-8"?>
-<p:sld xmlns:a="http://schemas.openxmlformats.org/drawingml/2006/main" xmlns:r="http://schemas.openxmlformats.org/officeDocument/2006/relationships" xmlns:mc="http://schemas.openxmlformats.org/markup-compatibility/2006" xmlns:mv="urn:schemas-microsoft-com:mac:vml" xmlns:p="http://schemas.openxmlformats.org/presentationml/2006/main" mc:Ignorable="mv" mc:PreserveAttributes="mv:*">
-  <p:cSld>
-    <p:spTree>
-      <p:nvGrpSpPr>
-        <p:cNvPr id="1" name=""/>
-        <p:cNvGrpSpPr/>
-        <p:nvPr/>
-      </p:nvGrpSpPr>
-      <p:grpSpPr>
-        <a:xfrm>
-          <a:off x="0" y="0"/>
-          <a:ext cx="0" cy="0"/>
-          <a:chOff x="0" y="0"/>
-          <a:chExt cx="0" cy="0"/>
-        </a:xfrm>
-      </p:grpSpPr>
-      <p:sp>
-        <p:nvSpPr>
-          <p:cNvPr id="2" name="Title 1"/>
-          <p:cNvSpPr>
-            <a:spLocks noGrp="1"/>
-          </p:cNvSpPr>
-          <p:nvPr>
-            <p:ph type="title"/>
-          </p:nvPr>
-        </p:nvSpPr>
-        <p:spPr/>
-        <p:txBody>
-          <a:bodyPr>
-            <a:normAutofit/>
-          </a:bodyPr>
-          <a:lstStyle/>
-          <a:p>
-            <a:r>
-              <a:rPr lang="en-US" dirty="0" smtClean="0"/>
-              <a:t>Focused Domain	</a:t>
-            </a:r>
-            <a:endParaRPr lang="en-US" dirty="0"/>
-          </a:p>
-        </p:txBody>
-      </p:sp>
-      <p:sp>
-        <p:nvSpPr>
-          <p:cNvPr id="3" name="Content Placeholder 2"/>
-          <p:cNvSpPr>
-            <a:spLocks noGrp="1"/>
-          </p:cNvSpPr>
-          <p:nvPr>
-            <p:ph idx="1"/>
-          </p:nvPr>
-        </p:nvSpPr>
-        <p:spPr/>
-        <p:txBody>
-          <a:bodyPr/>
-          <a:lstStyle/>
-          <a:p>
-            <a:r>
-              <a:rPr lang="en-US" dirty="0" smtClean="0"/>
-              <a:t>“One Eye, One Thumb”</a:t>
-            </a:r>
-          </a:p>
-          <a:p>
-            <a:r>
-              <a:rPr lang="en-US" dirty="0" smtClean="0"/>
-              <a:t>Hyper Focused Content/Functionality</a:t>
-            </a:r>
-          </a:p>
-          <a:p>
-            <a:r>
-              <a:rPr lang="en-US" dirty="0" smtClean="0"/>
-              <a:t>Increased efficiency</a:t>
-            </a:r>
-          </a:p>
-          <a:p>
-            <a:r>
-              <a:rPr lang="en-US" dirty="0" smtClean="0"/>
-              <a:t>Leverage Mobile </a:t>
-            </a:r>
-            <a:r>
-              <a:rPr lang="en-US" dirty="0" smtClean="0"/>
-              <a:t>sensors to streamline the user experience </a:t>
-            </a:r>
-            <a:endParaRPr lang="en-US" dirty="0" smtClean="0"/>
-          </a:p>
-          <a:p>
-            <a:endParaRPr lang="en-US" dirty="0"/>
           </a:p>
         </p:txBody>
       </p:sp>
@@ -7319,53 +7562,165 @@
           <a:chExt cx="0" cy="0"/>
         </a:xfrm>
       </p:grpSpPr>
-      <p:sp>
-        <p:nvSpPr>
-          <p:cNvPr id="2" name="Title 1"/>
-          <p:cNvSpPr>
-            <a:spLocks noGrp="1"/>
-          </p:cNvSpPr>
-          <p:nvPr>
-            <p:ph type="title"/>
-          </p:nvPr>
-        </p:nvSpPr>
-        <p:spPr/>
-        <p:txBody>
-          <a:bodyPr/>
-          <a:lstStyle/>
-          <a:p>
-            <a:r>
-              <a:rPr lang="en-US" dirty="0" smtClean="0"/>
-              <a:t>“One Eye, One Thumb”	</a:t>
-            </a:r>
-            <a:endParaRPr lang="en-US" dirty="0"/>
-          </a:p>
-        </p:txBody>
-      </p:sp>
       <p:pic>
         <p:nvPicPr>
-          <p:cNvPr id="4" name="Content Placeholder 3" descr="Screen Shot 2012-08-16 at 9.34.23 AM.png"/>
+          <p:cNvPr id="5" name="Picture 4"/>
           <p:cNvPicPr>
-            <a:picLocks noGrp="1" noChangeAspect="1"/>
+            <a:picLocks noChangeAspect="1"/>
           </p:cNvPicPr>
-          <p:nvPr>
-            <p:ph idx="1"/>
-          </p:nvPr>
+          <p:nvPr/>
         </p:nvPicPr>
         <p:blipFill>
-          <a:blip r:embed="rId3"/>
-          <a:srcRect l="-98170" r="-98170"/>
+          <a:blip r:embed="rId2"/>
           <a:stretch>
             <a:fillRect/>
           </a:stretch>
         </p:blipFill>
-        <p:spPr/>
+        <p:spPr>
+          <a:xfrm>
+            <a:off x="-1" y="0"/>
+            <a:ext cx="9144001" cy="6858000"/>
+          </a:xfrm>
+          <a:prstGeom prst="rect">
+            <a:avLst/>
+          </a:prstGeom>
+        </p:spPr>
       </p:pic>
+      <p:sp>
+        <p:nvSpPr>
+          <p:cNvPr id="2" name="Title 1"/>
+          <p:cNvSpPr>
+            <a:spLocks noGrp="1"/>
+          </p:cNvSpPr>
+          <p:nvPr>
+            <p:ph type="title"/>
+          </p:nvPr>
+        </p:nvSpPr>
+        <p:spPr/>
+        <p:txBody>
+          <a:bodyPr>
+            <a:normAutofit/>
+          </a:bodyPr>
+          <a:lstStyle/>
+          <a:p>
+            <a:pPr algn="l"/>
+            <a:r>
+              <a:rPr lang="en-US" b="1" dirty="0" smtClean="0"/>
+              <a:t>Mobile is Different and the Same</a:t>
+            </a:r>
+            <a:endParaRPr lang="en-US" dirty="0"/>
+          </a:p>
+        </p:txBody>
+      </p:sp>
+      <p:sp>
+        <p:nvSpPr>
+          <p:cNvPr id="6" name="TextBox 5"/>
+          <p:cNvSpPr txBox="1"/>
+          <p:nvPr/>
+        </p:nvSpPr>
+        <p:spPr>
+          <a:xfrm>
+            <a:off x="457199" y="1417638"/>
+            <a:ext cx="8030544" cy="2123658"/>
+          </a:xfrm>
+          <a:prstGeom prst="rect">
+            <a:avLst/>
+          </a:prstGeom>
+          <a:noFill/>
+        </p:spPr>
+        <p:txBody>
+          <a:bodyPr wrap="square" rtlCol="0">
+            <a:spAutoFit/>
+          </a:bodyPr>
+          <a:lstStyle/>
+          <a:p>
+            <a:pPr>
+              <a:buNone/>
+            </a:pPr>
+            <a:r>
+              <a:rPr lang="en-US" sz="2400" i="1" dirty="0" smtClean="0">
+                <a:solidFill>
+                  <a:schemeClr val="bg1"/>
+                </a:solidFill>
+              </a:rPr>
+              <a:t>“Mobile represents a perfect confluence of technological change and our environment. Being an engineer during this wave means we get to radically shape the world in more powerful ways then the PC ever did.” </a:t>
+            </a:r>
+            <a:r>
+              <a:rPr lang="en-US" sz="2400" b="1" dirty="0" smtClean="0"/>
+              <a:t>- Dayel Ostraco</a:t>
+            </a:r>
+          </a:p>
+          <a:p>
+            <a:endParaRPr lang="en-US" sz="3600" dirty="0">
+              <a:solidFill>
+                <a:schemeClr val="bg1"/>
+              </a:solidFill>
+            </a:endParaRPr>
+          </a:p>
+        </p:txBody>
+      </p:sp>
+      <p:sp>
+        <p:nvSpPr>
+          <p:cNvPr id="7" name="TextBox 6"/>
+          <p:cNvSpPr txBox="1"/>
+          <p:nvPr/>
+        </p:nvSpPr>
+        <p:spPr>
+          <a:xfrm>
+            <a:off x="4910666" y="2894965"/>
+            <a:ext cx="2472267" cy="830997"/>
+          </a:xfrm>
+          <a:prstGeom prst="rect">
+            <a:avLst/>
+          </a:prstGeom>
+          <a:noFill/>
+        </p:spPr>
+        <p:txBody>
+          <a:bodyPr wrap="square" rtlCol="0">
+            <a:spAutoFit/>
+          </a:bodyPr>
+          <a:lstStyle/>
+          <a:p>
+            <a:pPr algn="ctr"/>
+            <a:r>
+              <a:rPr lang="en-US" sz="2400" b="1" dirty="0" smtClean="0">
+                <a:solidFill>
+                  <a:srgbClr val="FF0000"/>
+                </a:solidFill>
+              </a:rPr>
+              <a:t>^</a:t>
+            </a:r>
+          </a:p>
+          <a:p>
+            <a:pPr algn="ctr"/>
+            <a:r>
+              <a:rPr lang="en-US" sz="2400" b="1" dirty="0" smtClean="0">
+                <a:solidFill>
+                  <a:srgbClr val="FF0000"/>
+                </a:solidFill>
+              </a:rPr>
+              <a:t>That’s ME!</a:t>
+            </a:r>
+            <a:endParaRPr lang="en-US" sz="2400" b="1" dirty="0">
+              <a:solidFill>
+                <a:srgbClr val="FF0000"/>
+              </a:solidFill>
+            </a:endParaRPr>
+          </a:p>
+        </p:txBody>
+      </p:sp>
     </p:spTree>
   </p:cSld>
   <p:clrMapOvr>
     <a:masterClrMapping/>
   </p:clrMapOvr>
+  <p:timing>
+    <p:tnLst>
+      <p:par>
+        <p:cTn id="1" dur="indefinite" restart="never" nodeType="tmRoot"/>
+      </p:par>
+    </p:tnLst>
+  </p:timing>
 </p:sld>
 </file>
 
@@ -7446,12 +7801,12 @@
         <p:spPr>
           <a:xfrm>
             <a:off x="457200" y="1600200"/>
-            <a:ext cx="8229600" cy="3502891"/>
+            <a:ext cx="8229600" cy="4707467"/>
           </a:xfrm>
         </p:spPr>
         <p:txBody>
           <a:bodyPr>
-            <a:normAutofit fontScale="92500" lnSpcReduction="20000"/>
+            <a:normAutofit fontScale="92500"/>
           </a:bodyPr>
           <a:lstStyle/>
           <a:p>
@@ -7461,15 +7816,7 @@
                   <a:srgbClr val="FFFFFF"/>
                 </a:solidFill>
               </a:rPr>
-              <a:t>Hi, my name is Dayel </a:t>
-            </a:r>
-            <a:r>
-              <a:rPr lang="en-US" dirty="0" smtClean="0">
-                <a:solidFill>
-                  <a:srgbClr val="FFFFFF"/>
-                </a:solidFill>
-              </a:rPr>
-              <a:t>Ostraco</a:t>
+              <a:t>Hi, my name is Dayel Ostraco</a:t>
             </a:r>
           </a:p>
           <a:p>
@@ -7497,6 +7844,8 @@
               </a:rPr>
               <a:t> Tech Lead for SPARC</a:t>
             </a:r>
+          </a:p>
+          <a:p>
             <a:endParaRPr lang="en-US" dirty="0" smtClean="0">
               <a:solidFill>
                 <a:srgbClr val="FFFFFF"/>
@@ -7504,24 +7853,30 @@
             </a:endParaRPr>
           </a:p>
           <a:p>
+            <a:pPr>
+              <a:buNone/>
+            </a:pPr>
+            <a:r>
+              <a:rPr lang="en-US" dirty="0" smtClean="0">
+                <a:solidFill>
+                  <a:srgbClr val="FFFFFF"/>
+                </a:solidFill>
+              </a:rPr>
+              <a:t>My site - http://</a:t>
+            </a:r>
+            <a:r>
+              <a:rPr lang="en-US" dirty="0" err="1" smtClean="0">
+                <a:solidFill>
+                  <a:srgbClr val="FFFFFF"/>
+                </a:solidFill>
+              </a:rPr>
+              <a:t>dayelostra.co</a:t>
+            </a:r>
             <a:endParaRPr lang="en-US" dirty="0" smtClean="0">
               <a:solidFill>
                 <a:srgbClr val="FFFFFF"/>
               </a:solidFill>
             </a:endParaRPr>
-          </a:p>
-          <a:p>
-            <a:pPr>
-              <a:buNone/>
-            </a:pPr>
-            <a:r>
-              <a:rPr lang="en-US" dirty="0" smtClean="0">
-                <a:solidFill>
-                  <a:srgbClr val="FFFFFF"/>
-                </a:solidFill>
-              </a:rPr>
-              <a:t>My site - http://dayelostra.co</a:t>
-            </a:r>
           </a:p>
           <a:p>
             <a:pPr>
@@ -7541,8 +7896,21 @@
                   <a:srgbClr val="FFFFFF"/>
                 </a:solidFill>
               </a:rPr>
-              <a:t> - http://github.com/dostraco</a:t>
-            </a:r>
+              <a:t> - http://</a:t>
+            </a:r>
+            <a:r>
+              <a:rPr lang="en-US" dirty="0" err="1" smtClean="0">
+                <a:solidFill>
+                  <a:srgbClr val="FFFFFF"/>
+                </a:solidFill>
+              </a:rPr>
+              <a:t>github.com/dostraco</a:t>
+            </a:r>
+            <a:endParaRPr lang="en-US" dirty="0" smtClean="0">
+              <a:solidFill>
+                <a:srgbClr val="FFFFFF"/>
+              </a:solidFill>
+            </a:endParaRPr>
           </a:p>
           <a:p>
             <a:pPr>
@@ -7554,7 +7922,20 @@
                   <a:srgbClr val="FFFFFF"/>
                 </a:solidFill>
               </a:rPr>
-              <a:t>Presentation Stuffs – Add </a:t>
+              <a:t>Presentation Stuffs</a:t>
+            </a:r>
+          </a:p>
+          <a:p>
+            <a:pPr>
+              <a:buNone/>
+            </a:pPr>
+            <a:r>
+              <a:rPr lang="en-US" dirty="0" smtClean="0">
+                <a:solidFill>
+                  <a:srgbClr val="FFFFFF"/>
+                </a:solidFill>
+              </a:rPr>
+              <a:t>https://</a:t>
             </a:r>
             <a:r>
               <a:rPr lang="en-US" dirty="0" err="1" smtClean="0">
@@ -7562,32 +7943,13 @@
                   <a:srgbClr val="FFFFFF"/>
                 </a:solidFill>
               </a:rPr>
-              <a:t>GitHub</a:t>
-            </a:r>
-            <a:r>
-              <a:rPr lang="en-US" dirty="0" smtClean="0">
-                <a:solidFill>
-                  <a:srgbClr val="FFFFFF"/>
-                </a:solidFill>
-              </a:rPr>
-              <a:t> </a:t>
-            </a:r>
-            <a:r>
-              <a:rPr lang="en-US" dirty="0" err="1" smtClean="0">
-                <a:solidFill>
-                  <a:srgbClr val="FFFFFF"/>
-                </a:solidFill>
-              </a:rPr>
-              <a:t>url</a:t>
-            </a:r>
-            <a:r>
-              <a:rPr lang="en-US" dirty="0" smtClean="0">
-                <a:solidFill>
-                  <a:srgbClr val="FFFFFF"/>
-                </a:solidFill>
-              </a:rPr>
-              <a:t> here.</a:t>
-            </a:r>
+              <a:t>github.com/dostraco/SuperHappyDevDay</a:t>
+            </a:r>
+            <a:endParaRPr lang="en-US" dirty="0" smtClean="0">
+              <a:solidFill>
+                <a:srgbClr val="FFFFFF"/>
+              </a:solidFill>
+            </a:endParaRPr>
           </a:p>
           <a:p>
             <a:pPr>
@@ -7706,7 +8068,7 @@
           <a:p>
             <a:r>
               <a:rPr lang="en-US" dirty="0" smtClean="0"/>
-              <a:t>New Ways to Interact</a:t>
+              <a:t>Focused Domain	</a:t>
             </a:r>
             <a:endParaRPr lang="en-US" dirty="0"/>
           </a:p>
@@ -7729,41 +8091,51 @@
           <a:p>
             <a:r>
               <a:rPr lang="en-US" dirty="0" smtClean="0"/>
-              <a:t>No longer limited to clicks and key presses.</a:t>
-            </a:r>
-          </a:p>
-          <a:p>
-            <a:r>
-              <a:rPr lang="en-US" dirty="0" smtClean="0"/>
-              <a:t>Reduce 20 clicks to a gesture, swipe, tilt, point, shoot, speak, bump, touch, feel, notification, push, pull, bump, beam </a:t>
-            </a:r>
-          </a:p>
-        </p:txBody>
-      </p:sp>
-      <p:pic>
-        <p:nvPicPr>
-          <p:cNvPr id="5" name="Picture 4" descr="Future Capabilities.png"/>
-          <p:cNvPicPr>
-            <a:picLocks noChangeAspect="1"/>
-          </p:cNvPicPr>
-          <p:nvPr/>
-        </p:nvPicPr>
-        <p:blipFill>
-          <a:blip r:embed="rId3"/>
-          <a:stretch>
-            <a:fillRect/>
-          </a:stretch>
-        </p:blipFill>
-        <p:spPr>
-          <a:xfrm>
-            <a:off x="1264035" y="3935100"/>
-            <a:ext cx="5802880" cy="2529827"/>
-          </a:xfrm>
-          <a:prstGeom prst="rect">
-            <a:avLst/>
-          </a:prstGeom>
-        </p:spPr>
-      </p:pic>
+              <a:t>The Environment is your </a:t>
+            </a:r>
+            <a:r>
+              <a:rPr lang="en-US" dirty="0" err="1" smtClean="0"/>
+              <a:t>frenemy</a:t>
+            </a:r>
+            <a:endParaRPr lang="en-US" dirty="0" smtClean="0"/>
+          </a:p>
+          <a:p>
+            <a:r>
+              <a:rPr lang="en-US" dirty="0" smtClean="0"/>
+              <a:t>“One Eye, One Thumb”</a:t>
+            </a:r>
+          </a:p>
+          <a:p>
+            <a:r>
+              <a:rPr lang="en-US" dirty="0" smtClean="0"/>
+              <a:t>Hyper Focused Content/Functionality</a:t>
+            </a:r>
+          </a:p>
+          <a:p>
+            <a:r>
+              <a:rPr lang="en-US" dirty="0" smtClean="0"/>
+              <a:t>Leverage sensors sensors to streamline the user experience (and make it </a:t>
+            </a:r>
+            <a:r>
+              <a:rPr lang="en-US" dirty="0" err="1" smtClean="0"/>
+              <a:t>waaaaaaaay</a:t>
+            </a:r>
+            <a:r>
+              <a:rPr lang="en-US" dirty="0" smtClean="0"/>
+              <a:t> more immersive)</a:t>
+            </a:r>
+          </a:p>
+          <a:p>
+            <a:r>
+              <a:rPr lang="en-US" dirty="0" smtClean="0"/>
+              <a:t>Same Architecture, Different Focus</a:t>
+            </a:r>
+          </a:p>
+          <a:p>
+            <a:endParaRPr lang="en-US" dirty="0"/>
+          </a:p>
+        </p:txBody>
+      </p:sp>
     </p:spTree>
   </p:cSld>
   <p:clrMapOvr>
@@ -7780,6 +8152,279 @@
 </file>
 
 <file path=ppt/slides/slide21.xml><?xml version="1.0" encoding="utf-8"?>
+<p:sld xmlns:a="http://schemas.openxmlformats.org/drawingml/2006/main" xmlns:r="http://schemas.openxmlformats.org/officeDocument/2006/relationships" xmlns:mc="http://schemas.openxmlformats.org/markup-compatibility/2006" xmlns:mv="urn:schemas-microsoft-com:mac:vml" xmlns:p="http://schemas.openxmlformats.org/presentationml/2006/main" mc:Ignorable="mv" mc:PreserveAttributes="mv:*">
+  <p:cSld>
+    <p:spTree>
+      <p:nvGrpSpPr>
+        <p:cNvPr id="1" name=""/>
+        <p:cNvGrpSpPr/>
+        <p:nvPr/>
+      </p:nvGrpSpPr>
+      <p:grpSpPr>
+        <a:xfrm>
+          <a:off x="0" y="0"/>
+          <a:ext cx="0" cy="0"/>
+          <a:chOff x="0" y="0"/>
+          <a:chExt cx="0" cy="0"/>
+        </a:xfrm>
+      </p:grpSpPr>
+      <p:pic>
+        <p:nvPicPr>
+          <p:cNvPr id="4" name="Content Placeholder 3" descr="scaledsimplicity.jpeg"/>
+          <p:cNvPicPr>
+            <a:picLocks noGrp="1" noChangeAspect="1"/>
+          </p:cNvPicPr>
+          <p:nvPr>
+            <p:ph idx="1"/>
+          </p:nvPr>
+        </p:nvPicPr>
+        <p:blipFill>
+          <a:blip r:embed="rId3"/>
+          <a:srcRect l="-125837" r="-125837"/>
+          <a:stretch>
+            <a:fillRect/>
+          </a:stretch>
+        </p:blipFill>
+        <p:spPr>
+          <a:xfrm>
+            <a:off x="457200" y="464208"/>
+            <a:ext cx="8229600" cy="5661956"/>
+          </a:xfrm>
+        </p:spPr>
+      </p:pic>
+    </p:spTree>
+  </p:cSld>
+  <p:clrMapOvr>
+    <a:masterClrMapping/>
+  </p:clrMapOvr>
+</p:sld>
+</file>
+
+<file path=ppt/slides/slide22.xml><?xml version="1.0" encoding="utf-8"?>
+<p:sld xmlns:a="http://schemas.openxmlformats.org/drawingml/2006/main" xmlns:r="http://schemas.openxmlformats.org/officeDocument/2006/relationships" xmlns:mc="http://schemas.openxmlformats.org/markup-compatibility/2006" xmlns:mv="urn:schemas-microsoft-com:mac:vml" xmlns:p="http://schemas.openxmlformats.org/presentationml/2006/main" mc:Ignorable="mv" mc:PreserveAttributes="mv:*">
+  <p:cSld>
+    <p:spTree>
+      <p:nvGrpSpPr>
+        <p:cNvPr id="1" name=""/>
+        <p:cNvGrpSpPr/>
+        <p:nvPr/>
+      </p:nvGrpSpPr>
+      <p:grpSpPr>
+        <a:xfrm>
+          <a:off x="0" y="0"/>
+          <a:ext cx="0" cy="0"/>
+          <a:chOff x="0" y="0"/>
+          <a:chExt cx="0" cy="0"/>
+        </a:xfrm>
+      </p:grpSpPr>
+      <p:pic>
+        <p:nvPicPr>
+          <p:cNvPr id="4" name="Picture 3" descr="angry black bear (1).jpeg"/>
+          <p:cNvPicPr>
+            <a:picLocks noChangeAspect="1"/>
+          </p:cNvPicPr>
+          <p:nvPr/>
+        </p:nvPicPr>
+        <p:blipFill>
+          <a:blip r:embed="rId2"/>
+          <a:stretch>
+            <a:fillRect/>
+          </a:stretch>
+        </p:blipFill>
+        <p:spPr>
+          <a:xfrm>
+            <a:off x="0" y="0"/>
+            <a:ext cx="9144000" cy="6858000"/>
+          </a:xfrm>
+          <a:prstGeom prst="rect">
+            <a:avLst/>
+          </a:prstGeom>
+        </p:spPr>
+      </p:pic>
+      <p:sp>
+        <p:nvSpPr>
+          <p:cNvPr id="5" name="Title 1"/>
+          <p:cNvSpPr>
+            <a:spLocks noGrp="1"/>
+          </p:cNvSpPr>
+          <p:nvPr>
+            <p:ph type="title"/>
+          </p:nvPr>
+        </p:nvSpPr>
+        <p:spPr>
+          <a:xfrm>
+            <a:off x="457200" y="274638"/>
+            <a:ext cx="8229600" cy="1143000"/>
+          </a:xfrm>
+        </p:spPr>
+        <p:txBody>
+          <a:bodyPr/>
+          <a:lstStyle/>
+          <a:p>
+            <a:r>
+              <a:rPr lang="en-US" dirty="0" smtClean="0">
+                <a:solidFill>
+                  <a:schemeClr val="bg1"/>
+                </a:solidFill>
+              </a:rPr>
+              <a:t>The Environment is your FRENEMY</a:t>
+            </a:r>
+            <a:endParaRPr lang="en-US" dirty="0">
+              <a:solidFill>
+                <a:schemeClr val="bg1"/>
+              </a:solidFill>
+            </a:endParaRPr>
+          </a:p>
+        </p:txBody>
+      </p:sp>
+    </p:spTree>
+  </p:cSld>
+  <p:clrMapOvr>
+    <a:masterClrMapping/>
+  </p:clrMapOvr>
+</p:sld>
+</file>
+
+<file path=ppt/slides/slide23.xml><?xml version="1.0" encoding="utf-8"?>
+<p:sld xmlns:a="http://schemas.openxmlformats.org/drawingml/2006/main" xmlns:r="http://schemas.openxmlformats.org/officeDocument/2006/relationships" xmlns:mc="http://schemas.openxmlformats.org/markup-compatibility/2006" xmlns:mv="urn:schemas-microsoft-com:mac:vml" xmlns:p="http://schemas.openxmlformats.org/presentationml/2006/main" mc:Ignorable="mv" mc:PreserveAttributes="mv:*">
+  <p:cSld>
+    <p:spTree>
+      <p:nvGrpSpPr>
+        <p:cNvPr id="1" name=""/>
+        <p:cNvGrpSpPr/>
+        <p:nvPr/>
+      </p:nvGrpSpPr>
+      <p:grpSpPr>
+        <a:xfrm>
+          <a:off x="0" y="0"/>
+          <a:ext cx="0" cy="0"/>
+          <a:chOff x="0" y="0"/>
+          <a:chExt cx="0" cy="0"/>
+        </a:xfrm>
+      </p:grpSpPr>
+      <p:sp>
+        <p:nvSpPr>
+          <p:cNvPr id="2" name="Title 1"/>
+          <p:cNvSpPr>
+            <a:spLocks noGrp="1"/>
+          </p:cNvSpPr>
+          <p:nvPr>
+            <p:ph type="title"/>
+          </p:nvPr>
+        </p:nvSpPr>
+        <p:spPr/>
+        <p:txBody>
+          <a:bodyPr/>
+          <a:lstStyle/>
+          <a:p>
+            <a:r>
+              <a:rPr lang="en-US" dirty="0" smtClean="0"/>
+              <a:t>“One Eye, One Thumb”	</a:t>
+            </a:r>
+            <a:endParaRPr lang="en-US" dirty="0"/>
+          </a:p>
+        </p:txBody>
+      </p:sp>
+      <p:pic>
+        <p:nvPicPr>
+          <p:cNvPr id="4" name="Content Placeholder 3" descr="Screen Shot 2012-08-16 at 9.34.23 AM.png"/>
+          <p:cNvPicPr>
+            <a:picLocks noGrp="1" noChangeAspect="1"/>
+          </p:cNvPicPr>
+          <p:nvPr>
+            <p:ph idx="1"/>
+          </p:nvPr>
+        </p:nvPicPr>
+        <p:blipFill>
+          <a:blip r:embed="rId3"/>
+          <a:srcRect l="-98170" r="-98170"/>
+          <a:stretch>
+            <a:fillRect/>
+          </a:stretch>
+        </p:blipFill>
+        <p:spPr/>
+      </p:pic>
+    </p:spTree>
+  </p:cSld>
+  <p:clrMapOvr>
+    <a:masterClrMapping/>
+  </p:clrMapOvr>
+</p:sld>
+</file>
+
+<file path=ppt/slides/slide24.xml><?xml version="1.0" encoding="utf-8"?>
+<p:sld xmlns:a="http://schemas.openxmlformats.org/drawingml/2006/main" xmlns:r="http://schemas.openxmlformats.org/officeDocument/2006/relationships" xmlns:mc="http://schemas.openxmlformats.org/markup-compatibility/2006" xmlns:mv="urn:schemas-microsoft-com:mac:vml" xmlns:p="http://schemas.openxmlformats.org/presentationml/2006/main" mc:Ignorable="mv" mc:PreserveAttributes="mv:*">
+  <p:cSld>
+    <p:spTree>
+      <p:nvGrpSpPr>
+        <p:cNvPr id="1" name=""/>
+        <p:cNvGrpSpPr/>
+        <p:nvPr/>
+      </p:nvGrpSpPr>
+      <p:grpSpPr>
+        <a:xfrm>
+          <a:off x="0" y="0"/>
+          <a:ext cx="0" cy="0"/>
+          <a:chOff x="0" y="0"/>
+          <a:chExt cx="0" cy="0"/>
+        </a:xfrm>
+      </p:grpSpPr>
+      <p:sp>
+        <p:nvSpPr>
+          <p:cNvPr id="2" name="Title 1"/>
+          <p:cNvSpPr>
+            <a:spLocks noGrp="1"/>
+          </p:cNvSpPr>
+          <p:nvPr>
+            <p:ph type="title"/>
+          </p:nvPr>
+        </p:nvSpPr>
+        <p:spPr/>
+        <p:txBody>
+          <a:bodyPr/>
+          <a:lstStyle/>
+          <a:p>
+            <a:r>
+              <a:rPr lang="en-US" dirty="0" smtClean="0"/>
+              <a:t>Hyper-Focused Experience</a:t>
+            </a:r>
+            <a:endParaRPr lang="en-US" dirty="0"/>
+          </a:p>
+        </p:txBody>
+      </p:sp>
+      <p:pic>
+        <p:nvPicPr>
+          <p:cNvPr id="5" name="Picture 4" descr="water.jpeg"/>
+          <p:cNvPicPr>
+            <a:picLocks noChangeAspect="1"/>
+          </p:cNvPicPr>
+          <p:nvPr/>
+        </p:nvPicPr>
+        <p:blipFill>
+          <a:blip r:embed="rId2"/>
+          <a:stretch>
+            <a:fillRect/>
+          </a:stretch>
+        </p:blipFill>
+        <p:spPr>
+          <a:xfrm>
+            <a:off x="1823878" y="1307572"/>
+            <a:ext cx="5260109" cy="5440362"/>
+          </a:xfrm>
+          <a:prstGeom prst="rect">
+            <a:avLst/>
+          </a:prstGeom>
+        </p:spPr>
+      </p:pic>
+    </p:spTree>
+  </p:cSld>
+  <p:clrMapOvr>
+    <a:masterClrMapping/>
+  </p:clrMapOvr>
+</p:sld>
+</file>
+
+<file path=ppt/slides/slide25.xml><?xml version="1.0" encoding="utf-8"?>
 <p:sld xmlns:a="http://schemas.openxmlformats.org/drawingml/2006/main" xmlns:r="http://schemas.openxmlformats.org/officeDocument/2006/relationships" xmlns:mc="http://schemas.openxmlformats.org/markup-compatibility/2006" xmlns:mv="urn:schemas-microsoft-com:mac:vml" xmlns:p="http://schemas.openxmlformats.org/presentationml/2006/main" mc:Ignorable="mv" mc:PreserveAttributes="mv:*">
   <p:cSld>
     <p:spTree>
@@ -7860,7 +8505,7 @@
 </p:sld>
 </file>
 
-<file path=ppt/slides/slide22.xml><?xml version="1.0" encoding="utf-8"?>
+<file path=ppt/slides/slide26.xml><?xml version="1.0" encoding="utf-8"?>
 <p:sld xmlns:a="http://schemas.openxmlformats.org/drawingml/2006/main" xmlns:r="http://schemas.openxmlformats.org/officeDocument/2006/relationships" xmlns:mc="http://schemas.openxmlformats.org/markup-compatibility/2006" xmlns:mv="urn:schemas-microsoft-com:mac:vml" xmlns:p="http://schemas.openxmlformats.org/presentationml/2006/main" mc:Ignorable="mv" mc:PreserveAttributes="mv:*">
   <p:cSld>
     <p:spTree>
@@ -7941,7 +8586,127 @@
 </p:sld>
 </file>
 
-<file path=ppt/slides/slide23.xml><?xml version="1.0" encoding="utf-8"?>
+<file path=ppt/slides/slide27.xml><?xml version="1.0" encoding="utf-8"?>
+<p:sld xmlns:a="http://schemas.openxmlformats.org/drawingml/2006/main" xmlns:r="http://schemas.openxmlformats.org/officeDocument/2006/relationships" xmlns:mc="http://schemas.openxmlformats.org/markup-compatibility/2006" xmlns:mv="urn:schemas-microsoft-com:mac:vml" xmlns:p="http://schemas.openxmlformats.org/presentationml/2006/main" mc:Ignorable="mv" mc:PreserveAttributes="mv:*">
+  <p:cSld>
+    <p:spTree>
+      <p:nvGrpSpPr>
+        <p:cNvPr id="1" name=""/>
+        <p:cNvGrpSpPr/>
+        <p:nvPr/>
+      </p:nvGrpSpPr>
+      <p:grpSpPr>
+        <a:xfrm>
+          <a:off x="0" y="0"/>
+          <a:ext cx="0" cy="0"/>
+          <a:chOff x="0" y="0"/>
+          <a:chExt cx="0" cy="0"/>
+        </a:xfrm>
+      </p:grpSpPr>
+      <p:sp>
+        <p:nvSpPr>
+          <p:cNvPr id="2" name="Title 1"/>
+          <p:cNvSpPr>
+            <a:spLocks noGrp="1"/>
+          </p:cNvSpPr>
+          <p:nvPr>
+            <p:ph type="title"/>
+          </p:nvPr>
+        </p:nvSpPr>
+        <p:spPr/>
+        <p:txBody>
+          <a:bodyPr>
+            <a:normAutofit/>
+          </a:bodyPr>
+          <a:lstStyle/>
+          <a:p>
+            <a:r>
+              <a:rPr lang="en-US" dirty="0" smtClean="0"/>
+              <a:t>Use </a:t>
+            </a:r>
+            <a:r>
+              <a:rPr lang="en-US" dirty="0" err="1" smtClean="0"/>
+              <a:t>yo</a:t>
+            </a:r>
+            <a:r>
+              <a:rPr lang="en-US" dirty="0" smtClean="0"/>
+              <a:t> sensors</a:t>
+            </a:r>
+            <a:endParaRPr lang="en-US" dirty="0"/>
+          </a:p>
+        </p:txBody>
+      </p:sp>
+      <p:sp>
+        <p:nvSpPr>
+          <p:cNvPr id="3" name="Content Placeholder 2"/>
+          <p:cNvSpPr>
+            <a:spLocks noGrp="1"/>
+          </p:cNvSpPr>
+          <p:nvPr>
+            <p:ph idx="1"/>
+          </p:nvPr>
+        </p:nvSpPr>
+        <p:spPr/>
+        <p:txBody>
+          <a:bodyPr/>
+          <a:lstStyle/>
+          <a:p>
+            <a:r>
+              <a:rPr lang="en-US" dirty="0" smtClean="0"/>
+              <a:t>No longer limited to clicks and key presses.</a:t>
+            </a:r>
+          </a:p>
+          <a:p>
+            <a:r>
+              <a:rPr lang="en-US" dirty="0" smtClean="0"/>
+              <a:t>Reduce 20 clicks to a gesture, swipe, tilt, point, shoot, </a:t>
+            </a:r>
+            <a:r>
+              <a:rPr lang="en-US" dirty="0" smtClean="0"/>
+              <a:t>speak, </a:t>
+            </a:r>
+            <a:r>
+              <a:rPr lang="en-US" dirty="0" smtClean="0"/>
+              <a:t>touch, feel, notification, push, pull, bump, </a:t>
+            </a:r>
+            <a:r>
+              <a:rPr lang="en-US" dirty="0" smtClean="0"/>
+              <a:t>beam, draw </a:t>
+            </a:r>
+            <a:r>
+              <a:rPr lang="en-US" dirty="0" smtClean="0"/>
+              <a:t>and whatever else comes along</a:t>
+            </a:r>
+            <a:r>
+              <a:rPr lang="en-US" dirty="0" smtClean="0"/>
+              <a:t>.</a:t>
+            </a:r>
+          </a:p>
+          <a:p>
+            <a:r>
+              <a:rPr lang="en-US" dirty="0" smtClean="0"/>
+              <a:t>Interact with your user and their environment</a:t>
+            </a:r>
+            <a:endParaRPr lang="en-US" dirty="0" smtClean="0"/>
+          </a:p>
+        </p:txBody>
+      </p:sp>
+    </p:spTree>
+  </p:cSld>
+  <p:clrMapOvr>
+    <a:masterClrMapping/>
+  </p:clrMapOvr>
+  <p:timing>
+    <p:tnLst>
+      <p:par>
+        <p:cTn id="1" dur="indefinite" restart="never" nodeType="tmRoot"/>
+      </p:par>
+    </p:tnLst>
+  </p:timing>
+</p:sld>
+</file>
+
+<file path=ppt/slides/slide28.xml><?xml version="1.0" encoding="utf-8"?>
 <p:sld xmlns:a="http://schemas.openxmlformats.org/drawingml/2006/main" xmlns:r="http://schemas.openxmlformats.org/officeDocument/2006/relationships" xmlns:mc="http://schemas.openxmlformats.org/markup-compatibility/2006" xmlns:mv="urn:schemas-microsoft-com:mac:vml" xmlns:p="http://schemas.openxmlformats.org/presentationml/2006/main" mc:Ignorable="mv" mc:PreserveAttributes="mv:*">
   <p:cSld>
     <p:spTree>
@@ -8029,7 +8794,7 @@
 </p:sld>
 </file>
 
-<file path=ppt/slides/slide24.xml><?xml version="1.0" encoding="utf-8"?>
+<file path=ppt/slides/slide29.xml><?xml version="1.0" encoding="utf-8"?>
 <p:sld xmlns:a="http://schemas.openxmlformats.org/drawingml/2006/main" xmlns:r="http://schemas.openxmlformats.org/officeDocument/2006/relationships" xmlns:mc="http://schemas.openxmlformats.org/markup-compatibility/2006" xmlns:mv="urn:schemas-microsoft-com:mac:vml" xmlns:p="http://schemas.openxmlformats.org/presentationml/2006/main" mc:Ignorable="mv" mc:PreserveAttributes="mv:*">
   <p:cSld>
     <p:spTree>
@@ -8141,21 +8906,8 @@
                   <a:srgbClr val="FFFFFF"/>
                 </a:solidFill>
               </a:rPr>
-              <a:t>Start thinking </a:t>
-            </a:r>
-            <a:r>
-              <a:rPr lang="en-US" dirty="0" smtClean="0">
-                <a:solidFill>
-                  <a:srgbClr val="FFFFFF"/>
-                </a:solidFill>
-              </a:rPr>
-              <a:t>differently:</a:t>
-            </a:r>
-            <a:endParaRPr lang="en-US" dirty="0" smtClean="0">
-              <a:solidFill>
-                <a:srgbClr val="FFFFFF"/>
-              </a:solidFill>
-            </a:endParaRPr>
+              <a:t>Start thinking differently:</a:t>
+            </a:r>
           </a:p>
           <a:p>
             <a:pPr lvl="2"/>
@@ -8198,15 +8950,7 @@
                   <a:srgbClr val="FFFFFF"/>
                 </a:solidFill>
               </a:rPr>
-              <a:t>Pre-populate information (AKA Location from GPS</a:t>
-            </a:r>
-            <a:r>
-              <a:rPr lang="en-US" dirty="0" smtClean="0">
-                <a:solidFill>
-                  <a:srgbClr val="FFFFFF"/>
-                </a:solidFill>
-              </a:rPr>
-              <a:t>)</a:t>
+              <a:t>Pre-populate information (AKA Location from GPS)</a:t>
             </a:r>
           </a:p>
           <a:p>
@@ -8219,11 +8963,6 @@
               </a:rPr>
               <a:t>The user’s external environment is your friend (and your enemy)</a:t>
             </a:r>
-            <a:endParaRPr lang="en-US" dirty="0" smtClean="0">
-              <a:solidFill>
-                <a:srgbClr val="FFFFFF"/>
-              </a:solidFill>
-            </a:endParaRPr>
           </a:p>
           <a:p>
             <a:endParaRPr lang="en-US" dirty="0">
@@ -8246,525 +8985,6 @@
       </p:par>
     </p:tnLst>
   </p:timing>
-</p:sld>
-</file>
-
-<file path=ppt/slides/slide25.xml><?xml version="1.0" encoding="utf-8"?>
-<p:sld xmlns:a="http://schemas.openxmlformats.org/drawingml/2006/main" xmlns:r="http://schemas.openxmlformats.org/officeDocument/2006/relationships" xmlns:mc="http://schemas.openxmlformats.org/markup-compatibility/2006" xmlns:mv="urn:schemas-microsoft-com:mac:vml" xmlns:p="http://schemas.openxmlformats.org/presentationml/2006/main" mc:Ignorable="mv" mc:PreserveAttributes="mv:*">
-  <p:cSld>
-    <p:spTree>
-      <p:nvGrpSpPr>
-        <p:cNvPr id="1" name=""/>
-        <p:cNvGrpSpPr/>
-        <p:nvPr/>
-      </p:nvGrpSpPr>
-      <p:grpSpPr>
-        <a:xfrm>
-          <a:off x="0" y="0"/>
-          <a:ext cx="0" cy="0"/>
-          <a:chOff x="0" y="0"/>
-          <a:chExt cx="0" cy="0"/>
-        </a:xfrm>
-      </p:grpSpPr>
-      <p:pic>
-        <p:nvPicPr>
-          <p:cNvPr id="13" name="Picture 12"/>
-          <p:cNvPicPr>
-            <a:picLocks noChangeAspect="1"/>
-          </p:cNvPicPr>
-          <p:nvPr/>
-        </p:nvPicPr>
-        <p:blipFill>
-          <a:blip r:embed="rId3"/>
-          <a:stretch>
-            <a:fillRect/>
-          </a:stretch>
-        </p:blipFill>
-        <p:spPr>
-          <a:xfrm>
-            <a:off x="0" y="5608"/>
-            <a:ext cx="9143999" cy="6857999"/>
-          </a:xfrm>
-          <a:prstGeom prst="rect">
-            <a:avLst/>
-          </a:prstGeom>
-        </p:spPr>
-      </p:pic>
-      <p:sp>
-        <p:nvSpPr>
-          <p:cNvPr id="2" name="Title 1"/>
-          <p:cNvSpPr>
-            <a:spLocks noGrp="1"/>
-          </p:cNvSpPr>
-          <p:nvPr>
-            <p:ph type="title"/>
-          </p:nvPr>
-        </p:nvSpPr>
-        <p:spPr/>
-        <p:txBody>
-          <a:bodyPr/>
-          <a:lstStyle/>
-          <a:p>
-            <a:pPr algn="l"/>
-            <a:r>
-              <a:rPr lang="en-US" b="1" dirty="0" smtClean="0"/>
-              <a:t>Mobile Development Strategies</a:t>
-            </a:r>
-            <a:endParaRPr lang="en-US" dirty="0"/>
-          </a:p>
-        </p:txBody>
-      </p:sp>
-      <p:sp>
-        <p:nvSpPr>
-          <p:cNvPr id="12" name="TextBox 11"/>
-          <p:cNvSpPr txBox="1"/>
-          <p:nvPr/>
-        </p:nvSpPr>
-        <p:spPr>
-          <a:xfrm>
-            <a:off x="457199" y="1417638"/>
-            <a:ext cx="8030544" cy="1200329"/>
-          </a:xfrm>
-          <a:prstGeom prst="rect">
-            <a:avLst/>
-          </a:prstGeom>
-          <a:noFill/>
-        </p:spPr>
-        <p:txBody>
-          <a:bodyPr wrap="square" rtlCol="0">
-            <a:spAutoFit/>
-          </a:bodyPr>
-          <a:lstStyle/>
-          <a:p>
-            <a:pPr>
-              <a:buNone/>
-            </a:pPr>
-            <a:r>
-              <a:rPr lang="en-US" sz="3600" i="1" dirty="0" smtClean="0">
-                <a:solidFill>
-                  <a:schemeClr val="bg1"/>
-                </a:solidFill>
-              </a:rPr>
-              <a:t>So mobile is great and all… but where do I start?</a:t>
-            </a:r>
-            <a:endParaRPr lang="en-US" sz="3600" i="1" dirty="0" smtClean="0">
-              <a:solidFill>
-                <a:schemeClr val="bg1"/>
-              </a:solidFill>
-            </a:endParaRPr>
-          </a:p>
-        </p:txBody>
-      </p:sp>
-    </p:spTree>
-  </p:cSld>
-  <p:clrMapOvr>
-    <a:masterClrMapping/>
-  </p:clrMapOvr>
-  <p:timing>
-    <p:tnLst>
-      <p:par>
-        <p:cTn id="1" dur="indefinite" restart="never" nodeType="tmRoot"/>
-      </p:par>
-    </p:tnLst>
-  </p:timing>
-</p:sld>
-</file>
-
-<file path=ppt/slides/slide26.xml><?xml version="1.0" encoding="utf-8"?>
-<p:sld xmlns:a="http://schemas.openxmlformats.org/drawingml/2006/main" xmlns:r="http://schemas.openxmlformats.org/officeDocument/2006/relationships" xmlns:mc="http://schemas.openxmlformats.org/markup-compatibility/2006" xmlns:mv="urn:schemas-microsoft-com:mac:vml" xmlns:p="http://schemas.openxmlformats.org/presentationml/2006/main" mc:Ignorable="mv" mc:PreserveAttributes="mv:*">
-  <p:cSld>
-    <p:spTree>
-      <p:nvGrpSpPr>
-        <p:cNvPr id="1" name=""/>
-        <p:cNvGrpSpPr/>
-        <p:nvPr/>
-      </p:nvGrpSpPr>
-      <p:grpSpPr>
-        <a:xfrm>
-          <a:off x="0" y="0"/>
-          <a:ext cx="0" cy="0"/>
-          <a:chOff x="0" y="0"/>
-          <a:chExt cx="0" cy="0"/>
-        </a:xfrm>
-      </p:grpSpPr>
-      <p:sp>
-        <p:nvSpPr>
-          <p:cNvPr id="2" name="Title 1"/>
-          <p:cNvSpPr>
-            <a:spLocks noGrp="1"/>
-          </p:cNvSpPr>
-          <p:nvPr>
-            <p:ph type="title"/>
-          </p:nvPr>
-        </p:nvSpPr>
-        <p:spPr/>
-        <p:txBody>
-          <a:bodyPr/>
-          <a:lstStyle/>
-          <a:p>
-            <a:r>
-              <a:rPr lang="en-US" dirty="0" smtClean="0"/>
-              <a:t>The Landscape</a:t>
-            </a:r>
-            <a:endParaRPr lang="en-US" dirty="0"/>
-          </a:p>
-        </p:txBody>
-      </p:sp>
-      <p:sp>
-        <p:nvSpPr>
-          <p:cNvPr id="3" name="Content Placeholder 2"/>
-          <p:cNvSpPr>
-            <a:spLocks noGrp="1"/>
-          </p:cNvSpPr>
-          <p:nvPr>
-            <p:ph idx="1"/>
-          </p:nvPr>
-        </p:nvSpPr>
-        <p:spPr/>
-        <p:txBody>
-          <a:bodyPr/>
-          <a:lstStyle/>
-          <a:p>
-            <a:r>
-              <a:rPr lang="en-US" dirty="0" smtClean="0"/>
-              <a:t>There are several strategies available. </a:t>
-            </a:r>
-          </a:p>
-          <a:p>
-            <a:r>
-              <a:rPr lang="en-US" dirty="0" smtClean="0"/>
-              <a:t>We’ll break </a:t>
-            </a:r>
-            <a:r>
-              <a:rPr lang="en-US" dirty="0" smtClean="0"/>
-              <a:t>down the 4 most common strategies</a:t>
-            </a:r>
-          </a:p>
-          <a:p>
-            <a:pPr lvl="1"/>
-            <a:r>
-              <a:rPr lang="en-US" dirty="0" smtClean="0"/>
-              <a:t>Pure Mobile Web</a:t>
-            </a:r>
-          </a:p>
-          <a:p>
-            <a:pPr lvl="1"/>
-            <a:r>
-              <a:rPr lang="en-US" dirty="0" smtClean="0"/>
-              <a:t>Pure Native</a:t>
-            </a:r>
-          </a:p>
-          <a:p>
-            <a:pPr lvl="1"/>
-            <a:r>
-              <a:rPr lang="en-US" dirty="0" smtClean="0"/>
-              <a:t>Mobile Web Apps</a:t>
-            </a:r>
-          </a:p>
-          <a:p>
-            <a:pPr lvl="1"/>
-            <a:r>
-              <a:rPr lang="en-US" dirty="0" smtClean="0"/>
-              <a:t>Hybrid Apps</a:t>
-            </a:r>
-            <a:endParaRPr lang="en-US" dirty="0"/>
-          </a:p>
-        </p:txBody>
-      </p:sp>
-    </p:spTree>
-  </p:cSld>
-  <p:clrMapOvr>
-    <a:masterClrMapping/>
-  </p:clrMapOvr>
-</p:sld>
-</file>
-
-<file path=ppt/slides/slide27.xml><?xml version="1.0" encoding="utf-8"?>
-<p:sld xmlns:a="http://schemas.openxmlformats.org/drawingml/2006/main" xmlns:r="http://schemas.openxmlformats.org/officeDocument/2006/relationships" xmlns:mc="http://schemas.openxmlformats.org/markup-compatibility/2006" xmlns:mv="urn:schemas-microsoft-com:mac:vml" xmlns:p="http://schemas.openxmlformats.org/presentationml/2006/main" mc:Ignorable="mv" mc:PreserveAttributes="mv:*">
-  <p:cSld>
-    <p:spTree>
-      <p:nvGrpSpPr>
-        <p:cNvPr id="1" name=""/>
-        <p:cNvGrpSpPr/>
-        <p:nvPr/>
-      </p:nvGrpSpPr>
-      <p:grpSpPr>
-        <a:xfrm>
-          <a:off x="0" y="0"/>
-          <a:ext cx="0" cy="0"/>
-          <a:chOff x="0" y="0"/>
-          <a:chExt cx="0" cy="0"/>
-        </a:xfrm>
-      </p:grpSpPr>
-      <p:sp>
-        <p:nvSpPr>
-          <p:cNvPr id="2" name="Title 1"/>
-          <p:cNvSpPr>
-            <a:spLocks noGrp="1"/>
-          </p:cNvSpPr>
-          <p:nvPr>
-            <p:ph type="title"/>
-          </p:nvPr>
-        </p:nvSpPr>
-        <p:spPr/>
-        <p:txBody>
-          <a:bodyPr/>
-          <a:lstStyle/>
-          <a:p>
-            <a:r>
-              <a:rPr lang="en-US" dirty="0" smtClean="0"/>
-              <a:t>Mobile </a:t>
-            </a:r>
-            <a:r>
-              <a:rPr lang="en-US" dirty="0" smtClean="0"/>
-              <a:t>Web</a:t>
-            </a:r>
-            <a:endParaRPr lang="en-US" dirty="0"/>
-          </a:p>
-        </p:txBody>
-      </p:sp>
-      <p:sp>
-        <p:nvSpPr>
-          <p:cNvPr id="3" name="Content Placeholder 2"/>
-          <p:cNvSpPr>
-            <a:spLocks noGrp="1"/>
-          </p:cNvSpPr>
-          <p:nvPr>
-            <p:ph idx="1"/>
-          </p:nvPr>
-        </p:nvSpPr>
-        <p:spPr/>
-        <p:txBody>
-          <a:bodyPr/>
-          <a:lstStyle/>
-          <a:p>
-            <a:r>
-              <a:rPr lang="en-US" dirty="0" smtClean="0"/>
-              <a:t>Responsive Web Design (will blow your mind)</a:t>
-            </a:r>
-          </a:p>
-          <a:p>
-            <a:r>
-              <a:rPr lang="en-US" dirty="0" smtClean="0"/>
-              <a:t>Leverage CSS3 @Media Queries</a:t>
-            </a:r>
-          </a:p>
-          <a:p>
-            <a:r>
-              <a:rPr lang="en-US" dirty="0" smtClean="0"/>
-              <a:t>Build site that can conform to multiple devices and resolutions</a:t>
-            </a:r>
-          </a:p>
-          <a:p>
-            <a:r>
-              <a:rPr lang="en-US" dirty="0" smtClean="0"/>
-              <a:t>Build your site’s styles for mobile devices FIRST, then extend your styles for the desktop.</a:t>
-            </a:r>
-          </a:p>
-          <a:p>
-            <a:r>
-              <a:rPr lang="en-US" dirty="0" smtClean="0"/>
-              <a:t>You MUST read Responsive Web Design and Mobile First!!</a:t>
-            </a:r>
-          </a:p>
-          <a:p>
-            <a:endParaRPr lang="en-US" dirty="0" smtClean="0"/>
-          </a:p>
-        </p:txBody>
-      </p:sp>
-    </p:spTree>
-  </p:cSld>
-  <p:clrMapOvr>
-    <a:masterClrMapping/>
-  </p:clrMapOvr>
-</p:sld>
-</file>
-
-<file path=ppt/slides/slide28.xml><?xml version="1.0" encoding="utf-8"?>
-<p:sld xmlns:a="http://schemas.openxmlformats.org/drawingml/2006/main" xmlns:r="http://schemas.openxmlformats.org/officeDocument/2006/relationships" xmlns:mc="http://schemas.openxmlformats.org/markup-compatibility/2006" xmlns:mv="urn:schemas-microsoft-com:mac:vml" xmlns:p="http://schemas.openxmlformats.org/presentationml/2006/main" mc:Ignorable="mv" mc:PreserveAttributes="mv:*">
-  <p:cSld>
-    <p:spTree>
-      <p:nvGrpSpPr>
-        <p:cNvPr id="1" name=""/>
-        <p:cNvGrpSpPr/>
-        <p:nvPr/>
-      </p:nvGrpSpPr>
-      <p:grpSpPr>
-        <a:xfrm>
-          <a:off x="0" y="0"/>
-          <a:ext cx="0" cy="0"/>
-          <a:chOff x="0" y="0"/>
-          <a:chExt cx="0" cy="0"/>
-        </a:xfrm>
-      </p:grpSpPr>
-      <p:sp>
-        <p:nvSpPr>
-          <p:cNvPr id="2" name="Title 1"/>
-          <p:cNvSpPr>
-            <a:spLocks noGrp="1"/>
-          </p:cNvSpPr>
-          <p:nvPr>
-            <p:ph type="title"/>
-          </p:nvPr>
-        </p:nvSpPr>
-        <p:spPr/>
-        <p:txBody>
-          <a:bodyPr/>
-          <a:lstStyle/>
-          <a:p>
-            <a:r>
-              <a:rPr lang="en-US" dirty="0" smtClean="0"/>
-              <a:t>@Media Query</a:t>
-            </a:r>
-            <a:endParaRPr lang="en-US" dirty="0"/>
-          </a:p>
-        </p:txBody>
-      </p:sp>
-      <p:pic>
-        <p:nvPicPr>
-          <p:cNvPr id="4" name="Content Placeholder 3" descr="Screen Shot 2012-08-29 at 8.16.43 PM.png"/>
-          <p:cNvPicPr>
-            <a:picLocks noGrp="1" noChangeAspect="1"/>
-          </p:cNvPicPr>
-          <p:nvPr>
-            <p:ph idx="1"/>
-          </p:nvPr>
-        </p:nvPicPr>
-        <p:blipFill>
-          <a:blip r:embed="rId2"/>
-          <a:srcRect l="-899" r="-899"/>
-          <a:stretch>
-            <a:fillRect/>
-          </a:stretch>
-        </p:blipFill>
-        <p:spPr/>
-      </p:pic>
-    </p:spTree>
-  </p:cSld>
-  <p:clrMapOvr>
-    <a:masterClrMapping/>
-  </p:clrMapOvr>
-</p:sld>
-</file>
-
-<file path=ppt/slides/slide29.xml><?xml version="1.0" encoding="utf-8"?>
-<p:sld xmlns:a="http://schemas.openxmlformats.org/drawingml/2006/main" xmlns:r="http://schemas.openxmlformats.org/officeDocument/2006/relationships" xmlns:mc="http://schemas.openxmlformats.org/markup-compatibility/2006" xmlns:mv="urn:schemas-microsoft-com:mac:vml" xmlns:p="http://schemas.openxmlformats.org/presentationml/2006/main" mc:Ignorable="mv" mc:PreserveAttributes="mv:*">
-  <p:cSld>
-    <p:spTree>
-      <p:nvGrpSpPr>
-        <p:cNvPr id="1" name=""/>
-        <p:cNvGrpSpPr/>
-        <p:nvPr/>
-      </p:nvGrpSpPr>
-      <p:grpSpPr>
-        <a:xfrm>
-          <a:off x="0" y="0"/>
-          <a:ext cx="0" cy="0"/>
-          <a:chOff x="0" y="0"/>
-          <a:chExt cx="0" cy="0"/>
-        </a:xfrm>
-      </p:grpSpPr>
-      <p:sp>
-        <p:nvSpPr>
-          <p:cNvPr id="2" name="Title 1"/>
-          <p:cNvSpPr>
-            <a:spLocks noGrp="1"/>
-          </p:cNvSpPr>
-          <p:nvPr>
-            <p:ph type="title"/>
-          </p:nvPr>
-        </p:nvSpPr>
-        <p:spPr/>
-        <p:txBody>
-          <a:bodyPr/>
-          <a:lstStyle/>
-          <a:p>
-            <a:r>
-              <a:rPr lang="en-US" dirty="0" smtClean="0"/>
-              <a:t>Mobile </a:t>
-            </a:r>
-            <a:r>
-              <a:rPr lang="en-US" dirty="0" smtClean="0"/>
-              <a:t>Web</a:t>
-            </a:r>
-            <a:endParaRPr lang="en-US" dirty="0"/>
-          </a:p>
-        </p:txBody>
-      </p:sp>
-      <p:sp>
-        <p:nvSpPr>
-          <p:cNvPr id="3" name="Content Placeholder 2"/>
-          <p:cNvSpPr>
-            <a:spLocks noGrp="1"/>
-          </p:cNvSpPr>
-          <p:nvPr>
-            <p:ph idx="1"/>
-          </p:nvPr>
-        </p:nvSpPr>
-        <p:spPr/>
-        <p:txBody>
-          <a:bodyPr/>
-          <a:lstStyle/>
-          <a:p>
-            <a:r>
-              <a:rPr lang="en-US" dirty="0" smtClean="0"/>
-              <a:t>Pros</a:t>
-            </a:r>
-          </a:p>
-          <a:p>
-            <a:pPr lvl="1"/>
-            <a:r>
-              <a:rPr lang="en-US" dirty="0" smtClean="0"/>
-              <a:t>Your site or web application is optimized for ALL devices and desktop resolutions</a:t>
-            </a:r>
-          </a:p>
-          <a:p>
-            <a:pPr lvl="1"/>
-            <a:r>
-              <a:rPr lang="en-US" dirty="0" smtClean="0"/>
-              <a:t>You’ll get a TON of street </a:t>
-            </a:r>
-            <a:r>
-              <a:rPr lang="en-US" dirty="0" err="1" smtClean="0"/>
-              <a:t>cred</a:t>
-            </a:r>
-            <a:endParaRPr lang="en-US" dirty="0" smtClean="0"/>
-          </a:p>
-          <a:p>
-            <a:pPr lvl="1"/>
-            <a:r>
-              <a:rPr lang="en-US" dirty="0" smtClean="0"/>
-              <a:t>Can become a standalone Native app through Web Views (will explain later)</a:t>
-            </a:r>
-          </a:p>
-          <a:p>
-            <a:pPr lvl="1"/>
-            <a:r>
-              <a:rPr lang="en-US" dirty="0" smtClean="0"/>
-              <a:t>Basic location services</a:t>
-            </a:r>
-          </a:p>
-          <a:p>
-            <a:pPr lvl="1"/>
-            <a:r>
-              <a:rPr lang="en-US" dirty="0" smtClean="0"/>
-              <a:t>No need to download or version</a:t>
-            </a:r>
-          </a:p>
-          <a:p>
-            <a:pPr lvl="1"/>
-            <a:endParaRPr lang="en-US" dirty="0" smtClean="0"/>
-          </a:p>
-          <a:p>
-            <a:endParaRPr lang="en-US" dirty="0" smtClean="0"/>
-          </a:p>
-        </p:txBody>
-      </p:sp>
-    </p:spTree>
-  </p:cSld>
-  <p:clrMapOvr>
-    <a:masterClrMapping/>
-  </p:clrMapOvr>
 </p:sld>
 </file>
 
@@ -8850,7 +9070,7 @@
         </p:spPr>
         <p:txBody>
           <a:bodyPr>
-            <a:normAutofit/>
+            <a:normAutofit fontScale="92500" lnSpcReduction="10000"/>
           </a:bodyPr>
           <a:lstStyle/>
           <a:p>
@@ -8860,7 +9080,7 @@
                   <a:srgbClr val="FFFFFF"/>
                 </a:solidFill>
               </a:rPr>
-              <a:t>What mobile can do? (and some fun stats)</a:t>
+              <a:t>What mobile can do and where it’s going (complete with boring fun stats)</a:t>
             </a:r>
           </a:p>
           <a:p>
@@ -8870,15 +9090,44 @@
                   <a:srgbClr val="FFFFFF"/>
                 </a:solidFill>
               </a:rPr>
-              <a:t>How does Mobile Development differ from standard development</a:t>
-            </a:r>
+              <a:t>Does Mobile Development differ from standard development? </a:t>
+            </a:r>
+          </a:p>
+          <a:p>
+            <a:pPr>
+              <a:buNone/>
+            </a:pPr>
             <a:r>
               <a:rPr lang="en-US" dirty="0" smtClean="0">
                 <a:solidFill>
                   <a:srgbClr val="FFFFFF"/>
                 </a:solidFill>
               </a:rPr>
-              <a:t>?</a:t>
+              <a:t>				</a:t>
+            </a:r>
+            <a:r>
+              <a:rPr lang="en-US" sz="3000" dirty="0" smtClean="0">
+                <a:solidFill>
+                  <a:srgbClr val="FF0000"/>
+                </a:solidFill>
+              </a:rPr>
+              <a:t>*</a:t>
+            </a:r>
+            <a:r>
+              <a:rPr lang="en-US" dirty="0" smtClean="0">
+                <a:solidFill>
+                  <a:srgbClr val="FF0000"/>
+                </a:solidFill>
+              </a:rPr>
+              <a:t>SPOILER ALERT*</a:t>
+            </a:r>
+            <a:r>
+              <a:rPr lang="en-US" dirty="0" smtClean="0">
+                <a:solidFill>
+                  <a:srgbClr val="FFFFFF"/>
+                </a:solidFill>
+              </a:rPr>
+              <a:t>… it totally does</a:t>
             </a:r>
           </a:p>
           <a:p>
@@ -8890,11 +9139,6 @@
               </a:rPr>
               <a:t>Mobile Development Strategies</a:t>
             </a:r>
-            <a:endParaRPr lang="en-US" dirty="0" smtClean="0">
-              <a:solidFill>
-                <a:srgbClr val="FFFFFF"/>
-              </a:solidFill>
-            </a:endParaRPr>
           </a:p>
           <a:p>
             <a:r>
@@ -8911,7 +9155,15 @@
                   <a:srgbClr val="FFFFFF"/>
                 </a:solidFill>
               </a:rPr>
-              <a:t> Gritty Android</a:t>
+              <a:t> Gritty </a:t>
+            </a:r>
+            <a:r>
+              <a:rPr lang="en-US" dirty="0" err="1" smtClean="0">
+                <a:solidFill>
+                  <a:srgbClr val="FFFFFF"/>
+                </a:solidFill>
+              </a:rPr>
+              <a:t>iOS</a:t>
             </a:r>
             <a:r>
               <a:rPr lang="en-US" dirty="0" smtClean="0">
@@ -8919,7 +9171,7 @@
                   <a:srgbClr val="FFFFFF"/>
                 </a:solidFill>
               </a:rPr>
-              <a:t> Phone Gap Lab</a:t>
+              <a:t>/Android Phone Gap Lab</a:t>
             </a:r>
           </a:p>
           <a:p>
@@ -8977,6 +9229,30 @@
           <a:chExt cx="0" cy="0"/>
         </a:xfrm>
       </p:grpSpPr>
+      <p:pic>
+        <p:nvPicPr>
+          <p:cNvPr id="13" name="Picture 12"/>
+          <p:cNvPicPr>
+            <a:picLocks noChangeAspect="1"/>
+          </p:cNvPicPr>
+          <p:nvPr/>
+        </p:nvPicPr>
+        <p:blipFill>
+          <a:blip r:embed="rId3"/>
+          <a:stretch>
+            <a:fillRect/>
+          </a:stretch>
+        </p:blipFill>
+        <p:spPr>
+          <a:xfrm>
+            <a:off x="0" y="5608"/>
+            <a:ext cx="9143999" cy="6857999"/>
+          </a:xfrm>
+          <a:prstGeom prst="rect">
+            <a:avLst/>
+          </a:prstGeom>
+        </p:spPr>
+      </p:pic>
       <p:sp>
         <p:nvSpPr>
           <p:cNvPr id="2" name="Title 1"/>
@@ -8992,13 +9268,10 @@
           <a:bodyPr/>
           <a:lstStyle/>
           <a:p>
-            <a:r>
-              <a:rPr lang="en-US" dirty="0" smtClean="0"/>
-              <a:t>Mobile </a:t>
-            </a:r>
-            <a:r>
-              <a:rPr lang="en-US" dirty="0" smtClean="0"/>
-              <a:t>Web</a:t>
+            <a:pPr algn="l"/>
+            <a:r>
+              <a:rPr lang="en-US" b="1" dirty="0" smtClean="0"/>
+              <a:t>Mobile Development Strategies</a:t>
             </a:r>
             <a:endParaRPr lang="en-US" dirty="0"/>
           </a:p>
@@ -9006,54 +9279,37 @@
       </p:sp>
       <p:sp>
         <p:nvSpPr>
-          <p:cNvPr id="3" name="Content Placeholder 2"/>
-          <p:cNvSpPr>
-            <a:spLocks noGrp="1"/>
-          </p:cNvSpPr>
-          <p:nvPr>
-            <p:ph idx="1"/>
-          </p:nvPr>
-        </p:nvSpPr>
-        <p:spPr/>
-        <p:txBody>
-          <a:bodyPr/>
-          <a:lstStyle/>
-          <a:p>
-            <a:r>
-              <a:rPr lang="en-US" dirty="0" smtClean="0"/>
-              <a:t>Cons</a:t>
-            </a:r>
-          </a:p>
-          <a:p>
-            <a:pPr lvl="1"/>
-            <a:r>
-              <a:rPr lang="en-US" dirty="0" smtClean="0"/>
-              <a:t>Your site or web application is optimized for ALL devices and desktop resolutions (not a typo)</a:t>
-            </a:r>
-          </a:p>
-          <a:p>
-            <a:pPr lvl="1"/>
-            <a:r>
-              <a:rPr lang="en-US" dirty="0" smtClean="0"/>
-              <a:t>No Native Capabilities</a:t>
-            </a:r>
-          </a:p>
-          <a:p>
-            <a:pPr lvl="1"/>
-            <a:r>
-              <a:rPr lang="en-US" dirty="0" smtClean="0"/>
-              <a:t>Cannot, by itself, be a downloadable app</a:t>
-            </a:r>
-          </a:p>
-          <a:p>
-            <a:pPr lvl="1"/>
-            <a:r>
-              <a:rPr lang="en-US" dirty="0" smtClean="0"/>
-              <a:t>Harder to monetize</a:t>
-            </a:r>
-          </a:p>
-          <a:p>
-            <a:endParaRPr lang="en-US" dirty="0" smtClean="0"/>
+          <p:cNvPr id="12" name="TextBox 11"/>
+          <p:cNvSpPr txBox="1"/>
+          <p:nvPr/>
+        </p:nvSpPr>
+        <p:spPr>
+          <a:xfrm>
+            <a:off x="457199" y="1417638"/>
+            <a:ext cx="8030544" cy="1200329"/>
+          </a:xfrm>
+          <a:prstGeom prst="rect">
+            <a:avLst/>
+          </a:prstGeom>
+          <a:noFill/>
+        </p:spPr>
+        <p:txBody>
+          <a:bodyPr wrap="square" rtlCol="0">
+            <a:spAutoFit/>
+          </a:bodyPr>
+          <a:lstStyle/>
+          <a:p>
+            <a:pPr>
+              <a:buNone/>
+            </a:pPr>
+            <a:r>
+              <a:rPr lang="en-US" sz="3600" i="1" dirty="0" smtClean="0">
+                <a:solidFill>
+                  <a:schemeClr val="bg1"/>
+                </a:solidFill>
+              </a:rPr>
+              <a:t>So mobile is great and all… but where do I start?</a:t>
+            </a:r>
           </a:p>
         </p:txBody>
       </p:sp>
@@ -9062,6 +9318,13 @@
   <p:clrMapOvr>
     <a:masterClrMapping/>
   </p:clrMapOvr>
+  <p:timing>
+    <p:tnLst>
+      <p:par>
+        <p:cTn id="1" dur="indefinite" restart="never" nodeType="tmRoot"/>
+      </p:par>
+    </p:tnLst>
+  </p:timing>
 </p:sld>
 </file>
 
@@ -9099,11 +9362,7 @@
           <a:p>
             <a:r>
               <a:rPr lang="en-US" dirty="0" smtClean="0"/>
-              <a:t>Mobile </a:t>
-            </a:r>
-            <a:r>
-              <a:rPr lang="en-US" dirty="0" smtClean="0"/>
-              <a:t>Web Examples</a:t>
+              <a:t>The Landscape</a:t>
             </a:r>
             <a:endParaRPr lang="en-US" dirty="0"/>
           </a:p>
@@ -9125,61 +9384,44 @@
           <a:lstStyle/>
           <a:p>
             <a:r>
-              <a:rPr lang="en-US" dirty="0" err="1" smtClean="0"/>
-              <a:t>g</a:t>
-            </a:r>
-            <a:r>
-              <a:rPr lang="en-US" dirty="0" err="1" smtClean="0"/>
-              <a:t>mail.com</a:t>
-            </a:r>
-            <a:endParaRPr lang="en-US" dirty="0" smtClean="0"/>
-          </a:p>
-          <a:p>
-            <a:r>
-              <a:rPr lang="en-US" dirty="0" err="1" smtClean="0"/>
-              <a:t>twitter.com</a:t>
-            </a:r>
-            <a:endParaRPr lang="en-US" dirty="0" smtClean="0"/>
-          </a:p>
-          <a:p>
-            <a:r>
-              <a:rPr lang="en-US" dirty="0" err="1" smtClean="0"/>
-              <a:t>bostonglobe.com</a:t>
-            </a:r>
-            <a:endParaRPr lang="en-US" dirty="0" smtClean="0"/>
-          </a:p>
-          <a:p>
-            <a:r>
-              <a:rPr lang="en-US" dirty="0" err="1" smtClean="0"/>
-              <a:t>s</a:t>
-            </a:r>
-            <a:r>
-              <a:rPr lang="en-US" dirty="0" err="1" smtClean="0"/>
-              <a:t>tarbucks.com</a:t>
-            </a:r>
-            <a:endParaRPr lang="en-US" dirty="0" smtClean="0"/>
-          </a:p>
-          <a:p>
-            <a:r>
-              <a:rPr lang="en-US" dirty="0" err="1" smtClean="0"/>
-              <a:t>dreamforce.com</a:t>
-            </a:r>
-            <a:r>
-              <a:rPr lang="en-US" dirty="0" smtClean="0"/>
-              <a:t> (seriously check this one out)</a:t>
-            </a:r>
-          </a:p>
-          <a:p>
-            <a:endParaRPr lang="en-US" dirty="0" smtClean="0"/>
-          </a:p>
-          <a:p>
-            <a:r>
-              <a:rPr lang="en-US" dirty="0" smtClean="0"/>
-              <a:t>Check out Twitter Bootstrap for your sites!</a:t>
-            </a:r>
-          </a:p>
-          <a:p>
-            <a:endParaRPr lang="en-US" dirty="0" smtClean="0"/>
+              <a:rPr lang="en-US" dirty="0" smtClean="0"/>
+              <a:t>There are several strategies available. </a:t>
+            </a:r>
+          </a:p>
+          <a:p>
+            <a:r>
+              <a:rPr lang="en-US" dirty="0" smtClean="0"/>
+              <a:t>We’ll break down the four that I know of</a:t>
+            </a:r>
+          </a:p>
+          <a:p>
+            <a:pPr lvl="1"/>
+            <a:r>
+              <a:rPr lang="en-US" dirty="0" smtClean="0"/>
+              <a:t>Pure Mobile Web</a:t>
+            </a:r>
+          </a:p>
+          <a:p>
+            <a:pPr lvl="1"/>
+            <a:r>
+              <a:rPr lang="en-US" dirty="0" smtClean="0"/>
+              <a:t>Pure Native</a:t>
+            </a:r>
+          </a:p>
+          <a:p>
+            <a:pPr lvl="1"/>
+            <a:r>
+              <a:rPr lang="en-US" dirty="0" smtClean="0"/>
+              <a:t>Mobile Web Apps</a:t>
+            </a:r>
+          </a:p>
+          <a:p>
+            <a:pPr lvl="1"/>
+            <a:r>
+              <a:rPr lang="en-US" dirty="0" smtClean="0"/>
+              <a:t>Hybrid Apps</a:t>
+            </a:r>
+            <a:endParaRPr lang="en-US" dirty="0"/>
           </a:p>
         </p:txBody>
       </p:sp>
@@ -9225,7 +9467,7 @@
           <a:p>
             <a:r>
               <a:rPr lang="en-US" dirty="0" smtClean="0"/>
-              <a:t>Native Apps</a:t>
+              <a:t>Pure Mobile Web</a:t>
             </a:r>
             <a:endParaRPr lang="en-US" dirty="0"/>
           </a:p>
@@ -9243,81 +9485,40 @@
         </p:nvSpPr>
         <p:spPr/>
         <p:txBody>
-          <a:bodyPr>
-            <a:normAutofit fontScale="92500" lnSpcReduction="10000"/>
-          </a:bodyPr>
-          <a:lstStyle/>
-          <a:p>
-            <a:r>
-              <a:rPr lang="en-US" dirty="0" smtClean="0"/>
-              <a:t>Pros</a:t>
-            </a:r>
+          <a:bodyPr/>
+          <a:lstStyle/>
+          <a:p>
+            <a:r>
+              <a:rPr lang="en-US" dirty="0" smtClean="0"/>
+              <a:t>Responsive Web Design (will blow your mind)</a:t>
+            </a:r>
+          </a:p>
+          <a:p>
+            <a:r>
+              <a:rPr lang="en-US" dirty="0" smtClean="0"/>
+              <a:t>Leverage CSS3 @Media Queries</a:t>
+            </a:r>
+          </a:p>
+          <a:p>
+            <a:r>
+              <a:rPr lang="en-US" dirty="0" smtClean="0"/>
+              <a:t>Build site that can conform to multiple devices and resolutions</a:t>
+            </a:r>
+          </a:p>
+          <a:p>
+            <a:r>
+              <a:rPr lang="en-US" dirty="0" smtClean="0"/>
+              <a:t>Build your site’s styles for mobile devices FIRST, then extend your styles for the desktop.</a:t>
+            </a:r>
+          </a:p>
+          <a:p>
+            <a:r>
+              <a:rPr lang="en-US" dirty="0" smtClean="0"/>
+              <a:t>You MUST read Responsive Web Design and Mobile First!!</a:t>
+            </a:r>
+          </a:p>
+          <a:p>
             <a:endParaRPr lang="en-US" dirty="0" smtClean="0"/>
-          </a:p>
-          <a:p>
-            <a:pPr lvl="1"/>
-            <a:r>
-              <a:rPr lang="en-US" dirty="0" smtClean="0"/>
-              <a:t>Leverage the entirety of a devices capabilities</a:t>
-            </a:r>
-          </a:p>
-          <a:p>
-            <a:pPr lvl="1"/>
-            <a:r>
-              <a:rPr lang="en-US" dirty="0" smtClean="0"/>
-              <a:t>Easier to monetize</a:t>
-            </a:r>
-          </a:p>
-          <a:p>
-            <a:pPr lvl="1"/>
-            <a:r>
-              <a:rPr lang="en-US" dirty="0" smtClean="0"/>
-              <a:t>Smoothest User Experience</a:t>
-            </a:r>
-          </a:p>
-          <a:p>
-            <a:pPr lvl="1"/>
-            <a:r>
-              <a:rPr lang="en-US" dirty="0" smtClean="0"/>
-              <a:t>Most immersive User Experience</a:t>
-            </a:r>
-          </a:p>
-          <a:p>
-            <a:pPr lvl="1"/>
-            <a:r>
-              <a:rPr lang="en-US" dirty="0" smtClean="0"/>
-              <a:t>Background Services</a:t>
-            </a:r>
-          </a:p>
-          <a:p>
-            <a:pPr lvl="1"/>
-            <a:r>
-              <a:rPr lang="en-US" dirty="0" smtClean="0"/>
-              <a:t>Push Notifications</a:t>
-            </a:r>
-          </a:p>
-          <a:p>
-            <a:pPr lvl="1"/>
-            <a:r>
-              <a:rPr lang="en-US" dirty="0" smtClean="0"/>
-              <a:t>Widgets</a:t>
-            </a:r>
-            <a:endParaRPr lang="en-US" dirty="0" smtClean="0"/>
-          </a:p>
-          <a:p>
-            <a:pPr lvl="1"/>
-            <a:r>
-              <a:rPr lang="en-US" dirty="0" smtClean="0"/>
-              <a:t>OpenGL!!!</a:t>
-            </a:r>
-          </a:p>
-          <a:p>
-            <a:pPr lvl="1"/>
-            <a:r>
-              <a:rPr lang="en-US" dirty="0" smtClean="0"/>
-              <a:t>So much cooler (from an Engineer’s perspective)</a:t>
-            </a:r>
-            <a:endParaRPr lang="en-US" dirty="0"/>
           </a:p>
         </p:txBody>
       </p:sp>
@@ -9363,79 +9564,31 @@
           <a:p>
             <a:r>
               <a:rPr lang="en-US" dirty="0" smtClean="0"/>
-              <a:t>Native Apps</a:t>
+              <a:t>@Media Query</a:t>
             </a:r>
             <a:endParaRPr lang="en-US" dirty="0"/>
           </a:p>
         </p:txBody>
       </p:sp>
-      <p:sp>
-        <p:nvSpPr>
-          <p:cNvPr id="3" name="Content Placeholder 2"/>
-          <p:cNvSpPr>
-            <a:spLocks noGrp="1"/>
-          </p:cNvSpPr>
+      <p:pic>
+        <p:nvPicPr>
+          <p:cNvPr id="4" name="Content Placeholder 3" descr="Screen Shot 2012-08-29 at 8.16.43 PM.png"/>
+          <p:cNvPicPr>
+            <a:picLocks noGrp="1" noChangeAspect="1"/>
+          </p:cNvPicPr>
           <p:nvPr>
             <p:ph idx="1"/>
           </p:nvPr>
-        </p:nvSpPr>
-        <p:spPr/>
-        <p:txBody>
-          <a:bodyPr/>
-          <a:lstStyle/>
-          <a:p>
-            <a:r>
-              <a:rPr lang="en-US" dirty="0" smtClean="0"/>
-              <a:t>Cons</a:t>
-            </a:r>
-          </a:p>
-          <a:p>
-            <a:pPr lvl="1"/>
-            <a:r>
-              <a:rPr lang="en-US" dirty="0" smtClean="0"/>
-              <a:t>Shallow talent pool of developers</a:t>
-            </a:r>
-            <a:endParaRPr lang="en-US" dirty="0" smtClean="0"/>
-          </a:p>
-          <a:p>
-            <a:pPr lvl="1"/>
-            <a:r>
-              <a:rPr lang="en-US" dirty="0" smtClean="0"/>
-              <a:t>4 platforms, 4 development efforts</a:t>
-            </a:r>
-          </a:p>
-          <a:p>
-            <a:pPr lvl="1"/>
-            <a:r>
-              <a:rPr lang="en-US" dirty="0" smtClean="0"/>
-              <a:t>Longer development time (sometimes)</a:t>
-            </a:r>
-          </a:p>
-          <a:p>
-            <a:pPr lvl="1"/>
-            <a:r>
-              <a:rPr lang="en-US" dirty="0" smtClean="0"/>
-              <a:t>Expensive</a:t>
-            </a:r>
-          </a:p>
-          <a:p>
-            <a:pPr lvl="1"/>
-            <a:r>
-              <a:rPr lang="en-US" dirty="0" smtClean="0"/>
-              <a:t>No OpenGL but hopefully </a:t>
-            </a:r>
-            <a:r>
-              <a:rPr lang="en-US" dirty="0" err="1" smtClean="0"/>
-              <a:t>WebGL</a:t>
-            </a:r>
-            <a:r>
-              <a:rPr lang="en-US" dirty="0" smtClean="0"/>
-              <a:t> through the HTML5 canvas soon.</a:t>
-            </a:r>
-            <a:endParaRPr lang="en-US" dirty="0"/>
-          </a:p>
-        </p:txBody>
-      </p:sp>
+        </p:nvPicPr>
+        <p:blipFill>
+          <a:blip r:embed="rId2"/>
+          <a:srcRect l="-899" r="-899"/>
+          <a:stretch>
+            <a:fillRect/>
+          </a:stretch>
+        </p:blipFill>
+        <p:spPr/>
+      </p:pic>
     </p:spTree>
   </p:cSld>
   <p:clrMapOvr>
@@ -9478,7 +9631,7 @@
           <a:p>
             <a:r>
               <a:rPr lang="en-US" dirty="0" smtClean="0"/>
-              <a:t>Native Apps</a:t>
+              <a:t>Mobile Web</a:t>
             </a:r>
             <a:endParaRPr lang="en-US" dirty="0"/>
           </a:p>
@@ -9501,15 +9654,70 @@
           <a:p>
             <a:r>
               <a:rPr lang="en-US" dirty="0" smtClean="0"/>
-              <a:t>Almost every mobile game out there</a:t>
-            </a:r>
-          </a:p>
-          <a:p>
-            <a:r>
-              <a:rPr lang="en-US" dirty="0" smtClean="0"/>
-              <a:t>Most apps</a:t>
-            </a:r>
-            <a:endParaRPr lang="en-US" dirty="0"/>
+              <a:t>Pros</a:t>
+            </a:r>
+          </a:p>
+          <a:p>
+            <a:pPr lvl="1"/>
+            <a:r>
+              <a:rPr lang="en-US" dirty="0" smtClean="0"/>
+              <a:t>Your site or web application is optimized for ALL devices and desktop resolutions</a:t>
+            </a:r>
+          </a:p>
+          <a:p>
+            <a:pPr lvl="1"/>
+            <a:r>
+              <a:rPr lang="en-US" dirty="0" smtClean="0"/>
+              <a:t>You’ll get a TON of street </a:t>
+            </a:r>
+            <a:r>
+              <a:rPr lang="en-US" dirty="0" err="1" smtClean="0"/>
+              <a:t>cred</a:t>
+            </a:r>
+            <a:endParaRPr lang="en-US" dirty="0" smtClean="0"/>
+          </a:p>
+          <a:p>
+            <a:pPr lvl="1"/>
+            <a:r>
+              <a:rPr lang="en-US" dirty="0" smtClean="0"/>
+              <a:t>Can become a standalone Native app through Web Views (will explain later)</a:t>
+            </a:r>
+          </a:p>
+          <a:p>
+            <a:pPr lvl="1"/>
+            <a:r>
+              <a:rPr lang="en-US" dirty="0" smtClean="0"/>
+              <a:t>Basic location services</a:t>
+            </a:r>
+          </a:p>
+          <a:p>
+            <a:pPr lvl="1"/>
+            <a:r>
+              <a:rPr lang="en-US" dirty="0" smtClean="0"/>
+              <a:t>HTML5 Local storage </a:t>
+            </a:r>
+            <a:r>
+              <a:rPr lang="en-US" dirty="0" err="1" smtClean="0"/>
+              <a:t>kinda</a:t>
+            </a:r>
+            <a:r>
+              <a:rPr lang="en-US" dirty="0" smtClean="0"/>
+              <a:t> like a Database</a:t>
+            </a:r>
+          </a:p>
+          <a:p>
+            <a:pPr lvl="1"/>
+            <a:r>
+              <a:rPr lang="en-US" dirty="0" smtClean="0"/>
+              <a:t>No need to download or version</a:t>
+            </a:r>
+          </a:p>
+          <a:p>
+            <a:pPr lvl="1"/>
+            <a:endParaRPr lang="en-US" dirty="0" smtClean="0"/>
+          </a:p>
+          <a:p>
+            <a:endParaRPr lang="en-US" dirty="0" smtClean="0"/>
           </a:p>
         </p:txBody>
       </p:sp>
@@ -9555,7 +9763,7 @@
           <a:p>
             <a:r>
               <a:rPr lang="en-US" dirty="0" smtClean="0"/>
-              <a:t>Mobile Web App Frameworks</a:t>
+              <a:t>Mobile Web</a:t>
             </a:r>
             <a:endParaRPr lang="en-US" dirty="0"/>
           </a:p>
@@ -9573,73 +9781,63 @@
         </p:nvSpPr>
         <p:spPr/>
         <p:txBody>
-          <a:bodyPr>
-            <a:normAutofit lnSpcReduction="10000"/>
-          </a:bodyPr>
-          <a:lstStyle/>
-          <a:p>
-            <a:r>
-              <a:rPr lang="en-US" dirty="0" smtClean="0"/>
-              <a:t>Phone Gap (now Apache Cordova)</a:t>
-            </a:r>
-          </a:p>
-          <a:p>
-            <a:r>
-              <a:rPr lang="en-US" dirty="0" smtClean="0"/>
-              <a:t>Pros</a:t>
+          <a:bodyPr/>
+          <a:lstStyle/>
+          <a:p>
+            <a:r>
+              <a:rPr lang="en-US" dirty="0" smtClean="0"/>
+              <a:t>Cons</a:t>
             </a:r>
           </a:p>
           <a:p>
             <a:pPr lvl="1"/>
             <a:r>
               <a:rPr lang="en-US" dirty="0" smtClean="0"/>
-              <a:t>Opens up a serious subset of Native capabilities</a:t>
+              <a:t>Your site or web application is optimized for ALL devices and desktop resolutions (not a typo... if you do it right)</a:t>
             </a:r>
           </a:p>
           <a:p>
             <a:pPr lvl="1"/>
             <a:r>
               <a:rPr lang="en-US" dirty="0" smtClean="0"/>
-              <a:t>Deeper Talent Pool</a:t>
+              <a:t>Very limited Native capabilities</a:t>
             </a:r>
           </a:p>
           <a:p>
             <a:pPr lvl="1"/>
             <a:r>
               <a:rPr lang="en-US" dirty="0" smtClean="0"/>
-              <a:t>Much quicker development time</a:t>
+              <a:t>Cannot, by itself, be a downloadable app</a:t>
             </a:r>
           </a:p>
           <a:p>
             <a:pPr lvl="1"/>
             <a:r>
               <a:rPr lang="en-US" dirty="0" smtClean="0"/>
-              <a:t>Leverages HTML5, CSS3 and JavaScript</a:t>
+              <a:t>Much harder to monetize</a:t>
             </a:r>
           </a:p>
           <a:p>
             <a:pPr lvl="1"/>
             <a:r>
               <a:rPr lang="en-US" dirty="0" smtClean="0"/>
-              <a:t>4 platforms, 1 development effort</a:t>
+              <a:t>No OpenGL but hopefully </a:t>
+            </a:r>
+            <a:r>
+              <a:rPr lang="en-US" dirty="0" err="1" smtClean="0"/>
+              <a:t>WebGL</a:t>
+            </a:r>
+            <a:r>
+              <a:rPr lang="en-US" dirty="0" smtClean="0"/>
+              <a:t> through the HTML5 canvas soon.</a:t>
             </a:r>
           </a:p>
           <a:p>
             <a:pPr lvl="1"/>
-            <a:r>
-              <a:rPr lang="en-US" dirty="0" smtClean="0"/>
-              <a:t>Easier Maintenance</a:t>
-            </a:r>
-          </a:p>
-          <a:p>
-            <a:pPr lvl="1"/>
-            <a:r>
-              <a:rPr lang="en-US" dirty="0" smtClean="0"/>
-              <a:t>Open Source</a:t>
-            </a:r>
-          </a:p>
-          <a:p>
-            <a:endParaRPr lang="en-US" dirty="0"/>
+            <a:endParaRPr lang="en-US" dirty="0" smtClean="0"/>
+          </a:p>
+          <a:p>
+            <a:endParaRPr lang="en-US" dirty="0" smtClean="0"/>
           </a:p>
         </p:txBody>
       </p:sp>
@@ -9685,7 +9883,7 @@
           <a:p>
             <a:r>
               <a:rPr lang="en-US" dirty="0" smtClean="0"/>
-              <a:t>Mobile Web App Frameworks</a:t>
+              <a:t>Mobile Web Examples</a:t>
             </a:r>
             <a:endParaRPr lang="en-US" dirty="0"/>
           </a:p>
@@ -9707,64 +9905,53 @@
           <a:lstStyle/>
           <a:p>
             <a:r>
-              <a:rPr lang="en-US" dirty="0" smtClean="0"/>
-              <a:t>Phone Gap (now Apache Cordova)</a:t>
-            </a:r>
-          </a:p>
-          <a:p>
-            <a:r>
-              <a:rPr lang="en-US" dirty="0" smtClean="0"/>
-              <a:t>Cons</a:t>
-            </a:r>
-          </a:p>
-          <a:p>
-            <a:pPr lvl="1"/>
-            <a:r>
-              <a:rPr lang="en-US" dirty="0" smtClean="0"/>
-              <a:t>Not all sensors are represented</a:t>
-            </a:r>
-          </a:p>
-          <a:p>
-            <a:pPr lvl="1"/>
-            <a:r>
-              <a:rPr lang="en-US" dirty="0" smtClean="0"/>
-              <a:t>Not as smooth as Native</a:t>
-            </a:r>
-          </a:p>
-          <a:p>
-            <a:pPr lvl="1"/>
-            <a:r>
-              <a:rPr lang="en-US" dirty="0" smtClean="0"/>
-              <a:t>Effort required to make it not look like a Phone Gap app</a:t>
-            </a:r>
-          </a:p>
-          <a:p>
-            <a:pPr lvl="1"/>
-            <a:r>
-              <a:rPr lang="en-US" dirty="0" smtClean="0"/>
-              <a:t>Does not play well with Native Code</a:t>
-            </a:r>
-          </a:p>
-          <a:p>
-            <a:pPr lvl="1"/>
-            <a:r>
               <a:rPr lang="en-US" dirty="0" err="1" smtClean="0"/>
-              <a:t>iOS</a:t>
-            </a:r>
-            <a:r>
-              <a:rPr lang="en-US" dirty="0" smtClean="0"/>
-              <a:t> : No Core Data </a:t>
-            </a:r>
-            <a:r>
-              <a:rPr lang="en-US" dirty="0" err="1" smtClean="0">
-                <a:sym typeface="Wingdings"/>
-              </a:rPr>
-              <a:t></a:t>
+              <a:t>gmail.com</a:t>
             </a:r>
             <a:endParaRPr lang="en-US" dirty="0" smtClean="0"/>
           </a:p>
           <a:p>
-            <a:endParaRPr lang="en-US" dirty="0"/>
+            <a:r>
+              <a:rPr lang="en-US" dirty="0" err="1" smtClean="0"/>
+              <a:t>twitter.com</a:t>
+            </a:r>
+            <a:endParaRPr lang="en-US" dirty="0" smtClean="0"/>
+          </a:p>
+          <a:p>
+            <a:r>
+              <a:rPr lang="en-US" dirty="0" err="1" smtClean="0"/>
+              <a:t>bostonglobe.com</a:t>
+            </a:r>
+            <a:endParaRPr lang="en-US" dirty="0" smtClean="0"/>
+          </a:p>
+          <a:p>
+            <a:r>
+              <a:rPr lang="en-US" dirty="0" err="1" smtClean="0"/>
+              <a:t>starbucks.com</a:t>
+            </a:r>
+            <a:endParaRPr lang="en-US" dirty="0" smtClean="0"/>
+          </a:p>
+          <a:p>
+            <a:r>
+              <a:rPr lang="en-US" dirty="0" err="1" smtClean="0"/>
+              <a:t>dreamforce.com</a:t>
+            </a:r>
+            <a:r>
+              <a:rPr lang="en-US" dirty="0" smtClean="0"/>
+              <a:t> (seriously check this one out)</a:t>
+            </a:r>
+          </a:p>
+          <a:p>
+            <a:endParaRPr lang="en-US" dirty="0" smtClean="0"/>
+          </a:p>
+          <a:p>
+            <a:r>
+              <a:rPr lang="en-US" dirty="0" smtClean="0"/>
+              <a:t>Check out Twitter Bootstrap for your sites!</a:t>
+            </a:r>
+          </a:p>
+          <a:p>
+            <a:endParaRPr lang="en-US" dirty="0" smtClean="0"/>
           </a:p>
         </p:txBody>
       </p:sp>
@@ -9805,127 +9992,101 @@
         </p:nvSpPr>
         <p:spPr/>
         <p:txBody>
+          <a:bodyPr/>
+          <a:lstStyle/>
+          <a:p>
+            <a:r>
+              <a:rPr lang="en-US" dirty="0" smtClean="0"/>
+              <a:t>Native Apps</a:t>
+            </a:r>
+            <a:endParaRPr lang="en-US" dirty="0"/>
+          </a:p>
+        </p:txBody>
+      </p:sp>
+      <p:sp>
+        <p:nvSpPr>
+          <p:cNvPr id="3" name="Content Placeholder 2"/>
+          <p:cNvSpPr>
+            <a:spLocks noGrp="1"/>
+          </p:cNvSpPr>
+          <p:nvPr>
+            <p:ph idx="1"/>
+          </p:nvPr>
+        </p:nvSpPr>
+        <p:spPr/>
+        <p:txBody>
           <a:bodyPr>
-            <a:normAutofit fontScale="90000"/>
+            <a:normAutofit fontScale="92500" lnSpcReduction="10000"/>
           </a:bodyPr>
           <a:lstStyle/>
           <a:p>
             <a:r>
               <a:rPr lang="en-US" dirty="0" smtClean="0"/>
-              <a:t>Other Mobile Web App Frameworks</a:t>
-            </a:r>
-            <a:endParaRPr lang="en-US" dirty="0"/>
-          </a:p>
-        </p:txBody>
-      </p:sp>
-      <p:sp>
-        <p:nvSpPr>
-          <p:cNvPr id="3" name="Content Placeholder 2"/>
-          <p:cNvSpPr>
-            <a:spLocks noGrp="1"/>
-          </p:cNvSpPr>
-          <p:nvPr>
-            <p:ph idx="1"/>
-          </p:nvPr>
-        </p:nvSpPr>
-        <p:spPr/>
-        <p:txBody>
-          <a:bodyPr>
-            <a:normAutofit fontScale="92500" lnSpcReduction="20000"/>
-          </a:bodyPr>
-          <a:lstStyle/>
-          <a:p>
-            <a:r>
-              <a:rPr lang="en-US" dirty="0" err="1" smtClean="0"/>
-              <a:t>jQuery</a:t>
-            </a:r>
-            <a:r>
-              <a:rPr lang="en-US" dirty="0" smtClean="0"/>
-              <a:t> Mobile</a:t>
+              <a:t>Pros</a:t>
             </a:r>
           </a:p>
           <a:p>
             <a:pPr lvl="1"/>
             <a:r>
               <a:rPr lang="en-US" dirty="0" smtClean="0"/>
-              <a:t>Awesome, free and Open Source</a:t>
-            </a:r>
-          </a:p>
-          <a:p>
-            <a:r>
-              <a:rPr lang="en-US" dirty="0" err="1" smtClean="0"/>
-              <a:t>Appcelerator’s</a:t>
-            </a:r>
-            <a:r>
-              <a:rPr lang="en-US" dirty="0" smtClean="0"/>
-              <a:t> Titanium</a:t>
+              <a:t>Leverage the entirety of a devices capabilities</a:t>
             </a:r>
           </a:p>
           <a:p>
             <a:pPr lvl="1"/>
             <a:r>
               <a:rPr lang="en-US" dirty="0" smtClean="0"/>
-              <a:t>Pretty cool, but proprietary and expensive</a:t>
-            </a:r>
-          </a:p>
-          <a:p>
-            <a:r>
-              <a:rPr lang="en-US" dirty="0" err="1" smtClean="0"/>
-              <a:t>Sencha</a:t>
-            </a:r>
-            <a:r>
-              <a:rPr lang="en-US" dirty="0" smtClean="0"/>
-              <a:t> Touch</a:t>
+              <a:t>Easier to monetize</a:t>
             </a:r>
           </a:p>
           <a:p>
             <a:pPr lvl="1"/>
             <a:r>
               <a:rPr lang="en-US" dirty="0" smtClean="0"/>
-              <a:t>Also pretty cool. Cheaper alternative to Titanium.</a:t>
+              <a:t>Smoothest User Experience</a:t>
             </a:r>
           </a:p>
           <a:p>
             <a:pPr lvl="1"/>
             <a:r>
               <a:rPr lang="en-US" dirty="0" smtClean="0"/>
-              <a:t>Free for up to 5000 users.</a:t>
-            </a:r>
-          </a:p>
-          <a:p>
-            <a:r>
-              <a:rPr lang="en-US" dirty="0" err="1" smtClean="0"/>
-              <a:t>Tiggzi</a:t>
-            </a:r>
-            <a:endParaRPr lang="en-US" dirty="0" smtClean="0"/>
+              <a:t>Most immersive User Experience</a:t>
+            </a:r>
           </a:p>
           <a:p>
             <a:pPr lvl="1"/>
             <a:r>
-              <a:rPr lang="en-US" dirty="0" err="1" smtClean="0"/>
-              <a:t>Hella</a:t>
-            </a:r>
-            <a:r>
-              <a:rPr lang="en-US" dirty="0" smtClean="0"/>
-              <a:t> cool cloud-based mobile web app IDE</a:t>
+              <a:rPr lang="en-US" dirty="0" smtClean="0"/>
+              <a:t>Background Services</a:t>
             </a:r>
           </a:p>
           <a:p>
             <a:pPr lvl="1"/>
             <a:r>
               <a:rPr lang="en-US" dirty="0" smtClean="0"/>
-              <a:t>Uses Apache Cordova (</a:t>
-            </a:r>
-            <a:r>
-              <a:rPr lang="en-US" dirty="0" err="1" smtClean="0"/>
-              <a:t>PhoneGap</a:t>
-            </a:r>
-            <a:r>
-              <a:rPr lang="en-US" dirty="0" smtClean="0"/>
-              <a:t>)</a:t>
-            </a:r>
-          </a:p>
-          <a:p>
+              <a:t>Push Notifications</a:t>
+            </a:r>
+          </a:p>
+          <a:p>
+            <a:pPr lvl="1"/>
+            <a:r>
+              <a:rPr lang="en-US" dirty="0" smtClean="0"/>
+              <a:t>Widgets</a:t>
+            </a:r>
+          </a:p>
+          <a:p>
+            <a:pPr lvl="1"/>
+            <a:r>
+              <a:rPr lang="en-US" dirty="0" smtClean="0"/>
+              <a:t>OpenGL!!!</a:t>
+            </a:r>
+          </a:p>
+          <a:p>
+            <a:pPr lvl="1"/>
+            <a:r>
+              <a:rPr lang="en-US" dirty="0" smtClean="0"/>
+              <a:t>So much cooler (from an Engineer’s perspective)</a:t>
+            </a:r>
             <a:endParaRPr lang="en-US" dirty="0"/>
           </a:p>
         </p:txBody>
@@ -9972,7 +10133,7 @@
           <a:p>
             <a:r>
               <a:rPr lang="en-US" dirty="0" smtClean="0"/>
-              <a:t>Mobile Web Apps</a:t>
+              <a:t>Native Apps</a:t>
             </a:r>
             <a:endParaRPr lang="en-US" dirty="0"/>
           </a:p>
@@ -9995,34 +10156,36 @@
           <a:p>
             <a:r>
               <a:rPr lang="en-US" dirty="0" smtClean="0"/>
-              <a:t>Wikipedia</a:t>
-            </a:r>
-          </a:p>
-          <a:p>
-            <a:r>
-              <a:rPr lang="en-US" dirty="0" err="1" smtClean="0"/>
-              <a:t>Untappd</a:t>
-            </a:r>
-            <a:endParaRPr lang="en-US" dirty="0" smtClean="0"/>
-          </a:p>
-          <a:p>
-            <a:r>
-              <a:rPr lang="en-US" dirty="0" smtClean="0"/>
-              <a:t>BBC Olympics</a:t>
-            </a:r>
-          </a:p>
-          <a:p>
-            <a:r>
-              <a:rPr lang="en-US" dirty="0" err="1" smtClean="0"/>
-              <a:t>HealthTap</a:t>
-            </a:r>
-            <a:endParaRPr lang="en-US" dirty="0" smtClean="0"/>
-          </a:p>
-          <a:p>
-            <a:endParaRPr lang="en-US" dirty="0" smtClean="0"/>
-          </a:p>
-          <a:p>
-            <a:endParaRPr lang="en-US" dirty="0"/>
+              <a:t>Cons</a:t>
+            </a:r>
+          </a:p>
+          <a:p>
+            <a:pPr lvl="1"/>
+            <a:r>
+              <a:rPr lang="en-US" dirty="0" smtClean="0"/>
+              <a:t>Shallow talent pool of developers</a:t>
+            </a:r>
+          </a:p>
+          <a:p>
+            <a:pPr lvl="1"/>
+            <a:r>
+              <a:rPr lang="en-US" dirty="0" smtClean="0"/>
+              <a:t>4 platforms, 4 development efforts</a:t>
+            </a:r>
+          </a:p>
+          <a:p>
+            <a:pPr lvl="1"/>
+            <a:r>
+              <a:rPr lang="en-US" dirty="0" smtClean="0"/>
+              <a:t>Longer development time (sometimes)</a:t>
+            </a:r>
+          </a:p>
+          <a:p>
+            <a:pPr lvl="1"/>
+            <a:r>
+              <a:rPr lang="en-US" dirty="0" smtClean="0"/>
+              <a:t>Expensive</a:t>
+            </a:r>
           </a:p>
         </p:txBody>
       </p:sp>
@@ -10068,7 +10231,7 @@
           <a:p>
             <a:r>
               <a:rPr lang="en-US" dirty="0" smtClean="0"/>
-              <a:t>Hybrid Apps</a:t>
+              <a:t>Native Apps Examples</a:t>
             </a:r>
             <a:endParaRPr lang="en-US" dirty="0"/>
           </a:p>
@@ -10091,28 +10254,15 @@
           <a:p>
             <a:r>
               <a:rPr lang="en-US" dirty="0" smtClean="0"/>
-              <a:t>Still native, but makes use of Web Views</a:t>
-            </a:r>
-          </a:p>
-          <a:p>
-            <a:r>
-              <a:rPr lang="en-US" dirty="0" smtClean="0"/>
-              <a:t>Pros</a:t>
-            </a:r>
-          </a:p>
-          <a:p>
-            <a:pPr lvl="1"/>
-            <a:r>
-              <a:rPr lang="en-US" dirty="0" smtClean="0"/>
-              <a:t>Get your native on</a:t>
-            </a:r>
-          </a:p>
-          <a:p>
-            <a:pPr lvl="1"/>
-            <a:r>
-              <a:rPr lang="en-US" dirty="0" smtClean="0"/>
-              <a:t>Your dynamic content </a:t>
-            </a:r>
+              <a:t>Almost every mobile game out there</a:t>
+            </a:r>
+          </a:p>
+          <a:p>
+            <a:r>
+              <a:rPr lang="en-US" dirty="0" smtClean="0"/>
+              <a:t>Most apps (will make sense in a second… seriously, wait for it…)</a:t>
+            </a:r>
+            <a:endParaRPr lang="en-US" dirty="0"/>
           </a:p>
         </p:txBody>
       </p:sp>
@@ -10220,7 +10370,7 @@
                 <a:ea typeface="+mj-ea"/>
                 <a:cs typeface="+mj-cs"/>
               </a:rPr>
-              <a:t>Mobile </a:t>
+              <a:t>The Mobile</a:t>
             </a:r>
             <a:r>
               <a:rPr lang="en-US" sz="4400" b="1" dirty="0" smtClean="0">
@@ -10228,7 +10378,7 @@
                 <a:ea typeface="+mj-ea"/>
                 <a:cs typeface="+mj-cs"/>
               </a:rPr>
-              <a:t>Capabilities</a:t>
+              <a:t> Future</a:t>
             </a:r>
             <a:endParaRPr kumimoji="0" lang="en-US" sz="4400" b="0" i="0" u="none" strike="noStrike" kern="1200" cap="none" spc="0" normalizeH="0" baseline="0" noProof="0" dirty="0">
               <a:ln>
@@ -10278,11 +10428,7 @@
               <a:t>“The era of mobile computing… is outpacing both the PC revolution of the 1980s and the Internet Boom of the 1990s.” </a:t>
             </a:r>
             <a:r>
-              <a:rPr lang="en-US" i="1" dirty="0" smtClean="0">
-                <a:solidFill>
-                  <a:srgbClr val="FFFFFF"/>
-                </a:solidFill>
-              </a:rPr>
+              <a:rPr lang="en-US" b="1" i="1" dirty="0" smtClean="0"/>
               <a:t>- Charles Newark-French</a:t>
             </a:r>
           </a:p>
@@ -10337,7 +10483,7 @@
           <a:p>
             <a:r>
               <a:rPr lang="en-US" dirty="0" smtClean="0"/>
-              <a:t>Hybrid Apps</a:t>
+              <a:t>Mobile Web App Frameworks</a:t>
             </a:r>
             <a:endParaRPr lang="en-US" dirty="0"/>
           </a:p>
@@ -10355,12 +10501,14 @@
         </p:nvSpPr>
         <p:spPr/>
         <p:txBody>
-          <a:bodyPr/>
-          <a:lstStyle/>
-          <a:p>
-            <a:r>
-              <a:rPr lang="en-US" dirty="0" smtClean="0"/>
-              <a:t>Still native, but makes use of Web Views</a:t>
+          <a:bodyPr>
+            <a:normAutofit lnSpcReduction="10000"/>
+          </a:bodyPr>
+          <a:lstStyle/>
+          <a:p>
+            <a:r>
+              <a:rPr lang="en-US" dirty="0" smtClean="0"/>
+              <a:t>Phone Gap (now Apache Cordova)</a:t>
             </a:r>
           </a:p>
           <a:p>
@@ -10373,22 +10521,53 @@
             <a:pPr lvl="1"/>
             <a:r>
               <a:rPr lang="en-US" dirty="0" smtClean="0"/>
-              <a:t>Get your native on</a:t>
+              <a:t>Opens up a serious subset of Native capabilities</a:t>
             </a:r>
           </a:p>
           <a:p>
             <a:pPr lvl="1"/>
             <a:r>
               <a:rPr lang="en-US" dirty="0" smtClean="0"/>
-              <a:t>Web Views can re-leverage your web content</a:t>
+              <a:t>Deeper Talent Pool</a:t>
             </a:r>
           </a:p>
           <a:p>
             <a:pPr lvl="1"/>
             <a:r>
               <a:rPr lang="en-US" dirty="0" smtClean="0"/>
-              <a:t>Flexible</a:t>
-            </a:r>
+              <a:t>Much quicker development time</a:t>
+            </a:r>
+          </a:p>
+          <a:p>
+            <a:pPr lvl="1"/>
+            <a:r>
+              <a:rPr lang="en-US" dirty="0" smtClean="0"/>
+              <a:t>Leverages HTML5, CSS3 and JavaScript</a:t>
+            </a:r>
+          </a:p>
+          <a:p>
+            <a:pPr lvl="1"/>
+            <a:r>
+              <a:rPr lang="en-US" dirty="0" smtClean="0"/>
+              <a:t>4 platforms, 1 development effort</a:t>
+            </a:r>
+          </a:p>
+          <a:p>
+            <a:pPr lvl="1"/>
+            <a:r>
+              <a:rPr lang="en-US" dirty="0" smtClean="0"/>
+              <a:t>Easier Maintenance</a:t>
+            </a:r>
+          </a:p>
+          <a:p>
+            <a:pPr lvl="1"/>
+            <a:r>
+              <a:rPr lang="en-US" dirty="0" smtClean="0"/>
+              <a:t>Open Source</a:t>
+            </a:r>
+          </a:p>
+          <a:p>
+            <a:endParaRPr lang="en-US" dirty="0"/>
           </a:p>
         </p:txBody>
       </p:sp>
@@ -10434,7 +10613,7 @@
           <a:p>
             <a:r>
               <a:rPr lang="en-US" dirty="0" smtClean="0"/>
-              <a:t>Hybrid App Examples</a:t>
+              <a:t>Mobile Web App Frameworks</a:t>
             </a:r>
             <a:endParaRPr lang="en-US" dirty="0"/>
           </a:p>
@@ -10456,37 +10635,64 @@
           <a:lstStyle/>
           <a:p>
             <a:r>
+              <a:rPr lang="en-US" dirty="0" smtClean="0"/>
+              <a:t>Phone Gap (now Apache Cordova)</a:t>
+            </a:r>
+          </a:p>
+          <a:p>
+            <a:r>
+              <a:rPr lang="en-US" dirty="0" smtClean="0"/>
+              <a:t>Cons</a:t>
+            </a:r>
+          </a:p>
+          <a:p>
+            <a:pPr lvl="1"/>
+            <a:r>
+              <a:rPr lang="en-US" dirty="0" smtClean="0"/>
+              <a:t>Not all sensors are represented</a:t>
+            </a:r>
+          </a:p>
+          <a:p>
+            <a:pPr lvl="1"/>
+            <a:r>
+              <a:rPr lang="en-US" dirty="0" smtClean="0"/>
+              <a:t>Not as smooth as Native</a:t>
+            </a:r>
+          </a:p>
+          <a:p>
+            <a:pPr lvl="1"/>
+            <a:r>
+              <a:rPr lang="en-US" dirty="0" smtClean="0"/>
+              <a:t>Effort required to make it not look like a Phone Gap app</a:t>
+            </a:r>
+          </a:p>
+          <a:p>
+            <a:pPr lvl="1"/>
+            <a:r>
+              <a:rPr lang="en-US" dirty="0" smtClean="0"/>
+              <a:t>Does not play well with Native Code</a:t>
+            </a:r>
+          </a:p>
+          <a:p>
+            <a:pPr lvl="1"/>
+            <a:r>
               <a:rPr lang="en-US" dirty="0" err="1" smtClean="0"/>
-              <a:t>Flipboard</a:t>
+              <a:t>iOS</a:t>
+            </a:r>
+            <a:r>
+              <a:rPr lang="en-US" dirty="0" smtClean="0"/>
+              <a:t> : No Core Data </a:t>
+            </a:r>
+            <a:r>
+              <a:rPr lang="en-US" dirty="0" err="1" smtClean="0">
+                <a:sym typeface="Wingdings"/>
+              </a:rPr>
+              <a:t></a:t>
             </a:r>
             <a:endParaRPr lang="en-US" dirty="0" smtClean="0"/>
           </a:p>
           <a:p>
-            <a:r>
-              <a:rPr lang="en-US" dirty="0" err="1" smtClean="0"/>
-              <a:t>Instagram</a:t>
-            </a:r>
-            <a:endParaRPr lang="en-US" dirty="0" smtClean="0"/>
-          </a:p>
-          <a:p>
-            <a:r>
-              <a:rPr lang="en-US" dirty="0" smtClean="0"/>
-              <a:t>LinkedIn</a:t>
-            </a:r>
-          </a:p>
-          <a:p>
-            <a:r>
-              <a:rPr lang="en-US" dirty="0" err="1" smtClean="0"/>
-              <a:t>Facebook</a:t>
-            </a:r>
-            <a:endParaRPr lang="en-US" dirty="0" smtClean="0"/>
-          </a:p>
-          <a:p>
-            <a:r>
-              <a:rPr lang="en-US" dirty="0" smtClean="0"/>
-              <a:t>Yelp</a:t>
-            </a:r>
-            <a:endParaRPr lang="en-US" dirty="0" smtClean="0"/>
+            <a:endParaRPr lang="en-US" dirty="0"/>
           </a:p>
         </p:txBody>
       </p:sp>
@@ -10499,6 +10705,576 @@
 </file>
 
 <file path=ppt/slides/slide42.xml><?xml version="1.0" encoding="utf-8"?>
+<p:sld xmlns:a="http://schemas.openxmlformats.org/drawingml/2006/main" xmlns:r="http://schemas.openxmlformats.org/officeDocument/2006/relationships" xmlns:mc="http://schemas.openxmlformats.org/markup-compatibility/2006" xmlns:mv="urn:schemas-microsoft-com:mac:vml" xmlns:p="http://schemas.openxmlformats.org/presentationml/2006/main" mc:Ignorable="mv" mc:PreserveAttributes="mv:*">
+  <p:cSld>
+    <p:spTree>
+      <p:nvGrpSpPr>
+        <p:cNvPr id="1" name=""/>
+        <p:cNvGrpSpPr/>
+        <p:nvPr/>
+      </p:nvGrpSpPr>
+      <p:grpSpPr>
+        <a:xfrm>
+          <a:off x="0" y="0"/>
+          <a:ext cx="0" cy="0"/>
+          <a:chOff x="0" y="0"/>
+          <a:chExt cx="0" cy="0"/>
+        </a:xfrm>
+      </p:grpSpPr>
+      <p:sp>
+        <p:nvSpPr>
+          <p:cNvPr id="2" name="Title 1"/>
+          <p:cNvSpPr>
+            <a:spLocks noGrp="1"/>
+          </p:cNvSpPr>
+          <p:nvPr>
+            <p:ph type="title"/>
+          </p:nvPr>
+        </p:nvSpPr>
+        <p:spPr/>
+        <p:txBody>
+          <a:bodyPr>
+            <a:normAutofit fontScale="90000"/>
+          </a:bodyPr>
+          <a:lstStyle/>
+          <a:p>
+            <a:r>
+              <a:rPr lang="en-US" dirty="0" smtClean="0"/>
+              <a:t>Other Mobile Web App Frameworks</a:t>
+            </a:r>
+            <a:endParaRPr lang="en-US" dirty="0"/>
+          </a:p>
+        </p:txBody>
+      </p:sp>
+      <p:sp>
+        <p:nvSpPr>
+          <p:cNvPr id="3" name="Content Placeholder 2"/>
+          <p:cNvSpPr>
+            <a:spLocks noGrp="1"/>
+          </p:cNvSpPr>
+          <p:nvPr>
+            <p:ph idx="1"/>
+          </p:nvPr>
+        </p:nvSpPr>
+        <p:spPr/>
+        <p:txBody>
+          <a:bodyPr>
+            <a:normAutofit fontScale="92500" lnSpcReduction="20000"/>
+          </a:bodyPr>
+          <a:lstStyle/>
+          <a:p>
+            <a:r>
+              <a:rPr lang="en-US" dirty="0" err="1" smtClean="0"/>
+              <a:t>jQuery</a:t>
+            </a:r>
+            <a:r>
+              <a:rPr lang="en-US" dirty="0" smtClean="0"/>
+              <a:t> Mobile</a:t>
+            </a:r>
+          </a:p>
+          <a:p>
+            <a:pPr lvl="1"/>
+            <a:r>
+              <a:rPr lang="en-US" dirty="0" smtClean="0"/>
+              <a:t>Awesome, free and Open Source</a:t>
+            </a:r>
+          </a:p>
+          <a:p>
+            <a:r>
+              <a:rPr lang="en-US" dirty="0" err="1" smtClean="0"/>
+              <a:t>Appcelerator’s</a:t>
+            </a:r>
+            <a:r>
+              <a:rPr lang="en-US" dirty="0" smtClean="0"/>
+              <a:t> Titanium</a:t>
+            </a:r>
+          </a:p>
+          <a:p>
+            <a:pPr lvl="1"/>
+            <a:r>
+              <a:rPr lang="en-US" dirty="0" smtClean="0"/>
+              <a:t>Pretty cool, but proprietary and expensive</a:t>
+            </a:r>
+          </a:p>
+          <a:p>
+            <a:r>
+              <a:rPr lang="en-US" dirty="0" err="1" smtClean="0"/>
+              <a:t>Sencha</a:t>
+            </a:r>
+            <a:r>
+              <a:rPr lang="en-US" dirty="0" smtClean="0"/>
+              <a:t> Touch</a:t>
+            </a:r>
+          </a:p>
+          <a:p>
+            <a:pPr lvl="1"/>
+            <a:r>
+              <a:rPr lang="en-US" dirty="0" smtClean="0"/>
+              <a:t>Also pretty cool. Cheaper alternative to Titanium.</a:t>
+            </a:r>
+          </a:p>
+          <a:p>
+            <a:pPr lvl="1"/>
+            <a:r>
+              <a:rPr lang="en-US" dirty="0" smtClean="0"/>
+              <a:t>Free for up to 5000 users.</a:t>
+            </a:r>
+          </a:p>
+          <a:p>
+            <a:r>
+              <a:rPr lang="en-US" dirty="0" err="1" smtClean="0"/>
+              <a:t>Tiggzi</a:t>
+            </a:r>
+            <a:endParaRPr lang="en-US" dirty="0" smtClean="0"/>
+          </a:p>
+          <a:p>
+            <a:pPr lvl="1"/>
+            <a:r>
+              <a:rPr lang="en-US" dirty="0" err="1" smtClean="0"/>
+              <a:t>Hella</a:t>
+            </a:r>
+            <a:r>
+              <a:rPr lang="en-US" dirty="0" smtClean="0"/>
+              <a:t> cool cloud-based mobile web app IDE</a:t>
+            </a:r>
+          </a:p>
+          <a:p>
+            <a:pPr lvl="1"/>
+            <a:r>
+              <a:rPr lang="en-US" dirty="0" smtClean="0"/>
+              <a:t>Uses Apache Cordova (</a:t>
+            </a:r>
+            <a:r>
+              <a:rPr lang="en-US" dirty="0" err="1" smtClean="0"/>
+              <a:t>PhoneGap</a:t>
+            </a:r>
+            <a:r>
+              <a:rPr lang="en-US" dirty="0" smtClean="0"/>
+              <a:t>)</a:t>
+            </a:r>
+          </a:p>
+          <a:p>
+            <a:endParaRPr lang="en-US" dirty="0"/>
+          </a:p>
+        </p:txBody>
+      </p:sp>
+    </p:spTree>
+  </p:cSld>
+  <p:clrMapOvr>
+    <a:masterClrMapping/>
+  </p:clrMapOvr>
+</p:sld>
+</file>
+
+<file path=ppt/slides/slide43.xml><?xml version="1.0" encoding="utf-8"?>
+<p:sld xmlns:a="http://schemas.openxmlformats.org/drawingml/2006/main" xmlns:r="http://schemas.openxmlformats.org/officeDocument/2006/relationships" xmlns:mc="http://schemas.openxmlformats.org/markup-compatibility/2006" xmlns:mv="urn:schemas-microsoft-com:mac:vml" xmlns:p="http://schemas.openxmlformats.org/presentationml/2006/main" mc:Ignorable="mv" mc:PreserveAttributes="mv:*">
+  <p:cSld>
+    <p:spTree>
+      <p:nvGrpSpPr>
+        <p:cNvPr id="1" name=""/>
+        <p:cNvGrpSpPr/>
+        <p:nvPr/>
+      </p:nvGrpSpPr>
+      <p:grpSpPr>
+        <a:xfrm>
+          <a:off x="0" y="0"/>
+          <a:ext cx="0" cy="0"/>
+          <a:chOff x="0" y="0"/>
+          <a:chExt cx="0" cy="0"/>
+        </a:xfrm>
+      </p:grpSpPr>
+      <p:sp>
+        <p:nvSpPr>
+          <p:cNvPr id="2" name="Title 1"/>
+          <p:cNvSpPr>
+            <a:spLocks noGrp="1"/>
+          </p:cNvSpPr>
+          <p:nvPr>
+            <p:ph type="title"/>
+          </p:nvPr>
+        </p:nvSpPr>
+        <p:spPr/>
+        <p:txBody>
+          <a:bodyPr/>
+          <a:lstStyle/>
+          <a:p>
+            <a:r>
+              <a:rPr lang="en-US" dirty="0" smtClean="0"/>
+              <a:t>Mobile Web App Examples</a:t>
+            </a:r>
+            <a:endParaRPr lang="en-US" dirty="0"/>
+          </a:p>
+        </p:txBody>
+      </p:sp>
+      <p:sp>
+        <p:nvSpPr>
+          <p:cNvPr id="3" name="Content Placeholder 2"/>
+          <p:cNvSpPr>
+            <a:spLocks noGrp="1"/>
+          </p:cNvSpPr>
+          <p:nvPr>
+            <p:ph idx="1"/>
+          </p:nvPr>
+        </p:nvSpPr>
+        <p:spPr/>
+        <p:txBody>
+          <a:bodyPr/>
+          <a:lstStyle/>
+          <a:p>
+            <a:r>
+              <a:rPr lang="en-US" dirty="0" smtClean="0"/>
+              <a:t>Wikipedia</a:t>
+            </a:r>
+          </a:p>
+          <a:p>
+            <a:r>
+              <a:rPr lang="en-US" dirty="0" err="1" smtClean="0"/>
+              <a:t>Untappd</a:t>
+            </a:r>
+            <a:endParaRPr lang="en-US" dirty="0" smtClean="0"/>
+          </a:p>
+          <a:p>
+            <a:r>
+              <a:rPr lang="en-US" dirty="0" smtClean="0"/>
+              <a:t>BBC Olympics</a:t>
+            </a:r>
+          </a:p>
+          <a:p>
+            <a:r>
+              <a:rPr lang="en-US" dirty="0" err="1" smtClean="0"/>
+              <a:t>HealthTap</a:t>
+            </a:r>
+            <a:endParaRPr lang="en-US" dirty="0" smtClean="0"/>
+          </a:p>
+          <a:p>
+            <a:endParaRPr lang="en-US" dirty="0" smtClean="0"/>
+          </a:p>
+          <a:p>
+            <a:endParaRPr lang="en-US" dirty="0"/>
+          </a:p>
+        </p:txBody>
+      </p:sp>
+    </p:spTree>
+  </p:cSld>
+  <p:clrMapOvr>
+    <a:masterClrMapping/>
+  </p:clrMapOvr>
+</p:sld>
+</file>
+
+<file path=ppt/slides/slide44.xml><?xml version="1.0" encoding="utf-8"?>
+<p:sld xmlns:a="http://schemas.openxmlformats.org/drawingml/2006/main" xmlns:r="http://schemas.openxmlformats.org/officeDocument/2006/relationships" xmlns:mc="http://schemas.openxmlformats.org/markup-compatibility/2006" xmlns:mv="urn:schemas-microsoft-com:mac:vml" xmlns:p="http://schemas.openxmlformats.org/presentationml/2006/main" mc:Ignorable="mv" mc:PreserveAttributes="mv:*">
+  <p:cSld>
+    <p:spTree>
+      <p:nvGrpSpPr>
+        <p:cNvPr id="1" name=""/>
+        <p:cNvGrpSpPr/>
+        <p:nvPr/>
+      </p:nvGrpSpPr>
+      <p:grpSpPr>
+        <a:xfrm>
+          <a:off x="0" y="0"/>
+          <a:ext cx="0" cy="0"/>
+          <a:chOff x="0" y="0"/>
+          <a:chExt cx="0" cy="0"/>
+        </a:xfrm>
+      </p:grpSpPr>
+      <p:sp>
+        <p:nvSpPr>
+          <p:cNvPr id="2" name="Title 1"/>
+          <p:cNvSpPr>
+            <a:spLocks noGrp="1"/>
+          </p:cNvSpPr>
+          <p:nvPr>
+            <p:ph type="title"/>
+          </p:nvPr>
+        </p:nvSpPr>
+        <p:spPr/>
+        <p:txBody>
+          <a:bodyPr/>
+          <a:lstStyle/>
+          <a:p>
+            <a:r>
+              <a:rPr lang="en-US" dirty="0" smtClean="0"/>
+              <a:t>Hybrid Apps</a:t>
+            </a:r>
+            <a:endParaRPr lang="en-US" dirty="0"/>
+          </a:p>
+        </p:txBody>
+      </p:sp>
+      <p:sp>
+        <p:nvSpPr>
+          <p:cNvPr id="3" name="Content Placeholder 2"/>
+          <p:cNvSpPr>
+            <a:spLocks noGrp="1"/>
+          </p:cNvSpPr>
+          <p:nvPr>
+            <p:ph idx="1"/>
+          </p:nvPr>
+        </p:nvSpPr>
+        <p:spPr/>
+        <p:txBody>
+          <a:bodyPr>
+            <a:normAutofit lnSpcReduction="10000"/>
+          </a:bodyPr>
+          <a:lstStyle/>
+          <a:p>
+            <a:r>
+              <a:rPr lang="en-US" dirty="0" smtClean="0"/>
+              <a:t>Native experience with dynami</a:t>
+            </a:r>
+            <a:r>
+              <a:rPr lang="en-US" dirty="0" smtClean="0"/>
+              <a:t>c web content</a:t>
+            </a:r>
+            <a:endParaRPr lang="en-US" dirty="0" smtClean="0"/>
+          </a:p>
+          <a:p>
+            <a:r>
+              <a:rPr lang="en-US" dirty="0" smtClean="0"/>
+              <a:t>Pros</a:t>
+            </a:r>
+            <a:endParaRPr lang="en-US" dirty="0" smtClean="0"/>
+          </a:p>
+          <a:p>
+            <a:pPr lvl="1"/>
+            <a:r>
+              <a:rPr lang="en-US" dirty="0" smtClean="0"/>
+              <a:t>Get your native </a:t>
+            </a:r>
+            <a:r>
+              <a:rPr lang="en-US" dirty="0" smtClean="0"/>
+              <a:t>on</a:t>
+            </a:r>
+          </a:p>
+          <a:p>
+            <a:pPr lvl="1"/>
+            <a:r>
+              <a:rPr lang="en-US" dirty="0" smtClean="0"/>
+              <a:t>Smoother user </a:t>
+            </a:r>
+            <a:r>
+              <a:rPr lang="en-US" dirty="0" smtClean="0"/>
+              <a:t>experience</a:t>
+            </a:r>
+            <a:endParaRPr lang="en-US" dirty="0" smtClean="0"/>
+          </a:p>
+          <a:p>
+            <a:pPr lvl="1"/>
+            <a:r>
+              <a:rPr lang="en-US" dirty="0" smtClean="0"/>
+              <a:t>Web Views can re-leverage your</a:t>
+            </a:r>
+            <a:r>
+              <a:rPr lang="en-US" dirty="0" smtClean="0"/>
+              <a:t> already existing web </a:t>
+            </a:r>
+            <a:r>
+              <a:rPr lang="en-US" dirty="0" smtClean="0"/>
+              <a:t>content</a:t>
+            </a:r>
+            <a:endParaRPr lang="en-US" dirty="0" smtClean="0"/>
+          </a:p>
+          <a:p>
+            <a:pPr lvl="1"/>
+            <a:r>
+              <a:rPr lang="en-US" dirty="0" smtClean="0"/>
+              <a:t>Really, really flexible</a:t>
+            </a:r>
+          </a:p>
+          <a:p>
+            <a:pPr lvl="1"/>
+            <a:r>
+              <a:rPr lang="en-US" dirty="0" smtClean="0"/>
+              <a:t>Cost efficiency in between Mobile Web Apps and Full native</a:t>
+            </a:r>
+          </a:p>
+        </p:txBody>
+      </p:sp>
+    </p:spTree>
+  </p:cSld>
+  <p:clrMapOvr>
+    <a:masterClrMapping/>
+  </p:clrMapOvr>
+</p:sld>
+</file>
+
+<file path=ppt/slides/slide45.xml><?xml version="1.0" encoding="utf-8"?>
+<p:sld xmlns:a="http://schemas.openxmlformats.org/drawingml/2006/main" xmlns:r="http://schemas.openxmlformats.org/officeDocument/2006/relationships" xmlns:mc="http://schemas.openxmlformats.org/markup-compatibility/2006" xmlns:mv="urn:schemas-microsoft-com:mac:vml" xmlns:p="http://schemas.openxmlformats.org/presentationml/2006/main" mc:Ignorable="mv" mc:PreserveAttributes="mv:*">
+  <p:cSld>
+    <p:spTree>
+      <p:nvGrpSpPr>
+        <p:cNvPr id="1" name=""/>
+        <p:cNvGrpSpPr/>
+        <p:nvPr/>
+      </p:nvGrpSpPr>
+      <p:grpSpPr>
+        <a:xfrm>
+          <a:off x="0" y="0"/>
+          <a:ext cx="0" cy="0"/>
+          <a:chOff x="0" y="0"/>
+          <a:chExt cx="0" cy="0"/>
+        </a:xfrm>
+      </p:grpSpPr>
+      <p:sp>
+        <p:nvSpPr>
+          <p:cNvPr id="2" name="Title 1"/>
+          <p:cNvSpPr>
+            <a:spLocks noGrp="1"/>
+          </p:cNvSpPr>
+          <p:nvPr>
+            <p:ph type="title"/>
+          </p:nvPr>
+        </p:nvSpPr>
+        <p:spPr/>
+        <p:txBody>
+          <a:bodyPr/>
+          <a:lstStyle/>
+          <a:p>
+            <a:r>
+              <a:rPr lang="en-US" dirty="0" smtClean="0"/>
+              <a:t>Hybrid Apps</a:t>
+            </a:r>
+            <a:endParaRPr lang="en-US" dirty="0"/>
+          </a:p>
+        </p:txBody>
+      </p:sp>
+      <p:sp>
+        <p:nvSpPr>
+          <p:cNvPr id="3" name="Content Placeholder 2"/>
+          <p:cNvSpPr>
+            <a:spLocks noGrp="1"/>
+          </p:cNvSpPr>
+          <p:nvPr>
+            <p:ph idx="1"/>
+          </p:nvPr>
+        </p:nvSpPr>
+        <p:spPr/>
+        <p:txBody>
+          <a:bodyPr/>
+          <a:lstStyle/>
+          <a:p>
+            <a:r>
+              <a:rPr lang="en-US" dirty="0" smtClean="0"/>
+              <a:t>Cons</a:t>
+            </a:r>
+          </a:p>
+          <a:p>
+            <a:pPr lvl="1"/>
+            <a:r>
+              <a:rPr lang="en-US" dirty="0" smtClean="0"/>
+              <a:t>Still requires four separate development efforts for the app itself, but not the content.</a:t>
+            </a:r>
+            <a:endParaRPr lang="en-US" dirty="0" smtClean="0"/>
+          </a:p>
+        </p:txBody>
+      </p:sp>
+    </p:spTree>
+  </p:cSld>
+  <p:clrMapOvr>
+    <a:masterClrMapping/>
+  </p:clrMapOvr>
+</p:sld>
+</file>
+
+<file path=ppt/slides/slide46.xml><?xml version="1.0" encoding="utf-8"?>
+<p:sld xmlns:a="http://schemas.openxmlformats.org/drawingml/2006/main" xmlns:r="http://schemas.openxmlformats.org/officeDocument/2006/relationships" xmlns:mc="http://schemas.openxmlformats.org/markup-compatibility/2006" xmlns:mv="urn:schemas-microsoft-com:mac:vml" xmlns:p="http://schemas.openxmlformats.org/presentationml/2006/main" mc:Ignorable="mv" mc:PreserveAttributes="mv:*">
+  <p:cSld>
+    <p:spTree>
+      <p:nvGrpSpPr>
+        <p:cNvPr id="1" name=""/>
+        <p:cNvGrpSpPr/>
+        <p:nvPr/>
+      </p:nvGrpSpPr>
+      <p:grpSpPr>
+        <a:xfrm>
+          <a:off x="0" y="0"/>
+          <a:ext cx="0" cy="0"/>
+          <a:chOff x="0" y="0"/>
+          <a:chExt cx="0" cy="0"/>
+        </a:xfrm>
+      </p:grpSpPr>
+      <p:sp>
+        <p:nvSpPr>
+          <p:cNvPr id="2" name="Title 1"/>
+          <p:cNvSpPr>
+            <a:spLocks noGrp="1"/>
+          </p:cNvSpPr>
+          <p:nvPr>
+            <p:ph type="title"/>
+          </p:nvPr>
+        </p:nvSpPr>
+        <p:spPr/>
+        <p:txBody>
+          <a:bodyPr/>
+          <a:lstStyle/>
+          <a:p>
+            <a:r>
+              <a:rPr lang="en-US" dirty="0" smtClean="0"/>
+              <a:t>Hybrid App Examples</a:t>
+            </a:r>
+            <a:endParaRPr lang="en-US" dirty="0"/>
+          </a:p>
+        </p:txBody>
+      </p:sp>
+      <p:sp>
+        <p:nvSpPr>
+          <p:cNvPr id="3" name="Content Placeholder 2"/>
+          <p:cNvSpPr>
+            <a:spLocks noGrp="1"/>
+          </p:cNvSpPr>
+          <p:nvPr>
+            <p:ph idx="1"/>
+          </p:nvPr>
+        </p:nvSpPr>
+        <p:spPr/>
+        <p:txBody>
+          <a:bodyPr/>
+          <a:lstStyle/>
+          <a:p>
+            <a:r>
+              <a:rPr lang="en-US" dirty="0" err="1" smtClean="0"/>
+              <a:t>Flipboard</a:t>
+            </a:r>
+            <a:endParaRPr lang="en-US" dirty="0" smtClean="0"/>
+          </a:p>
+          <a:p>
+            <a:r>
+              <a:rPr lang="en-US" dirty="0" err="1" smtClean="0"/>
+              <a:t>Instagram</a:t>
+            </a:r>
+            <a:endParaRPr lang="en-US" dirty="0" smtClean="0"/>
+          </a:p>
+          <a:p>
+            <a:r>
+              <a:rPr lang="en-US" dirty="0" smtClean="0"/>
+              <a:t>LinkedIn</a:t>
+            </a:r>
+          </a:p>
+          <a:p>
+            <a:r>
+              <a:rPr lang="en-US" dirty="0" err="1" smtClean="0"/>
+              <a:t>Facebook</a:t>
+            </a:r>
+            <a:endParaRPr lang="en-US" dirty="0" smtClean="0"/>
+          </a:p>
+          <a:p>
+            <a:r>
+              <a:rPr lang="en-US" dirty="0" smtClean="0"/>
+              <a:t>Yelp</a:t>
+            </a:r>
+          </a:p>
+        </p:txBody>
+      </p:sp>
+    </p:spTree>
+  </p:cSld>
+  <p:clrMapOvr>
+    <a:masterClrMapping/>
+  </p:clrMapOvr>
+</p:sld>
+</file>
+
+<file path=ppt/slides/slide47.xml><?xml version="1.0" encoding="utf-8"?>
 <p:sld xmlns:a="http://schemas.openxmlformats.org/drawingml/2006/main" xmlns:r="http://schemas.openxmlformats.org/officeDocument/2006/relationships" xmlns:mc="http://schemas.openxmlformats.org/markup-compatibility/2006" xmlns:mv="urn:schemas-microsoft-com:mac:vml" xmlns:p="http://schemas.openxmlformats.org/presentationml/2006/main" mc:Ignorable="mv" mc:PreserveAttributes="mv:*">
   <p:cSld>
     <p:spTree>
@@ -10585,23 +11361,7 @@
                   <a:srgbClr val="FFFFFF"/>
                 </a:solidFill>
               </a:rPr>
-              <a:t>Mobile use may</a:t>
-            </a:r>
-            <a:r>
-              <a:rPr lang="en-US" dirty="0" smtClean="0">
-                <a:solidFill>
-                  <a:srgbClr val="FFFFFF"/>
-                </a:solidFill>
-              </a:rPr>
-              <a:t> soon usurp </a:t>
-            </a:r>
-            <a:r>
-              <a:rPr lang="en-US" dirty="0" smtClean="0">
-                <a:solidFill>
-                  <a:srgbClr val="FFFFFF"/>
-                </a:solidFill>
-              </a:rPr>
-              <a:t>desktop/laptop use as the preferred experience.</a:t>
+              <a:t>Mobile use may soon usurp desktop/laptop use as the preferred experience.</a:t>
             </a:r>
           </a:p>
           <a:p>
@@ -10623,11 +11383,6 @@
               </a:rPr>
               <a:t>Mobile Devices are changing the way we develop.</a:t>
             </a:r>
-            <a:endParaRPr lang="en-US" dirty="0" smtClean="0">
-              <a:solidFill>
-                <a:srgbClr val="FFFFFF"/>
-              </a:solidFill>
-            </a:endParaRPr>
           </a:p>
           <a:p>
             <a:r>
@@ -10636,15 +11391,7 @@
                   <a:srgbClr val="FFFFFF"/>
                 </a:solidFill>
               </a:rPr>
-              <a:t>Ther</a:t>
-            </a:r>
-            <a:r>
-              <a:rPr lang="en-US" dirty="0" smtClean="0">
-                <a:solidFill>
-                  <a:srgbClr val="FFFFFF"/>
-                </a:solidFill>
-              </a:rPr>
-              <a:t>e are many ways to develop for mobile, but let your application requirements be your guide.</a:t>
+              <a:t>There are many ways to develop for mobile, but let your application requirements be your guide.</a:t>
             </a:r>
             <a:endParaRPr lang="en-US" dirty="0">
               <a:solidFill>
@@ -10669,7 +11416,7 @@
 </p:sld>
 </file>
 
-<file path=ppt/slides/slide43.xml><?xml version="1.0" encoding="utf-8"?>
+<file path=ppt/slides/slide48.xml><?xml version="1.0" encoding="utf-8"?>
 <p:sld xmlns:a="http://schemas.openxmlformats.org/drawingml/2006/main" xmlns:r="http://schemas.openxmlformats.org/officeDocument/2006/relationships" xmlns:mc="http://schemas.openxmlformats.org/markup-compatibility/2006" xmlns:mv="urn:schemas-microsoft-com:mac:vml" xmlns:p="http://schemas.openxmlformats.org/presentationml/2006/main" mc:Ignorable="mv" mc:PreserveAttributes="mv:*">
   <p:cSld>
     <p:spTree>
@@ -10727,7 +11474,7 @@
           <a:p>
             <a:r>
               <a:rPr lang="en-US" dirty="0" smtClean="0"/>
-              <a:t>A Quick Plug for SPARC</a:t>
+              <a:t>Finally… It’s Lab Time!</a:t>
             </a:r>
             <a:endParaRPr lang="en-US" dirty="0"/>
           </a:p>
@@ -10746,7 +11493,7 @@
         <p:spPr/>
         <p:txBody>
           <a:bodyPr>
-            <a:normAutofit fontScale="92500" lnSpcReduction="10000"/>
+            <a:normAutofit lnSpcReduction="10000"/>
           </a:bodyPr>
           <a:lstStyle/>
           <a:p>
@@ -10756,7 +11503,7 @@
                   <a:srgbClr val="FFFFFF"/>
                 </a:solidFill>
               </a:rPr>
-              <a:t>SPARC</a:t>
+              <a:t>We’re going to create an App using Phone Gap</a:t>
             </a:r>
           </a:p>
           <a:p>
@@ -10766,69 +11513,94 @@
                   <a:srgbClr val="FFFFFF"/>
                 </a:solidFill>
               </a:rPr>
-              <a:t>We build AWESOME stuffs</a:t>
-            </a:r>
-          </a:p>
-          <a:p>
+              <a:t>Android Geeks</a:t>
+            </a:r>
+          </a:p>
+          <a:p>
+            <a:pPr lvl="1"/>
             <a:r>
               <a:rPr lang="en-US" dirty="0" smtClean="0">
                 <a:solidFill>
                   <a:srgbClr val="FFFFFF"/>
                 </a:solidFill>
               </a:rPr>
-              <a:t>3 Flavors - Commercial, Federal/Defense and Product Development</a:t>
-            </a:r>
-          </a:p>
-          <a:p>
+              <a:t>Nothing to install</a:t>
+            </a:r>
+          </a:p>
+          <a:p>
+            <a:r>
+              <a:rPr lang="en-US" dirty="0" err="1" smtClean="0">
+                <a:solidFill>
+                  <a:srgbClr val="FFFFFF"/>
+                </a:solidFill>
+              </a:rPr>
+              <a:t>iOS</a:t>
+            </a:r>
             <a:r>
               <a:rPr lang="en-US" dirty="0" smtClean="0">
                 <a:solidFill>
                   <a:srgbClr val="FFFFFF"/>
                 </a:solidFill>
               </a:rPr>
-              <a:t>85% of us are Engineers</a:t>
-            </a:r>
-          </a:p>
-          <a:p>
+              <a:t> </a:t>
+            </a:r>
+            <a:r>
+              <a:rPr lang="en-US" dirty="0" err="1" smtClean="0">
+                <a:solidFill>
+                  <a:srgbClr val="FFFFFF"/>
+                </a:solidFill>
+              </a:rPr>
+              <a:t>Fanboys</a:t>
+            </a:r>
+            <a:endParaRPr lang="en-US" dirty="0" smtClean="0">
+              <a:solidFill>
+                <a:srgbClr val="FFFFFF"/>
+              </a:solidFill>
+            </a:endParaRPr>
+          </a:p>
+          <a:p>
+            <a:pPr lvl="1"/>
+            <a:r>
+              <a:rPr lang="en-US" dirty="0" smtClean="0">
+                <a:solidFill>
+                  <a:srgbClr val="FFFFFF"/>
+                </a:solidFill>
+                <a:hlinkClick r:id="rId4"/>
+              </a:rPr>
+              <a:t>http://docs.phonegap.com/en/2.0.0/guide_getting-started_ios_index.md.html#Getting%20Started%20with%20iOS</a:t>
+            </a:r>
+            <a:endParaRPr lang="en-US" dirty="0" smtClean="0">
+              <a:solidFill>
+                <a:srgbClr val="FFFFFF"/>
+              </a:solidFill>
+            </a:endParaRPr>
+          </a:p>
+          <a:p>
+            <a:r>
+              <a:rPr lang="en-US" dirty="0" err="1" smtClean="0">
+                <a:solidFill>
+                  <a:srgbClr val="FFFFFF"/>
+                </a:solidFill>
+              </a:rPr>
+              <a:t>git</a:t>
+            </a:r>
             <a:r>
               <a:rPr lang="en-US" dirty="0" smtClean="0">
                 <a:solidFill>
                   <a:srgbClr val="FFFFFF"/>
                 </a:solidFill>
               </a:rPr>
-              <a:t>Come follow the talent!</a:t>
-            </a:r>
-          </a:p>
-          <a:p>
-            <a:endParaRPr lang="en-US" dirty="0" smtClean="0">
-              <a:solidFill>
-                <a:srgbClr val="FFFFFF"/>
-              </a:solidFill>
-            </a:endParaRPr>
-          </a:p>
-          <a:p>
-            <a:r>
-              <a:rPr lang="en-US" dirty="0" smtClean="0">
+              <a:t> clone https://</a:t>
+            </a:r>
+            <a:r>
+              <a:rPr lang="en-US" dirty="0" err="1" smtClean="0">
                 <a:solidFill>
                   <a:srgbClr val="FFFFFF"/>
                 </a:solidFill>
               </a:rPr>
-              <a:t>http://www.sparcedge.com/careers/working-at-sparc</a:t>
-            </a:r>
-            <a:r>
-              <a:rPr lang="en-US" dirty="0" smtClean="0">
-                <a:solidFill>
-                  <a:srgbClr val="FFFFFF"/>
-                </a:solidFill>
-              </a:rPr>
-              <a:t>/</a:t>
-            </a:r>
-          </a:p>
-          <a:p>
-            <a:pPr>
-              <a:buNone/>
-            </a:pPr>
-            <a:endParaRPr lang="en-US" dirty="0">
+              <a:t>github.com/dostraco/SuperHappyDevDay.git</a:t>
+            </a:r>
+            <a:endParaRPr lang="en-US" dirty="0" smtClean="0">
               <a:solidFill>
                 <a:srgbClr val="FFFFFF"/>
               </a:solidFill>
@@ -10851,7 +11623,7 @@
 </p:sld>
 </file>
 
-<file path=ppt/slides/slide44.xml><?xml version="1.0" encoding="utf-8"?>
+<file path=ppt/slides/slide49.xml><?xml version="1.0" encoding="utf-8"?>
 <p:sld xmlns:a="http://schemas.openxmlformats.org/drawingml/2006/main" xmlns:r="http://schemas.openxmlformats.org/officeDocument/2006/relationships" xmlns:mc="http://schemas.openxmlformats.org/markup-compatibility/2006" xmlns:mv="urn:schemas-microsoft-com:mac:vml" xmlns:p="http://schemas.openxmlformats.org/presentationml/2006/main" mc:Ignorable="mv" mc:PreserveAttributes="mv:*">
   <p:cSld>
     <p:spTree>
@@ -10909,7 +11681,7 @@
           <a:p>
             <a:r>
               <a:rPr lang="en-US" dirty="0" smtClean="0"/>
-              <a:t>Questions?</a:t>
+              <a:t>A Quick Plug for SPARC</a:t>
             </a:r>
             <a:endParaRPr lang="en-US" dirty="0"/>
           </a:p>
@@ -10928,7 +11700,7 @@
         <p:spPr/>
         <p:txBody>
           <a:bodyPr>
-            <a:normAutofit/>
+            <a:normAutofit fontScale="92500" lnSpcReduction="10000"/>
           </a:bodyPr>
           <a:lstStyle/>
           <a:p>
@@ -10938,15 +11710,17 @@
                   <a:srgbClr val="FFFFFF"/>
                 </a:solidFill>
               </a:rPr>
-              <a:t>Presentation materia</a:t>
-            </a:r>
+              <a:t>SPARC</a:t>
+            </a:r>
+          </a:p>
+          <a:p>
             <a:r>
               <a:rPr lang="en-US" dirty="0" smtClean="0">
                 <a:solidFill>
                   <a:srgbClr val="FFFFFF"/>
                 </a:solidFill>
               </a:rPr>
-              <a:t>ls URL</a:t>
+              <a:t>We build AWESOME stuffs</a:t>
             </a:r>
           </a:p>
           <a:p>
@@ -10956,8 +11730,50 @@
                   <a:srgbClr val="FFFFFF"/>
                 </a:solidFill>
               </a:rPr>
-              <a:t>Code Stuffs URL</a:t>
-            </a:r>
+              <a:t>3 Flavors - Commercial, Federal/Defense and Product Development</a:t>
+            </a:r>
+          </a:p>
+          <a:p>
+            <a:r>
+              <a:rPr lang="en-US" dirty="0" smtClean="0">
+                <a:solidFill>
+                  <a:srgbClr val="FFFFFF"/>
+                </a:solidFill>
+              </a:rPr>
+              <a:t>85% of us are Engineers</a:t>
+            </a:r>
+          </a:p>
+          <a:p>
+            <a:r>
+              <a:rPr lang="en-US" dirty="0" smtClean="0">
+                <a:solidFill>
+                  <a:srgbClr val="FFFFFF"/>
+                </a:solidFill>
+              </a:rPr>
+              <a:t>Come follow the talent!</a:t>
+            </a:r>
+          </a:p>
+          <a:p>
+            <a:endParaRPr lang="en-US" dirty="0" smtClean="0">
+              <a:solidFill>
+                <a:srgbClr val="FFFFFF"/>
+              </a:solidFill>
+            </a:endParaRPr>
+          </a:p>
+          <a:p>
+            <a:r>
+              <a:rPr lang="en-US" dirty="0" smtClean="0">
+                <a:solidFill>
+                  <a:srgbClr val="FFFFFF"/>
+                </a:solidFill>
+              </a:rPr>
+              <a:t>http://www.sparcedge.com/careers/working-at-sparc/</a:t>
+            </a:r>
+          </a:p>
+          <a:p>
+            <a:pPr>
+              <a:buNone/>
+            </a:pPr>
             <a:endParaRPr lang="en-US" dirty="0">
               <a:solidFill>
                 <a:srgbClr val="FFFFFF"/>
@@ -11000,7 +11816,69 @@
       </p:grpSpPr>
       <p:sp>
         <p:nvSpPr>
-          <p:cNvPr id="2" name="Title 1"/>
+          <p:cNvPr id="4" name="TextBox 3"/>
+          <p:cNvSpPr txBox="1"/>
+          <p:nvPr/>
+        </p:nvSpPr>
+        <p:spPr>
+          <a:xfrm>
+            <a:off x="3632986" y="6596390"/>
+            <a:ext cx="5149192" cy="261610"/>
+          </a:xfrm>
+          <a:prstGeom prst="rect">
+            <a:avLst/>
+          </a:prstGeom>
+          <a:noFill/>
+        </p:spPr>
+        <p:txBody>
+          <a:bodyPr wrap="square" rtlCol="0">
+            <a:spAutoFit/>
+          </a:bodyPr>
+          <a:lstStyle/>
+          <a:p>
+            <a:pPr algn="r"/>
+            <a:r>
+              <a:rPr lang="en-US" sz="1100" dirty="0" smtClean="0">
+                <a:solidFill>
+                  <a:schemeClr val="tx1">
+                    <a:lumMod val="75000"/>
+                    <a:lumOff val="25000"/>
+                  </a:schemeClr>
+                </a:solidFill>
+                <a:latin typeface="Arial"/>
+                <a:cs typeface="Arial"/>
+              </a:rPr>
+              <a:t>sources: </a:t>
+            </a:r>
+            <a:r>
+              <a:rPr lang="en-US" sz="1100" dirty="0" err="1" smtClean="0">
+                <a:solidFill>
+                  <a:schemeClr val="tx1">
+                    <a:lumMod val="75000"/>
+                    <a:lumOff val="25000"/>
+                  </a:schemeClr>
+                </a:solidFill>
+                <a:latin typeface="Arial"/>
+                <a:cs typeface="Arial"/>
+              </a:rPr>
+              <a:t>Canalys</a:t>
+            </a:r>
+            <a:endParaRPr lang="en-US" sz="1100" dirty="0">
+              <a:solidFill>
+                <a:schemeClr val="tx1">
+                  <a:lumMod val="75000"/>
+                  <a:lumOff val="25000"/>
+                </a:schemeClr>
+              </a:solidFill>
+              <a:latin typeface="Arial"/>
+              <a:cs typeface="Arial"/>
+            </a:endParaRPr>
+          </a:p>
+        </p:txBody>
+      </p:sp>
+      <p:sp>
+        <p:nvSpPr>
+          <p:cNvPr id="5" name="Title 4"/>
           <p:cNvSpPr>
             <a:spLocks noGrp="1"/>
           </p:cNvSpPr>
@@ -11015,93 +11893,288 @@
           <a:p>
             <a:r>
               <a:rPr lang="en-US" dirty="0" smtClean="0"/>
-              <a:t>Sensory Perception</a:t>
+              <a:t>Mobile Growth (Boring Stats)</a:t>
             </a:r>
             <a:endParaRPr lang="en-US" dirty="0"/>
           </a:p>
         </p:txBody>
       </p:sp>
-      <p:sp>
-        <p:nvSpPr>
-          <p:cNvPr id="3" name="Content Placeholder 2"/>
-          <p:cNvSpPr>
-            <a:spLocks noGrp="1"/>
-          </p:cNvSpPr>
-          <p:nvPr>
-            <p:ph idx="1"/>
-          </p:nvPr>
-        </p:nvSpPr>
-        <p:spPr/>
-        <p:txBody>
-          <a:bodyPr/>
-          <a:lstStyle/>
-          <a:p>
-            <a:r>
-              <a:rPr lang="en-US" dirty="0" smtClean="0"/>
-              <a:t>Touch</a:t>
-            </a:r>
-          </a:p>
-          <a:p>
-            <a:r>
-              <a:rPr lang="en-US" dirty="0" err="1" smtClean="0"/>
-              <a:t>Camera(s</a:t>
-            </a:r>
-            <a:r>
-              <a:rPr lang="en-US" dirty="0" smtClean="0"/>
-              <a:t>)</a:t>
-            </a:r>
-          </a:p>
-          <a:p>
-            <a:r>
-              <a:rPr lang="en-US" dirty="0" smtClean="0"/>
-              <a:t>Gyroscope</a:t>
-            </a:r>
-          </a:p>
-          <a:p>
-            <a:r>
-              <a:rPr lang="en-US" dirty="0" smtClean="0"/>
-              <a:t>Location (GPS, </a:t>
-            </a:r>
-            <a:r>
-              <a:rPr lang="en-US" dirty="0" err="1" smtClean="0"/>
-              <a:t>WiFI</a:t>
-            </a:r>
-            <a:r>
-              <a:rPr lang="en-US" dirty="0" smtClean="0"/>
-              <a:t>, Carrier Tower)</a:t>
-            </a:r>
-          </a:p>
-          <a:p>
-            <a:r>
-              <a:rPr lang="en-US" dirty="0" smtClean="0"/>
-              <a:t>Compass</a:t>
-            </a:r>
-          </a:p>
-          <a:p>
-            <a:r>
-              <a:rPr lang="en-US" dirty="0" smtClean="0"/>
-              <a:t>Audio</a:t>
-            </a:r>
-          </a:p>
-          <a:p>
-            <a:r>
-              <a:rPr lang="en-US" dirty="0" smtClean="0"/>
-              <a:t>Bluetooth Communication</a:t>
-            </a:r>
-          </a:p>
-          <a:p>
-            <a:endParaRPr lang="en-US" dirty="0" smtClean="0"/>
-          </a:p>
-          <a:p>
-            <a:endParaRPr lang="en-US" dirty="0"/>
-          </a:p>
-        </p:txBody>
-      </p:sp>
+      <p:pic>
+        <p:nvPicPr>
+          <p:cNvPr id="6" name="Picture 5" descr="SPA-table-1-030212_0.png"/>
+          <p:cNvPicPr>
+            <a:picLocks noChangeAspect="1"/>
+          </p:cNvPicPr>
+          <p:nvPr/>
+        </p:nvPicPr>
+        <p:blipFill>
+          <a:blip r:embed="rId3"/>
+          <a:stretch>
+            <a:fillRect/>
+          </a:stretch>
+        </p:blipFill>
+        <p:spPr>
+          <a:xfrm>
+            <a:off x="457200" y="2021983"/>
+            <a:ext cx="8235052" cy="3837534"/>
+          </a:xfrm>
+          <a:prstGeom prst="rect">
+            <a:avLst/>
+          </a:prstGeom>
+        </p:spPr>
+      </p:pic>
     </p:spTree>
   </p:cSld>
   <p:clrMapOvr>
     <a:masterClrMapping/>
   </p:clrMapOvr>
+  <p:timing>
+    <p:tnLst>
+      <p:par>
+        <p:cTn id="1" dur="indefinite" restart="never" nodeType="tmRoot"/>
+      </p:par>
+    </p:tnLst>
+  </p:timing>
+</p:sld>
+</file>
+
+<file path=ppt/slides/slide50.xml><?xml version="1.0" encoding="utf-8"?>
+<p:sld xmlns:a="http://schemas.openxmlformats.org/drawingml/2006/main" xmlns:r="http://schemas.openxmlformats.org/officeDocument/2006/relationships" xmlns:mc="http://schemas.openxmlformats.org/markup-compatibility/2006" xmlns:mv="urn:schemas-microsoft-com:mac:vml" xmlns:p="http://schemas.openxmlformats.org/presentationml/2006/main" mc:Ignorable="mv" mc:PreserveAttributes="mv:*">
+  <p:cSld>
+    <p:spTree>
+      <p:nvGrpSpPr>
+        <p:cNvPr id="1" name=""/>
+        <p:cNvGrpSpPr/>
+        <p:nvPr/>
+      </p:nvGrpSpPr>
+      <p:grpSpPr>
+        <a:xfrm>
+          <a:off x="0" y="0"/>
+          <a:ext cx="0" cy="0"/>
+          <a:chOff x="0" y="0"/>
+          <a:chExt cx="0" cy="0"/>
+        </a:xfrm>
+      </p:grpSpPr>
+      <p:pic>
+        <p:nvPicPr>
+          <p:cNvPr id="5" name="Picture 4"/>
+          <p:cNvPicPr>
+            <a:picLocks noChangeAspect="1"/>
+          </p:cNvPicPr>
+          <p:nvPr/>
+        </p:nvPicPr>
+        <p:blipFill>
+          <a:blip r:embed="rId3"/>
+          <a:stretch>
+            <a:fillRect/>
+          </a:stretch>
+        </p:blipFill>
+        <p:spPr>
+          <a:xfrm>
+            <a:off x="-1" y="0"/>
+            <a:ext cx="9255019" cy="6941264"/>
+          </a:xfrm>
+          <a:prstGeom prst="rect">
+            <a:avLst/>
+          </a:prstGeom>
+        </p:spPr>
+      </p:pic>
+      <p:sp>
+        <p:nvSpPr>
+          <p:cNvPr id="2" name="Title 1"/>
+          <p:cNvSpPr>
+            <a:spLocks noGrp="1"/>
+          </p:cNvSpPr>
+          <p:nvPr>
+            <p:ph type="title"/>
+          </p:nvPr>
+        </p:nvSpPr>
+        <p:spPr/>
+        <p:txBody>
+          <a:bodyPr/>
+          <a:lstStyle/>
+          <a:p>
+            <a:r>
+              <a:rPr lang="en-US" dirty="0" smtClean="0"/>
+              <a:t>Questions?</a:t>
+            </a:r>
+            <a:endParaRPr lang="en-US" dirty="0"/>
+          </a:p>
+        </p:txBody>
+      </p:sp>
+      <p:sp>
+        <p:nvSpPr>
+          <p:cNvPr id="3" name="Content Placeholder 2"/>
+          <p:cNvSpPr>
+            <a:spLocks noGrp="1"/>
+          </p:cNvSpPr>
+          <p:nvPr>
+            <p:ph idx="1"/>
+          </p:nvPr>
+        </p:nvSpPr>
+        <p:spPr/>
+        <p:txBody>
+          <a:bodyPr>
+            <a:normAutofit/>
+          </a:bodyPr>
+          <a:lstStyle/>
+          <a:p>
+            <a:pPr>
+              <a:buNone/>
+            </a:pPr>
+            <a:r>
+              <a:rPr lang="en-US" dirty="0" smtClean="0">
+                <a:solidFill>
+                  <a:srgbClr val="FFFFFF"/>
+                </a:solidFill>
+              </a:rPr>
+              <a:t>My site - http://</a:t>
+            </a:r>
+            <a:r>
+              <a:rPr lang="en-US" dirty="0" err="1" smtClean="0">
+                <a:solidFill>
+                  <a:srgbClr val="FFFFFF"/>
+                </a:solidFill>
+              </a:rPr>
+              <a:t>dayelostra.co</a:t>
+            </a:r>
+            <a:endParaRPr lang="en-US" dirty="0" smtClean="0">
+              <a:solidFill>
+                <a:srgbClr val="FFFFFF"/>
+              </a:solidFill>
+            </a:endParaRPr>
+          </a:p>
+          <a:p>
+            <a:pPr>
+              <a:buNone/>
+            </a:pPr>
+            <a:r>
+              <a:rPr lang="en-US" dirty="0" smtClean="0">
+                <a:solidFill>
+                  <a:srgbClr val="FFFFFF"/>
+                </a:solidFill>
+              </a:rPr>
+              <a:t>My Email – </a:t>
+            </a:r>
+            <a:r>
+              <a:rPr lang="en-US" dirty="0" err="1" smtClean="0">
+                <a:solidFill>
+                  <a:srgbClr val="FFFFFF"/>
+                </a:solidFill>
+              </a:rPr>
+              <a:t>dayel.ostraco@sparcedge.com</a:t>
+            </a:r>
+            <a:endParaRPr lang="en-US" dirty="0" smtClean="0">
+              <a:solidFill>
+                <a:srgbClr val="FFFFFF"/>
+              </a:solidFill>
+            </a:endParaRPr>
+          </a:p>
+          <a:p>
+            <a:pPr>
+              <a:buNone/>
+            </a:pPr>
+            <a:r>
+              <a:rPr lang="en-US" dirty="0" smtClean="0">
+                <a:solidFill>
+                  <a:srgbClr val="FFFFFF"/>
+                </a:solidFill>
+              </a:rPr>
+              <a:t>My </a:t>
+            </a:r>
+            <a:r>
+              <a:rPr lang="en-US" dirty="0" err="1" smtClean="0">
+                <a:solidFill>
+                  <a:srgbClr val="FFFFFF"/>
+                </a:solidFill>
+              </a:rPr>
+              <a:t>GitHub</a:t>
+            </a:r>
+            <a:r>
+              <a:rPr lang="en-US" dirty="0" smtClean="0">
+                <a:solidFill>
+                  <a:srgbClr val="FFFFFF"/>
+                </a:solidFill>
+              </a:rPr>
+              <a:t> - http://</a:t>
+            </a:r>
+            <a:r>
+              <a:rPr lang="en-US" dirty="0" err="1" smtClean="0">
+                <a:solidFill>
+                  <a:srgbClr val="FFFFFF"/>
+                </a:solidFill>
+              </a:rPr>
+              <a:t>github.com/dostraco</a:t>
+            </a:r>
+            <a:endParaRPr lang="en-US" dirty="0" smtClean="0">
+              <a:solidFill>
+                <a:srgbClr val="FFFFFF"/>
+              </a:solidFill>
+            </a:endParaRPr>
+          </a:p>
+          <a:p>
+            <a:pPr>
+              <a:buNone/>
+            </a:pPr>
+            <a:endParaRPr lang="en-US" dirty="0" smtClean="0">
+              <a:solidFill>
+                <a:srgbClr val="FFFFFF"/>
+              </a:solidFill>
+            </a:endParaRPr>
+          </a:p>
+          <a:p>
+            <a:pPr>
+              <a:buNone/>
+            </a:pPr>
+            <a:r>
+              <a:rPr lang="en-US" dirty="0" smtClean="0">
+                <a:solidFill>
+                  <a:srgbClr val="FFFFFF"/>
+                </a:solidFill>
+              </a:rPr>
+              <a:t>Presentation Stuffs</a:t>
+            </a:r>
+          </a:p>
+          <a:p>
+            <a:pPr>
+              <a:buNone/>
+            </a:pPr>
+            <a:r>
+              <a:rPr lang="en-US" sz="2800" dirty="0" smtClean="0">
+                <a:solidFill>
+                  <a:srgbClr val="FFFFFF"/>
+                </a:solidFill>
+              </a:rPr>
+              <a:t>https://</a:t>
+            </a:r>
+            <a:r>
+              <a:rPr lang="en-US" sz="2800" dirty="0" err="1" smtClean="0">
+                <a:solidFill>
+                  <a:srgbClr val="FFFFFF"/>
+                </a:solidFill>
+              </a:rPr>
+              <a:t>github.com/dostraco/SuperHappyDevDay</a:t>
+            </a:r>
+            <a:endParaRPr lang="en-US" sz="2800" dirty="0" smtClean="0">
+              <a:solidFill>
+                <a:srgbClr val="FFFFFF"/>
+              </a:solidFill>
+            </a:endParaRPr>
+          </a:p>
+        </p:txBody>
+      </p:sp>
+    </p:spTree>
+  </p:cSld>
+  <p:clrMapOvr>
+    <a:masterClrMapping/>
+  </p:clrMapOvr>
+  <p:timing>
+    <p:tnLst>
+      <p:par>
+        <p:cTn id="1" dur="indefinite" restart="never" nodeType="tmRoot"/>
+      </p:par>
+    </p:tnLst>
+  </p:timing>
 </p:sld>
 </file>
 
@@ -11132,94 +12205,123 @@
             <p:ph type="title"/>
           </p:nvPr>
         </p:nvSpPr>
-        <p:spPr/>
-        <p:txBody>
-          <a:bodyPr/>
-          <a:lstStyle/>
-          <a:p>
-            <a:r>
-              <a:rPr lang="en-US" dirty="0" smtClean="0"/>
-              <a:t>Sensory Overload?</a:t>
-            </a:r>
-            <a:endParaRPr lang="en-US" dirty="0"/>
-          </a:p>
-        </p:txBody>
-      </p:sp>
-      <p:sp>
-        <p:nvSpPr>
-          <p:cNvPr id="3" name="Content Placeholder 2"/>
-          <p:cNvSpPr>
-            <a:spLocks noGrp="1"/>
-          </p:cNvSpPr>
-          <p:nvPr>
-            <p:ph idx="1"/>
-          </p:nvPr>
-        </p:nvSpPr>
-        <p:spPr/>
-        <p:txBody>
-          <a:bodyPr/>
-          <a:lstStyle/>
-          <a:p>
-            <a:r>
-              <a:rPr lang="en-US" dirty="0" smtClean="0"/>
-              <a:t>Near Field Communication</a:t>
-            </a:r>
-            <a:endParaRPr lang="en-US" dirty="0" smtClean="0"/>
-          </a:p>
-          <a:p>
-            <a:r>
-              <a:rPr lang="en-US" dirty="0" smtClean="0"/>
-              <a:t>Ambient Light</a:t>
-            </a:r>
-            <a:endParaRPr lang="en-US" dirty="0" smtClean="0"/>
-          </a:p>
-          <a:p>
-            <a:r>
-              <a:rPr lang="en-US" dirty="0" smtClean="0"/>
-              <a:t>Proximity</a:t>
-            </a:r>
-          </a:p>
-          <a:p>
-            <a:r>
-              <a:rPr lang="en-US" dirty="0" smtClean="0"/>
-              <a:t>Barometer</a:t>
-            </a:r>
-          </a:p>
-          <a:p>
-            <a:r>
-              <a:rPr lang="en-US" dirty="0" smtClean="0"/>
-              <a:t>Thermometer</a:t>
-            </a:r>
-          </a:p>
-          <a:p>
-            <a:r>
-              <a:rPr lang="en-US" dirty="0" smtClean="0"/>
-              <a:t>Augmented Reality</a:t>
-            </a:r>
-          </a:p>
-          <a:p>
-            <a:r>
-              <a:rPr lang="en-US" dirty="0" err="1" smtClean="0"/>
-              <a:t>Haptic</a:t>
-            </a:r>
-            <a:r>
-              <a:rPr lang="en-US" dirty="0" smtClean="0"/>
-              <a:t> Feedback</a:t>
-            </a:r>
-          </a:p>
-          <a:p>
-            <a:endParaRPr lang="en-US" dirty="0" smtClean="0"/>
-          </a:p>
-          <a:p>
-            <a:endParaRPr lang="en-US" dirty="0"/>
-          </a:p>
-        </p:txBody>
-      </p:sp>
+        <p:spPr>
+          <a:xfrm>
+            <a:off x="0" y="274638"/>
+            <a:ext cx="9144000" cy="1143000"/>
+          </a:xfrm>
+        </p:spPr>
+        <p:txBody>
+          <a:bodyPr>
+            <a:normAutofit/>
+          </a:bodyPr>
+          <a:lstStyle/>
+          <a:p>
+            <a:r>
+              <a:rPr lang="en-US" dirty="0" smtClean="0"/>
+              <a:t>Becoming the preferred experience</a:t>
+            </a:r>
+          </a:p>
+        </p:txBody>
+      </p:sp>
+      <p:sp>
+        <p:nvSpPr>
+          <p:cNvPr id="7" name="TextBox 6"/>
+          <p:cNvSpPr txBox="1"/>
+          <p:nvPr/>
+        </p:nvSpPr>
+        <p:spPr>
+          <a:xfrm>
+            <a:off x="3839741" y="6465585"/>
+            <a:ext cx="5149192" cy="261610"/>
+          </a:xfrm>
+          <a:prstGeom prst="rect">
+            <a:avLst/>
+          </a:prstGeom>
+          <a:noFill/>
+        </p:spPr>
+        <p:txBody>
+          <a:bodyPr wrap="square" rtlCol="0">
+            <a:spAutoFit/>
+          </a:bodyPr>
+          <a:lstStyle/>
+          <a:p>
+            <a:pPr algn="r"/>
+            <a:r>
+              <a:rPr lang="en-US" sz="1100" dirty="0" smtClean="0">
+                <a:solidFill>
+                  <a:schemeClr val="tx1">
+                    <a:lumMod val="75000"/>
+                    <a:lumOff val="25000"/>
+                  </a:schemeClr>
+                </a:solidFill>
+                <a:latin typeface="Arial"/>
+                <a:cs typeface="Arial"/>
+              </a:rPr>
+              <a:t>source: http://</a:t>
+            </a:r>
+            <a:r>
+              <a:rPr lang="en-US" sz="1100" dirty="0" err="1" smtClean="0">
+                <a:solidFill>
+                  <a:schemeClr val="tx1">
+                    <a:lumMod val="75000"/>
+                    <a:lumOff val="25000"/>
+                  </a:schemeClr>
+                </a:solidFill>
+                <a:latin typeface="Arial"/>
+                <a:cs typeface="Arial"/>
+              </a:rPr>
+              <a:t>www.facebook.com/press/info.php?statistics</a:t>
+            </a:r>
+            <a:endParaRPr lang="en-US" sz="1100" dirty="0">
+              <a:solidFill>
+                <a:schemeClr val="tx1">
+                  <a:lumMod val="75000"/>
+                  <a:lumOff val="25000"/>
+                </a:schemeClr>
+              </a:solidFill>
+              <a:latin typeface="Arial"/>
+              <a:cs typeface="Arial"/>
+            </a:endParaRPr>
+          </a:p>
+        </p:txBody>
+      </p:sp>
+      <p:pic>
+        <p:nvPicPr>
+          <p:cNvPr id="9" name="Picture 8"/>
+          <p:cNvPicPr>
+            <a:picLocks noChangeAspect="1"/>
+          </p:cNvPicPr>
+          <p:nvPr/>
+        </p:nvPicPr>
+        <p:blipFill>
+          <a:blip r:embed="rId3"/>
+          <a:stretch>
+            <a:fillRect/>
+          </a:stretch>
+        </p:blipFill>
+        <p:spPr>
+          <a:xfrm>
+            <a:off x="585199" y="2185504"/>
+            <a:ext cx="8403734" cy="2914003"/>
+          </a:xfrm>
+          <a:prstGeom prst="rect">
+            <a:avLst/>
+          </a:prstGeom>
+        </p:spPr>
+      </p:pic>
     </p:spTree>
   </p:cSld>
   <p:clrMapOvr>
     <a:masterClrMapping/>
   </p:clrMapOvr>
+  <p:timing>
+    <p:tnLst>
+      <p:par>
+        <p:cTn id="1" dur="indefinite" restart="never" nodeType="tmRoot"/>
+      </p:par>
+    </p:tnLst>
+  </p:timing>
 </p:sld>
 </file>
 
@@ -11240,54 +12342,154 @@
           <a:chExt cx="0" cy="0"/>
         </a:xfrm>
       </p:grpSpPr>
-      <p:sp>
-        <p:nvSpPr>
-          <p:cNvPr id="2" name="Title 1"/>
-          <p:cNvSpPr>
-            <a:spLocks noGrp="1"/>
-          </p:cNvSpPr>
-          <p:nvPr>
-            <p:ph type="title"/>
-          </p:nvPr>
-        </p:nvSpPr>
-        <p:spPr/>
-        <p:txBody>
-          <a:bodyPr>
-            <a:normAutofit/>
-          </a:bodyPr>
-          <a:lstStyle/>
-          <a:p>
-            <a:r>
-              <a:rPr lang="en-US" dirty="0" smtClean="0"/>
-              <a:t>Location </a:t>
-            </a:r>
-            <a:r>
-              <a:rPr lang="en-US" dirty="0" smtClean="0"/>
-              <a:t>services</a:t>
-            </a:r>
-            <a:endParaRPr lang="en-US" dirty="0" smtClean="0"/>
-          </a:p>
-        </p:txBody>
-      </p:sp>
       <p:pic>
         <p:nvPicPr>
-          <p:cNvPr id="5" name="Content Placeholder 4" descr="Location Service Example.png"/>
+          <p:cNvPr id="9" name="Picture 8" descr="App-vs-web-graphic.png"/>
           <p:cNvPicPr>
-            <a:picLocks noGrp="1" noChangeAspect="1"/>
+            <a:picLocks noChangeAspect="1"/>
           </p:cNvPicPr>
-          <p:nvPr>
-            <p:ph idx="1"/>
-          </p:nvPr>
+          <p:nvPr/>
         </p:nvPicPr>
         <p:blipFill>
           <a:blip r:embed="rId3"/>
-          <a:srcRect l="-48329" r="-48329"/>
           <a:stretch>
             <a:fillRect/>
           </a:stretch>
         </p:blipFill>
-        <p:spPr/>
+        <p:spPr>
+          <a:xfrm>
+            <a:off x="0" y="0"/>
+            <a:ext cx="9144000" cy="6858001"/>
+          </a:xfrm>
+          <a:prstGeom prst="rect">
+            <a:avLst/>
+          </a:prstGeom>
+        </p:spPr>
       </p:pic>
+      <p:sp>
+        <p:nvSpPr>
+          <p:cNvPr id="4" name="TextBox 3"/>
+          <p:cNvSpPr txBox="1"/>
+          <p:nvPr/>
+        </p:nvSpPr>
+        <p:spPr>
+          <a:xfrm>
+            <a:off x="3632986" y="6596390"/>
+            <a:ext cx="5149192" cy="261610"/>
+          </a:xfrm>
+          <a:prstGeom prst="rect">
+            <a:avLst/>
+          </a:prstGeom>
+          <a:noFill/>
+        </p:spPr>
+        <p:txBody>
+          <a:bodyPr wrap="square" rtlCol="0">
+            <a:spAutoFit/>
+          </a:bodyPr>
+          <a:lstStyle/>
+          <a:p>
+            <a:pPr algn="r"/>
+            <a:r>
+              <a:rPr lang="en-US" sz="1100" dirty="0" smtClean="0">
+                <a:solidFill>
+                  <a:schemeClr val="tx1">
+                    <a:lumMod val="75000"/>
+                    <a:lumOff val="25000"/>
+                  </a:schemeClr>
+                </a:solidFill>
+                <a:latin typeface="Arial"/>
+                <a:cs typeface="Arial"/>
+              </a:rPr>
+              <a:t>sources: </a:t>
+            </a:r>
+            <a:r>
+              <a:rPr lang="en-US" sz="1100" dirty="0" err="1" smtClean="0">
+                <a:solidFill>
+                  <a:schemeClr val="tx1">
+                    <a:lumMod val="75000"/>
+                    <a:lumOff val="25000"/>
+                  </a:schemeClr>
+                </a:solidFill>
+                <a:latin typeface="Arial"/>
+                <a:cs typeface="Arial"/>
+              </a:rPr>
+              <a:t>comScore</a:t>
+            </a:r>
+            <a:r>
+              <a:rPr lang="en-US" sz="1100" dirty="0" smtClean="0">
+                <a:solidFill>
+                  <a:schemeClr val="tx1">
+                    <a:lumMod val="75000"/>
+                    <a:lumOff val="25000"/>
+                  </a:schemeClr>
+                </a:solidFill>
+                <a:latin typeface="Arial"/>
+                <a:cs typeface="Arial"/>
+              </a:rPr>
+              <a:t>, </a:t>
+            </a:r>
+            <a:r>
+              <a:rPr lang="en-US" sz="1100" dirty="0" err="1" smtClean="0">
+                <a:solidFill>
+                  <a:schemeClr val="tx1">
+                    <a:lumMod val="75000"/>
+                    <a:lumOff val="25000"/>
+                  </a:schemeClr>
+                </a:solidFill>
+                <a:latin typeface="Arial"/>
+                <a:cs typeface="Arial"/>
+              </a:rPr>
+              <a:t>Alexa</a:t>
+            </a:r>
+            <a:r>
+              <a:rPr lang="en-US" sz="1100" dirty="0" smtClean="0">
+                <a:solidFill>
+                  <a:schemeClr val="tx1">
+                    <a:lumMod val="75000"/>
+                    <a:lumOff val="25000"/>
+                  </a:schemeClr>
+                </a:solidFill>
+                <a:latin typeface="Arial"/>
+                <a:cs typeface="Arial"/>
+              </a:rPr>
+              <a:t>, Flurry Analytics</a:t>
+            </a:r>
+            <a:endParaRPr lang="en-US" sz="1100" dirty="0">
+              <a:solidFill>
+                <a:schemeClr val="tx1">
+                  <a:lumMod val="75000"/>
+                  <a:lumOff val="25000"/>
+                </a:schemeClr>
+              </a:solidFill>
+              <a:latin typeface="Arial"/>
+              <a:cs typeface="Arial"/>
+            </a:endParaRPr>
+          </a:p>
+        </p:txBody>
+      </p:sp>
+      <p:sp>
+        <p:nvSpPr>
+          <p:cNvPr id="5" name="Title 4"/>
+          <p:cNvSpPr>
+            <a:spLocks noGrp="1"/>
+          </p:cNvSpPr>
+          <p:nvPr>
+            <p:ph type="title"/>
+          </p:nvPr>
+        </p:nvSpPr>
+        <p:spPr/>
+        <p:txBody>
+          <a:bodyPr/>
+          <a:lstStyle/>
+          <a:p>
+            <a:r>
+              <a:rPr lang="en-US" dirty="0" smtClean="0"/>
+              <a:t>Mobile Apps or Web?</a:t>
+            </a:r>
+            <a:endParaRPr lang="en-US" dirty="0"/>
+          </a:p>
+        </p:txBody>
+      </p:sp>
     </p:spTree>
   </p:cSld>
   <p:clrMapOvr>
@@ -11337,7 +12539,7 @@
           <a:p>
             <a:r>
               <a:rPr lang="en-US" dirty="0" smtClean="0"/>
-              <a:t>Location Services</a:t>
+              <a:t>Sensory Perception</a:t>
             </a:r>
             <a:endParaRPr lang="en-US" dirty="0"/>
           </a:p>
@@ -11360,50 +12562,62 @@
           <a:p>
             <a:r>
               <a:rPr lang="en-US" dirty="0" smtClean="0"/>
-              <a:t>Carrier Towers (Accuracy within ~1000m+)</a:t>
-            </a:r>
-          </a:p>
-          <a:p>
+              <a:t>Touch</a:t>
+            </a:r>
+          </a:p>
+          <a:p>
+            <a:r>
+              <a:rPr lang="en-US" dirty="0" err="1" smtClean="0"/>
+              <a:t>Camera(s</a:t>
+            </a:r>
+            <a:r>
+              <a:rPr lang="en-US" dirty="0" smtClean="0"/>
+              <a:t>)</a:t>
+            </a:r>
+          </a:p>
+          <a:p>
+            <a:r>
+              <a:rPr lang="en-US" dirty="0" smtClean="0"/>
+              <a:t>Gyroscope</a:t>
+            </a:r>
+          </a:p>
+          <a:p>
+            <a:r>
+              <a:rPr lang="en-US" dirty="0" smtClean="0"/>
+              <a:t>Location (GPS, </a:t>
+            </a:r>
             <a:r>
               <a:rPr lang="en-US" dirty="0" err="1" smtClean="0"/>
               <a:t>WiFI</a:t>
             </a:r>
             <a:r>
               <a:rPr lang="en-US" dirty="0" smtClean="0"/>
-              <a:t> Signal (Accuracy within ~200m)</a:t>
-            </a:r>
-          </a:p>
-          <a:p>
-            <a:r>
-              <a:rPr lang="en-US" dirty="0" smtClean="0"/>
-              <a:t>GPS (Accuracy within ~10m)</a:t>
+              <a:t>, Carrier Tower)</a:t>
+            </a:r>
+          </a:p>
+          <a:p>
+            <a:r>
+              <a:rPr lang="en-US" dirty="0" smtClean="0"/>
+              <a:t>Compass</a:t>
+            </a:r>
+          </a:p>
+          <a:p>
+            <a:r>
+              <a:rPr lang="en-US" dirty="0" smtClean="0"/>
+              <a:t>Audio</a:t>
+            </a:r>
+          </a:p>
+          <a:p>
+            <a:r>
+              <a:rPr lang="en-US" dirty="0" smtClean="0"/>
+              <a:t>Bluetooth Communication</a:t>
             </a:r>
           </a:p>
           <a:p>
             <a:endParaRPr lang="en-US" dirty="0" smtClean="0"/>
           </a:p>
           <a:p>
-            <a:pPr>
-              <a:buNone/>
-            </a:pPr>
-            <a:r>
-              <a:rPr lang="en-US" dirty="0" smtClean="0"/>
-              <a:t>*Expect more accurate GPS location soon!</a:t>
-            </a:r>
-          </a:p>
-          <a:p>
-            <a:pPr>
-              <a:buNone/>
-            </a:pPr>
-            <a:r>
-              <a:rPr lang="en-US" sz="1600" dirty="0" smtClean="0"/>
-              <a:t>http://</a:t>
-            </a:r>
-            <a:r>
-              <a:rPr lang="en-US" sz="1600" dirty="0" err="1" smtClean="0"/>
-              <a:t>www.ted.com/talks/todd_humphreys_how_to_fool_a_gps.html</a:t>
-            </a:r>
-            <a:endParaRPr lang="en-US" sz="1600" dirty="0"/>
+            <a:endParaRPr lang="en-US" dirty="0"/>
           </a:p>
         </p:txBody>
       </p:sp>
@@ -11449,55 +12663,92 @@
           <a:p>
             <a:r>
               <a:rPr lang="en-US" dirty="0" smtClean="0"/>
-              <a:t>Custom Map Interactions</a:t>
+              <a:t>Sensory Overload?</a:t>
             </a:r>
             <a:endParaRPr lang="en-US" dirty="0"/>
           </a:p>
         </p:txBody>
       </p:sp>
-      <p:pic>
-        <p:nvPicPr>
-          <p:cNvPr id="5" name="Picture 4" descr="Mobile Capabiliy Example 3.png"/>
-          <p:cNvPicPr>
-            <a:picLocks noChangeAspect="1"/>
-          </p:cNvPicPr>
-          <p:nvPr/>
-        </p:nvPicPr>
-        <p:blipFill>
-          <a:blip r:embed="rId3"/>
-          <a:stretch>
-            <a:fillRect/>
-          </a:stretch>
-        </p:blipFill>
-        <p:spPr>
-          <a:xfrm>
-            <a:off x="1615427" y="1417638"/>
-            <a:ext cx="6004573" cy="4908198"/>
-          </a:xfrm>
-          <a:prstGeom prst="rect">
-            <a:avLst/>
-          </a:prstGeom>
-        </p:spPr>
-      </p:pic>
+      <p:sp>
+        <p:nvSpPr>
+          <p:cNvPr id="3" name="Content Placeholder 2"/>
+          <p:cNvSpPr>
+            <a:spLocks noGrp="1"/>
+          </p:cNvSpPr>
+          <p:nvPr>
+            <p:ph idx="1"/>
+          </p:nvPr>
+        </p:nvSpPr>
+        <p:spPr/>
+        <p:txBody>
+          <a:bodyPr/>
+          <a:lstStyle/>
+          <a:p>
+            <a:r>
+              <a:rPr lang="en-US" dirty="0" smtClean="0"/>
+              <a:t>Near Field Communication</a:t>
+            </a:r>
+          </a:p>
+          <a:p>
+            <a:r>
+              <a:rPr lang="en-US" dirty="0" smtClean="0"/>
+              <a:t>Ambient Light</a:t>
+            </a:r>
+          </a:p>
+          <a:p>
+            <a:r>
+              <a:rPr lang="en-US" dirty="0" smtClean="0"/>
+              <a:t>Proximity</a:t>
+            </a:r>
+          </a:p>
+          <a:p>
+            <a:r>
+              <a:rPr lang="en-US" dirty="0" smtClean="0"/>
+              <a:t>Barometer</a:t>
+            </a:r>
+          </a:p>
+          <a:p>
+            <a:r>
+              <a:rPr lang="en-US" dirty="0" smtClean="0"/>
+              <a:t>Thermometer</a:t>
+            </a:r>
+          </a:p>
+          <a:p>
+            <a:r>
+              <a:rPr lang="en-US" dirty="0" smtClean="0"/>
+              <a:t>Augmented Reality</a:t>
+            </a:r>
+          </a:p>
+          <a:p>
+            <a:r>
+              <a:rPr lang="en-US" dirty="0" err="1" smtClean="0"/>
+              <a:t>Haptic</a:t>
+            </a:r>
+            <a:r>
+              <a:rPr lang="en-US" dirty="0" smtClean="0"/>
+              <a:t> Feedback</a:t>
+            </a:r>
+          </a:p>
+          <a:p>
+            <a:endParaRPr lang="en-US" dirty="0" smtClean="0"/>
+          </a:p>
+          <a:p>
+            <a:endParaRPr lang="en-US" dirty="0"/>
+          </a:p>
+        </p:txBody>
+      </p:sp>
     </p:spTree>
   </p:cSld>
   <p:clrMapOvr>
     <a:masterClrMapping/>
   </p:clrMapOvr>
-  <p:timing>
-    <p:tnLst>
-      <p:par>
-        <p:cTn id="1" dur="indefinite" restart="never" nodeType="tmRoot"/>
-      </p:par>
-    </p:tnLst>
-  </p:timing>
 </p:sld>
 </file>
 
 <file path=ppt/theme/theme1.xml><?xml version="1.0" encoding="utf-8"?>
 <a:theme xmlns:a="http://schemas.openxmlformats.org/drawingml/2006/main" name="Office Theme">
   <a:themeElements>
-    <a:clrScheme name="Office">
+    <a:clrScheme name="Grayscale">
       <a:dk1>
         <a:sysClr val="windowText" lastClr="000000"/>
       </a:dk1>
@@ -11505,34 +12756,34 @@
         <a:sysClr val="window" lastClr="FFFFFF"/>
       </a:lt1>
       <a:dk2>
-        <a:srgbClr val="1F497D"/>
+        <a:srgbClr val="000000"/>
       </a:dk2>
       <a:lt2>
-        <a:srgbClr val="EEECE1"/>
+        <a:srgbClr val="F8F8F8"/>
       </a:lt2>
       <a:accent1>
-        <a:srgbClr val="4F81BD"/>
+        <a:srgbClr val="DDDDDD"/>
       </a:accent1>
       <a:accent2>
-        <a:srgbClr val="C0504D"/>
+        <a:srgbClr val="B2B2B2"/>
       </a:accent2>
       <a:accent3>
-        <a:srgbClr val="9BBB59"/>
+        <a:srgbClr val="969696"/>
       </a:accent3>
       <a:accent4>
-        <a:srgbClr val="8064A2"/>
+        <a:srgbClr val="808080"/>
       </a:accent4>
       <a:accent5>
-        <a:srgbClr val="4BACC6"/>
+        <a:srgbClr val="5F5F5F"/>
       </a:accent5>
       <a:accent6>
-        <a:srgbClr val="F79646"/>
+        <a:srgbClr val="4D4D4D"/>
       </a:accent6>
       <a:hlink>
-        <a:srgbClr val="0000FF"/>
+        <a:srgbClr val="5F5F5F"/>
       </a:hlink>
       <a:folHlink>
-        <a:srgbClr val="800080"/>
+        <a:srgbClr val="919191"/>
       </a:folHlink>
     </a:clrScheme>
     <a:fontScheme name="Office">

--- a/SHDD Mobile Presentation.pptx
+++ b/SHDD Mobile Presentation.pptx
@@ -2328,59 +2328,6 @@
             <a:normAutofit/>
           </a:bodyPr>
           <a:lstStyle/>
-          <a:p>
-            <a:pPr marL="0" marR="0" indent="0" algn="l" defTabSz="457200" rtl="0" eaLnBrk="1" fontAlgn="auto" latinLnBrk="0" hangingPunct="1">
-              <a:lnSpc>
-                <a:spcPct val="100000"/>
-              </a:lnSpc>
-              <a:spcBef>
-                <a:spcPts val="0"/>
-              </a:spcBef>
-              <a:spcAft>
-                <a:spcPts val="0"/>
-              </a:spcAft>
-              <a:buClrTx/>
-              <a:buSzTx/>
-              <a:buFontTx/>
-              <a:buNone/>
-              <a:tabLst/>
-              <a:defRPr/>
-            </a:pPr>
-            <a:r>
-              <a:rPr lang="en-US" dirty="0" smtClean="0"/>
-              <a:t>Mobile Devices are changing the way we develop. Mobile use may usurp desktop/laptop use as the preferred experience.</a:t>
-            </a:r>
-          </a:p>
-          <a:p>
-            <a:endParaRPr lang="en-US" dirty="0" smtClean="0"/>
-          </a:p>
-          <a:p>
-            <a:r>
-              <a:rPr lang="en-US" dirty="0" smtClean="0"/>
-              <a:t>Applications are no longer monolithic apps that do everything. Applications are now smaller, hyper focused and unchained by location.</a:t>
-            </a:r>
-          </a:p>
-          <a:p>
-            <a:r>
-              <a:rPr lang="en-US" dirty="0" smtClean="0"/>
-              <a:t>In mobile, the application is the sum of all its parts and those parts are the hyper focused individual apps.</a:t>
-            </a:r>
-          </a:p>
-          <a:p>
-            <a:endParaRPr lang="en-US" dirty="0" smtClean="0"/>
-          </a:p>
-          <a:p>
-            <a:r>
-              <a:rPr lang="en-US" dirty="0" smtClean="0"/>
-              <a:t>Future development may sidestep the large desktop experience with mobile as the augmenter, to a Mobile first approach.</a:t>
-            </a:r>
-          </a:p>
-          <a:p>
-            <a:r>
-              <a:rPr lang="en-US" dirty="0" smtClean="0"/>
-              <a:t>How do we evolve to a new development landscape that requires rapidly deploying smaller plank applications?</a:t>
-            </a:r>
-          </a:p>
           <a:p>
             <a:endParaRPr lang="en-US" dirty="0"/>
           </a:p>
@@ -11493,7 +11440,7 @@
         <p:spPr/>
         <p:txBody>
           <a:bodyPr>
-            <a:normAutofit lnSpcReduction="10000"/>
+            <a:normAutofit fontScale="92500" lnSpcReduction="10000"/>
           </a:bodyPr>
           <a:lstStyle/>
           <a:p>
@@ -11524,8 +11471,48 @@
                   <a:srgbClr val="FFFFFF"/>
                 </a:solidFill>
               </a:rPr>
-              <a:t>Nothing to install</a:t>
-            </a:r>
+              <a:t>Nothing to </a:t>
+            </a:r>
+            <a:r>
+              <a:rPr lang="en-US" dirty="0" smtClean="0">
+                <a:solidFill>
+                  <a:srgbClr val="FFFFFF"/>
+                </a:solidFill>
+              </a:rPr>
+              <a:t>install other than your preferred IDE</a:t>
+            </a:r>
+          </a:p>
+          <a:p>
+            <a:pPr lvl="2"/>
+            <a:r>
+              <a:rPr lang="en-US" dirty="0" smtClean="0">
+                <a:solidFill>
+                  <a:srgbClr val="FFFFFF"/>
+                </a:solidFill>
+              </a:rPr>
+              <a:t>Hint Hint… </a:t>
+            </a:r>
+            <a:r>
+              <a:rPr lang="en-US" dirty="0" smtClean="0">
+                <a:solidFill>
+                  <a:srgbClr val="FFFFFF"/>
+                </a:solidFill>
+              </a:rPr>
+              <a:t>U</a:t>
+            </a:r>
+            <a:r>
+              <a:rPr lang="en-US" dirty="0" smtClean="0">
+                <a:solidFill>
+                  <a:srgbClr val="FFFFFF"/>
+                </a:solidFill>
+              </a:rPr>
+              <a:t>SE INTELIJ! It’s Free and has Android support</a:t>
+            </a:r>
+            <a:endParaRPr lang="en-US" dirty="0" smtClean="0">
+              <a:solidFill>
+                <a:srgbClr val="FFFFFF"/>
+              </a:solidFill>
+            </a:endParaRPr>
           </a:p>
           <a:p>
             <a:r>

--- a/SHDD Mobile Presentation.pptx
+++ b/SHDD Mobile Presentation.pptx
@@ -1493,11 +1493,7 @@
             </a:r>
             <a:r>
               <a:rPr lang="en-US" baseline="0" dirty="0" smtClean="0"/>
-              <a:t> needs. The total sum of all mobile applications is the whole enterprise application with a tailored user experiences</a:t>
-            </a:r>
-            <a:r>
-              <a:rPr lang="en-US" baseline="0" dirty="0" smtClean="0"/>
-              <a:t>. Think of what you really want to do on your banking app.</a:t>
+              <a:t> needs. The total sum of all mobile applications is the whole enterprise application with a tailored user experiences. Think of what you really want to do on your banking app.</a:t>
             </a:r>
             <a:endParaRPr lang="en-US" dirty="0" smtClean="0"/>
           </a:p>
@@ -7117,7 +7113,11 @@
           <a:p>
             <a:r>
               <a:rPr lang="en-US" dirty="0" smtClean="0"/>
-              <a:t>Kitsch or the future?</a:t>
+              <a:t>Hype Machine or </a:t>
+            </a:r>
+            <a:r>
+              <a:rPr lang="en-US" dirty="0" smtClean="0"/>
+              <a:t>the future?</a:t>
             </a:r>
           </a:p>
           <a:p>
@@ -8606,27 +8606,7 @@
           <a:p>
             <a:r>
               <a:rPr lang="en-US" dirty="0" smtClean="0"/>
-              <a:t>Reduce 20 clicks to a gesture, swipe, tilt, point, shoot, </a:t>
-            </a:r>
-            <a:r>
-              <a:rPr lang="en-US" dirty="0" smtClean="0"/>
-              <a:t>speak, </a:t>
-            </a:r>
-            <a:r>
-              <a:rPr lang="en-US" dirty="0" smtClean="0"/>
-              <a:t>touch, feel, notification, push, pull, bump, </a:t>
-            </a:r>
-            <a:r>
-              <a:rPr lang="en-US" dirty="0" smtClean="0"/>
-              <a:t>beam, draw </a:t>
-            </a:r>
-            <a:r>
-              <a:rPr lang="en-US" dirty="0" smtClean="0"/>
-              <a:t>and whatever else comes along</a:t>
-            </a:r>
-            <a:r>
-              <a:rPr lang="en-US" dirty="0" smtClean="0"/>
-              <a:t>.</a:t>
+              <a:t>Reduce 20 clicks to a gesture, swipe, tilt, point, shoot, speak, touch, feel, notification, push, pull, bump, beam, draw and whatever else comes along.</a:t>
             </a:r>
           </a:p>
           <a:p>
@@ -8634,7 +8614,6 @@
               <a:rPr lang="en-US" dirty="0" smtClean="0"/>
               <a:t>Interact with your user and their environment</a:t>
             </a:r>
-            <a:endParaRPr lang="en-US" dirty="0" smtClean="0"/>
           </a:p>
         </p:txBody>
       </p:sp>
@@ -10968,59 +10947,35 @@
           <a:p>
             <a:r>
               <a:rPr lang="en-US" dirty="0" smtClean="0"/>
-              <a:t>Native experience with dynami</a:t>
-            </a:r>
-            <a:r>
-              <a:rPr lang="en-US" dirty="0" smtClean="0"/>
-              <a:t>c web content</a:t>
-            </a:r>
-            <a:endParaRPr lang="en-US" dirty="0" smtClean="0"/>
+              <a:t>Native experience with dynamic web content</a:t>
+            </a:r>
           </a:p>
           <a:p>
             <a:r>
               <a:rPr lang="en-US" dirty="0" smtClean="0"/>
               <a:t>Pros</a:t>
             </a:r>
-            <a:endParaRPr lang="en-US" dirty="0" smtClean="0"/>
           </a:p>
           <a:p>
             <a:pPr lvl="1"/>
             <a:r>
               <a:rPr lang="en-US" dirty="0" smtClean="0"/>
-              <a:t>Get your native </a:t>
-            </a:r>
-            <a:r>
-              <a:rPr lang="en-US" dirty="0" smtClean="0"/>
-              <a:t>on</a:t>
+              <a:t>Get your native on</a:t>
             </a:r>
           </a:p>
           <a:p>
             <a:pPr lvl="1"/>
             <a:r>
               <a:rPr lang="en-US" dirty="0" smtClean="0"/>
-              <a:t>Smoother user </a:t>
-            </a:r>
-            <a:r>
-              <a:rPr lang="en-US" dirty="0" smtClean="0"/>
-              <a:t>experience</a:t>
-            </a:r>
-            <a:endParaRPr lang="en-US" dirty="0" smtClean="0"/>
+              <a:t>Smoother user experience</a:t>
+            </a:r>
           </a:p>
           <a:p>
             <a:pPr lvl="1"/>
             <a:r>
               <a:rPr lang="en-US" dirty="0" smtClean="0"/>
-              <a:t>Web Views can re-leverage your</a:t>
-            </a:r>
-            <a:r>
-              <a:rPr lang="en-US" dirty="0" smtClean="0"/>
-              <a:t> already existing web </a:t>
-            </a:r>
-            <a:r>
-              <a:rPr lang="en-US" dirty="0" smtClean="0"/>
-              <a:t>content</a:t>
-            </a:r>
-            <a:endParaRPr lang="en-US" dirty="0" smtClean="0"/>
+              <a:t>Web Views can re-leverage your already existing web content</a:t>
+            </a:r>
           </a:p>
           <a:p>
             <a:pPr lvl="1"/>
@@ -11112,7 +11067,6 @@
               <a:rPr lang="en-US" dirty="0" smtClean="0"/>
               <a:t>Still requires four separate development efforts for the app itself, but not the content.</a:t>
             </a:r>
-            <a:endParaRPr lang="en-US" dirty="0" smtClean="0"/>
           </a:p>
         </p:txBody>
       </p:sp>
@@ -11440,7 +11394,7 @@
         <p:spPr/>
         <p:txBody>
           <a:bodyPr>
-            <a:normAutofit fontScale="92500" lnSpcReduction="10000"/>
+            <a:normAutofit fontScale="92500" lnSpcReduction="20000"/>
           </a:bodyPr>
           <a:lstStyle/>
           <a:p>
@@ -11462,6 +11416,11 @@
               </a:rPr>
               <a:t>Android Geeks</a:t>
             </a:r>
+            <a:endParaRPr lang="en-US" dirty="0" smtClean="0">
+              <a:solidFill>
+                <a:srgbClr val="FFFFFF"/>
+              </a:solidFill>
+            </a:endParaRPr>
           </a:p>
           <a:p>
             <a:pPr lvl="1"/>
@@ -11471,48 +11430,19 @@
                   <a:srgbClr val="FFFFFF"/>
                 </a:solidFill>
               </a:rPr>
-              <a:t>Nothing to </a:t>
-            </a:r>
+              <a:t>Install your preferred IDE and the Android SDK</a:t>
+            </a:r>
+          </a:p>
+          <a:p>
+            <a:pPr lvl="2"/>
             <a:r>
               <a:rPr lang="en-US" dirty="0" smtClean="0">
                 <a:solidFill>
                   <a:srgbClr val="FFFFFF"/>
                 </a:solidFill>
               </a:rPr>
-              <a:t>install other than your preferred IDE</a:t>
-            </a:r>
-          </a:p>
-          <a:p>
-            <a:pPr lvl="2"/>
-            <a:r>
-              <a:rPr lang="en-US" dirty="0" smtClean="0">
-                <a:solidFill>
-                  <a:srgbClr val="FFFFFF"/>
-                </a:solidFill>
-              </a:rPr>
-              <a:t>Hint Hint… </a:t>
-            </a:r>
-            <a:r>
-              <a:rPr lang="en-US" dirty="0" smtClean="0">
-                <a:solidFill>
-                  <a:srgbClr val="FFFFFF"/>
-                </a:solidFill>
-              </a:rPr>
-              <a:t>U</a:t>
-            </a:r>
-            <a:r>
-              <a:rPr lang="en-US" dirty="0" smtClean="0">
-                <a:solidFill>
-                  <a:srgbClr val="FFFFFF"/>
-                </a:solidFill>
-              </a:rPr>
-              <a:t>SE INTELIJ! It’s Free and has Android support</a:t>
-            </a:r>
-            <a:endParaRPr lang="en-US" dirty="0" smtClean="0">
-              <a:solidFill>
-                <a:srgbClr val="FFFFFF"/>
-              </a:solidFill>
-            </a:endParaRPr>
+              <a:t>Hint Hint… USE INTELIJ! It’s Free and has Android support</a:t>
+            </a:r>
           </a:p>
           <a:p>
             <a:r>
@@ -11552,9 +11482,50 @@
                 <a:solidFill>
                   <a:srgbClr val="FFFFFF"/>
                 </a:solidFill>
+              </a:rPr>
+              <a:t>Install </a:t>
+            </a:r>
+            <a:r>
+              <a:rPr lang="en-US" dirty="0" err="1" smtClean="0">
+                <a:solidFill>
+                  <a:srgbClr val="FFFFFF"/>
+                </a:solidFill>
+              </a:rPr>
+              <a:t>xCode</a:t>
+            </a:r>
+            <a:r>
+              <a:rPr lang="en-US" dirty="0" smtClean="0">
+                <a:solidFill>
+                  <a:srgbClr val="FFFFFF"/>
+                </a:solidFill>
+              </a:rPr>
+              <a:t> 4.x.x</a:t>
+            </a:r>
+            <a:endParaRPr lang="en-US" dirty="0" smtClean="0">
+              <a:solidFill>
+                <a:srgbClr val="FFFFFF"/>
+              </a:solidFill>
+            </a:endParaRPr>
+          </a:p>
+          <a:p>
+            <a:pPr lvl="1"/>
+            <a:r>
+              <a:rPr lang="en-US" dirty="0" smtClean="0">
+                <a:solidFill>
+                  <a:srgbClr val="FFFFFF"/>
+                </a:solidFill>
                 <a:hlinkClick r:id="rId4"/>
               </a:rPr>
-              <a:t>http://docs.phonegap.com/en/2.0.0/guide_getting-started_ios_index.md.html#Getting%20Started%20with%20iOS</a:t>
+              <a:t>http://docs.phonegap.com/en/2.0.0/guide_getting-started_ios_index.md.html#Getting%20Started%20with%</a:t>
+            </a:r>
+            <a:r>
+              <a:rPr lang="en-US" dirty="0" smtClean="0">
+                <a:solidFill>
+                  <a:srgbClr val="FFFFFF"/>
+                </a:solidFill>
+                <a:hlinkClick r:id="rId4"/>
+              </a:rPr>
+              <a:t>20iOS</a:t>
             </a:r>
             <a:endParaRPr lang="en-US" dirty="0" smtClean="0">
               <a:solidFill>
@@ -11722,12 +11693,20 @@
           </a:p>
           <a:p>
             <a:r>
+              <a:rPr lang="en-US" smtClean="0">
+                <a:solidFill>
+                  <a:srgbClr val="FFFFFF"/>
+                </a:solidFill>
+              </a:rPr>
+              <a:t>80% </a:t>
+            </a:r>
+            <a:r>
               <a:rPr lang="en-US" dirty="0" smtClean="0">
                 <a:solidFill>
                   <a:srgbClr val="FFFFFF"/>
                 </a:solidFill>
               </a:rPr>
-              <a:t>85% of us are Engineers</a:t>
+              <a:t>of us are Engineers</a:t>
             </a:r>
           </a:p>
           <a:p>
